--- a/ChessRPG-présentation.pptx
+++ b/ChessRPG-présentation.pptx
@@ -5,7 +5,7 @@
     <p:sldMasterId id="2147483660" r:id="rId1"/>
   </p:sldMasterIdLst>
   <p:notesMasterIdLst>
-    <p:notesMasterId r:id="rId16"/>
+    <p:notesMasterId r:id="rId17"/>
   </p:notesMasterIdLst>
   <p:sldIdLst>
     <p:sldId id="256" r:id="rId2"/>
@@ -13,15 +13,16 @@
     <p:sldId id="258" r:id="rId4"/>
     <p:sldId id="259" r:id="rId5"/>
     <p:sldId id="260" r:id="rId6"/>
-    <p:sldId id="261" r:id="rId7"/>
-    <p:sldId id="262" r:id="rId8"/>
-    <p:sldId id="263" r:id="rId9"/>
-    <p:sldId id="264" r:id="rId10"/>
-    <p:sldId id="265" r:id="rId11"/>
-    <p:sldId id="266" r:id="rId12"/>
-    <p:sldId id="268" r:id="rId13"/>
-    <p:sldId id="267" r:id="rId14"/>
-    <p:sldId id="269" r:id="rId15"/>
+    <p:sldId id="270" r:id="rId7"/>
+    <p:sldId id="271" r:id="rId8"/>
+    <p:sldId id="272" r:id="rId9"/>
+    <p:sldId id="273" r:id="rId10"/>
+    <p:sldId id="274" r:id="rId11"/>
+    <p:sldId id="275" r:id="rId12"/>
+    <p:sldId id="278" r:id="rId13"/>
+    <p:sldId id="276" r:id="rId14"/>
+    <p:sldId id="277" r:id="rId15"/>
+    <p:sldId id="269" r:id="rId16"/>
   </p:sldIdLst>
   <p:sldSz cx="12192000" cy="6858000"/>
   <p:notesSz cx="6858000" cy="9144000"/>
@@ -120,6 +121,11 @@
       </a:defRPr>
     </a:lvl9pPr>
   </p:defaultTextStyle>
+  <p:extLst>
+    <p:ext uri="{EFAFB233-063F-42B5-8137-9DF3F51BA10A}">
+      <p15:sldGuideLst xmlns:p15="http://schemas.microsoft.com/office/powerpoint/2012/main"/>
+    </p:ext>
+  </p:extLst>
 </p:presentation>
 </file>
 
@@ -205,7 +211,7 @@
           <a:p>
             <a:fld id="{D7C11A9D-1DE5-4F0B-80C9-051901EBB71C}" type="datetimeFigureOut">
               <a:rPr lang="fr-FR" smtClean="0"/>
-              <a:t>20/05/2015</a:t>
+              <a:t>25/05/2015</a:t>
             </a:fld>
             <a:endParaRPr lang="fr-FR"/>
           </a:p>
@@ -783,7 +789,7 @@
           <a:p>
             <a:fld id="{23502C51-1561-4EB6-9C93-546E852DCB67}" type="datetime1">
               <a:rPr lang="fr-FR" smtClean="0"/>
-              <a:t>20/05/2015</a:t>
+              <a:t>25/05/2015</a:t>
             </a:fld>
             <a:endParaRPr lang="fr-FR"/>
           </a:p>
@@ -995,7 +1001,7 @@
           <a:p>
             <a:fld id="{3325F845-7EA5-4853-9502-4FE804A20DD0}" type="datetime1">
               <a:rPr lang="fr-FR" smtClean="0"/>
-              <a:t>20/05/2015</a:t>
+              <a:t>25/05/2015</a:t>
             </a:fld>
             <a:endParaRPr lang="fr-FR"/>
           </a:p>
@@ -1255,7 +1261,7 @@
           <a:p>
             <a:fld id="{33B2B481-7D1E-4C4F-8E47-F066BE0397FB}" type="datetime1">
               <a:rPr lang="fr-FR" smtClean="0"/>
-              <a:t>20/05/2015</a:t>
+              <a:t>25/05/2015</a:t>
             </a:fld>
             <a:endParaRPr lang="fr-FR"/>
           </a:p>
@@ -1433,7 +1439,7 @@
           <a:p>
             <a:fld id="{4C65F994-49BC-4889-8CFA-7C9632A8F570}" type="datetime1">
               <a:rPr lang="fr-FR" smtClean="0"/>
-              <a:t>20/05/2015</a:t>
+              <a:t>25/05/2015</a:t>
             </a:fld>
             <a:endParaRPr lang="fr-FR"/>
           </a:p>
@@ -1780,7 +1786,7 @@
           <a:p>
             <a:fld id="{F0FECA8E-85F6-4F89-8F99-8BC756F6499E}" type="datetime1">
               <a:rPr lang="fr-FR" smtClean="0"/>
-              <a:t>20/05/2015</a:t>
+              <a:t>25/05/2015</a:t>
             </a:fld>
             <a:endParaRPr lang="fr-FR"/>
           </a:p>
@@ -2059,7 +2065,7 @@
           <a:p>
             <a:fld id="{97BBA5F2-E306-4003-BE76-D53FFDC75E6D}" type="datetime1">
               <a:rPr lang="fr-FR" smtClean="0"/>
-              <a:t>20/05/2015</a:t>
+              <a:t>25/05/2015</a:t>
             </a:fld>
             <a:endParaRPr lang="fr-FR"/>
           </a:p>
@@ -2442,7 +2448,7 @@
           <a:p>
             <a:fld id="{7951AAE5-9493-4102-AAC4-C32F29644CF5}" type="datetime1">
               <a:rPr lang="fr-FR" smtClean="0"/>
-              <a:t>20/05/2015</a:t>
+              <a:t>25/05/2015</a:t>
             </a:fld>
             <a:endParaRPr lang="fr-FR"/>
           </a:p>
@@ -2564,7 +2570,7 @@
           <a:p>
             <a:fld id="{D45A2621-94DB-4F6F-A900-E67BE057B93C}" type="datetime1">
               <a:rPr lang="fr-FR" smtClean="0"/>
-              <a:t>20/05/2015</a:t>
+              <a:t>25/05/2015</a:t>
             </a:fld>
             <a:endParaRPr lang="fr-FR"/>
           </a:p>
@@ -2739,7 +2745,7 @@
           <a:p>
             <a:fld id="{6F939835-99A2-4966-A1AD-B12BD8DBA2F4}" type="datetime1">
               <a:rPr lang="fr-FR" smtClean="0"/>
-              <a:t>20/05/2015</a:t>
+              <a:t>25/05/2015</a:t>
             </a:fld>
             <a:endParaRPr lang="fr-FR"/>
           </a:p>
@@ -3097,7 +3103,7 @@
           <a:p>
             <a:fld id="{DAA0C033-B7EF-41FA-9F2C-587AE82FF26F}" type="datetime1">
               <a:rPr lang="fr-FR" smtClean="0"/>
-              <a:t>20/05/2015</a:t>
+              <a:t>25/05/2015</a:t>
             </a:fld>
             <a:endParaRPr lang="fr-FR"/>
           </a:p>
@@ -3483,7 +3489,7 @@
           <a:p>
             <a:fld id="{83E5E0AD-6076-431B-9033-EEB312E14D36}" type="datetime1">
               <a:rPr lang="fr-FR" smtClean="0"/>
-              <a:t>20/05/2015</a:t>
+              <a:t>25/05/2015</a:t>
             </a:fld>
             <a:endParaRPr lang="fr-FR"/>
           </a:p>
@@ -3774,7 +3780,7 @@
           <a:p>
             <a:fld id="{571DC12F-2558-48E8-8199-85DA5BCD3AE0}" type="datetime1">
               <a:rPr lang="fr-FR" smtClean="0"/>
-              <a:t>20/05/2015</a:t>
+              <a:t>25/05/2015</a:t>
             </a:fld>
             <a:endParaRPr lang="fr-FR"/>
           </a:p>
@@ -4406,7 +4412,7 @@
           <a:p>
             <a:fld id="{51ADFFF0-C704-4BDF-851F-BCB6753F83E5}" type="datetime1">
               <a:rPr lang="fr-FR" smtClean="0"/>
-              <a:t>20/05/2015</a:t>
+              <a:t>25/05/2015</a:t>
             </a:fld>
             <a:endParaRPr lang="fr-FR"/>
           </a:p>
@@ -4505,7 +4511,19 @@
           <a:p>
             <a:r>
               <a:rPr lang="fr-FR" dirty="0" smtClean="0"/>
-              <a:t>Module : Joueur</a:t>
+              <a:t>Module </a:t>
+            </a:r>
+            <a:r>
+              <a:rPr lang="fr-FR" dirty="0" smtClean="0">
+                <a:solidFill>
+                  <a:srgbClr val="00B050"/>
+                </a:solidFill>
+              </a:rPr>
+              <a:t>:</a:t>
+            </a:r>
+            <a:r>
+              <a:rPr lang="fr-FR" dirty="0" smtClean="0"/>
+              <a:t> Plateau</a:t>
             </a:r>
             <a:endParaRPr lang="fr-FR" dirty="0"/>
           </a:p>
@@ -4526,7 +4544,147 @@
           <a:bodyPr/>
           <a:lstStyle/>
           <a:p>
-            <a:endParaRPr lang="fr-FR"/>
+            <a:r>
+              <a:rPr lang="fr-FR" b="1" dirty="0" err="1">
+                <a:solidFill>
+                  <a:srgbClr val="002060"/>
+                </a:solidFill>
+              </a:rPr>
+              <a:t>typedef</a:t>
+            </a:r>
+            <a:r>
+              <a:rPr lang="fr-FR" b="1" dirty="0">
+                <a:solidFill>
+                  <a:srgbClr val="002060"/>
+                </a:solidFill>
+              </a:rPr>
+              <a:t> </a:t>
+            </a:r>
+            <a:r>
+              <a:rPr lang="fr-FR" b="1" dirty="0" err="1">
+                <a:solidFill>
+                  <a:srgbClr val="002060"/>
+                </a:solidFill>
+              </a:rPr>
+              <a:t>struct</a:t>
+            </a:r>
+            <a:endParaRPr lang="fr-FR" b="1" dirty="0">
+              <a:solidFill>
+                <a:srgbClr val="002060"/>
+              </a:solidFill>
+            </a:endParaRPr>
+          </a:p>
+          <a:p>
+            <a:r>
+              <a:rPr lang="fr-FR" dirty="0">
+                <a:solidFill>
+                  <a:srgbClr val="FF0000"/>
+                </a:solidFill>
+              </a:rPr>
+              <a:t>{</a:t>
+            </a:r>
+          </a:p>
+          <a:p>
+            <a:r>
+              <a:rPr lang="fr-FR" dirty="0"/>
+              <a:t>    </a:t>
+            </a:r>
+            <a:r>
+              <a:rPr lang="fr-FR" b="1" dirty="0"/>
+              <a:t>Case</a:t>
+            </a:r>
+            <a:r>
+              <a:rPr lang="fr-FR" dirty="0"/>
+              <a:t> </a:t>
+            </a:r>
+            <a:r>
+              <a:rPr lang="fr-FR" dirty="0">
+                <a:solidFill>
+                  <a:srgbClr val="FF0000"/>
+                </a:solidFill>
+              </a:rPr>
+              <a:t>**</a:t>
+            </a:r>
+            <a:r>
+              <a:rPr lang="fr-FR" dirty="0"/>
+              <a:t> </a:t>
+            </a:r>
+            <a:r>
+              <a:rPr lang="fr-FR" dirty="0" err="1"/>
+              <a:t>echiquier</a:t>
+            </a:r>
+            <a:r>
+              <a:rPr lang="fr-FR" dirty="0"/>
+              <a:t> </a:t>
+            </a:r>
+            <a:r>
+              <a:rPr lang="fr-FR" dirty="0">
+                <a:solidFill>
+                  <a:srgbClr val="FF0000"/>
+                </a:solidFill>
+              </a:rPr>
+              <a:t>;</a:t>
+            </a:r>
+          </a:p>
+          <a:p>
+            <a:r>
+              <a:rPr lang="fr-FR" dirty="0"/>
+              <a:t>    </a:t>
+            </a:r>
+            <a:r>
+              <a:rPr lang="fr-FR" b="1" dirty="0" err="1">
+                <a:solidFill>
+                  <a:srgbClr val="002060"/>
+                </a:solidFill>
+              </a:rPr>
+              <a:t>int</a:t>
+            </a:r>
+            <a:r>
+              <a:rPr lang="fr-FR" dirty="0">
+                <a:solidFill>
+                  <a:srgbClr val="002060"/>
+                </a:solidFill>
+              </a:rPr>
+              <a:t> </a:t>
+            </a:r>
+            <a:r>
+              <a:rPr lang="fr-FR" dirty="0" err="1"/>
+              <a:t>nbTours</a:t>
+            </a:r>
+            <a:r>
+              <a:rPr lang="fr-FR" dirty="0"/>
+              <a:t> </a:t>
+            </a:r>
+            <a:r>
+              <a:rPr lang="fr-FR" dirty="0">
+                <a:solidFill>
+                  <a:srgbClr val="FF0000"/>
+                </a:solidFill>
+              </a:rPr>
+              <a:t>;</a:t>
+            </a:r>
+          </a:p>
+          <a:p>
+            <a:r>
+              <a:rPr lang="fr-FR" dirty="0">
+                <a:solidFill>
+                  <a:srgbClr val="FF0000"/>
+                </a:solidFill>
+              </a:rPr>
+              <a:t>}</a:t>
+            </a:r>
+            <a:r>
+              <a:rPr lang="fr-FR" dirty="0"/>
+              <a:t> Plateau </a:t>
+            </a:r>
+            <a:r>
+              <a:rPr lang="fr-FR" dirty="0">
+                <a:solidFill>
+                  <a:srgbClr val="FF0000"/>
+                </a:solidFill>
+              </a:rPr>
+              <a:t>;</a:t>
+            </a:r>
           </a:p>
         </p:txBody>
       </p:sp>
@@ -4547,7 +4705,7 @@
           <a:p>
             <a:fld id="{4C65F994-49BC-4889-8CFA-7C9632A8F570}" type="datetime1">
               <a:rPr lang="fr-FR" smtClean="0"/>
-              <a:t>20/05/2015</a:t>
+              <a:t>25/05/2015</a:t>
             </a:fld>
             <a:endParaRPr lang="fr-FR"/>
           </a:p>
@@ -4599,16 +4757,206 @@
           </a:p>
         </p:txBody>
       </p:sp>
+      <p:sp>
+        <p:nvSpPr>
+          <p:cNvPr id="7" name="ZoneTexte 6"/>
+          <p:cNvSpPr txBox="1"/>
+          <p:nvPr/>
+        </p:nvSpPr>
+        <p:spPr>
+          <a:xfrm>
+            <a:off x="5603353" y="3857414"/>
+            <a:ext cx="5811271" cy="923330"/>
+          </a:xfrm>
+          <a:prstGeom prst="rect">
+            <a:avLst/>
+          </a:prstGeom>
+          <a:noFill/>
+        </p:spPr>
+        <p:txBody>
+          <a:bodyPr wrap="none" rtlCol="0">
+            <a:spAutoFit/>
+          </a:bodyPr>
+          <a:lstStyle/>
+          <a:p>
+            <a:r>
+              <a:rPr lang="fr-FR" b="1" dirty="0" err="1">
+                <a:solidFill>
+                  <a:srgbClr val="002060"/>
+                </a:solidFill>
+              </a:rPr>
+              <a:t>void</a:t>
+            </a:r>
+            <a:r>
+              <a:rPr lang="fr-FR" dirty="0">
+                <a:solidFill>
+                  <a:srgbClr val="002060"/>
+                </a:solidFill>
+              </a:rPr>
+              <a:t> </a:t>
+            </a:r>
+            <a:r>
+              <a:rPr lang="fr-FR" dirty="0" err="1"/>
+              <a:t>reinitCouleursEchiquier</a:t>
+            </a:r>
+            <a:r>
+              <a:rPr lang="fr-FR" dirty="0">
+                <a:solidFill>
+                  <a:srgbClr val="FF0000"/>
+                </a:solidFill>
+              </a:rPr>
+              <a:t>(</a:t>
+            </a:r>
+            <a:r>
+              <a:rPr lang="fr-FR" b="1" dirty="0"/>
+              <a:t>Plateau</a:t>
+            </a:r>
+            <a:r>
+              <a:rPr lang="fr-FR" dirty="0"/>
+              <a:t> </a:t>
+            </a:r>
+            <a:r>
+              <a:rPr lang="fr-FR" dirty="0">
+                <a:solidFill>
+                  <a:srgbClr val="FF0000"/>
+                </a:solidFill>
+              </a:rPr>
+              <a:t>*</a:t>
+            </a:r>
+            <a:r>
+              <a:rPr lang="fr-FR" dirty="0"/>
+              <a:t> plateau</a:t>
+            </a:r>
+            <a:r>
+              <a:rPr lang="fr-FR" dirty="0" smtClean="0">
+                <a:solidFill>
+                  <a:srgbClr val="FF0000"/>
+                </a:solidFill>
+              </a:rPr>
+              <a:t>)</a:t>
+            </a:r>
+          </a:p>
+          <a:p>
+            <a:r>
+              <a:rPr lang="fr-FR" b="1" dirty="0" err="1">
+                <a:solidFill>
+                  <a:srgbClr val="002060"/>
+                </a:solidFill>
+              </a:rPr>
+              <a:t>void</a:t>
+            </a:r>
+            <a:r>
+              <a:rPr lang="fr-FR" dirty="0">
+                <a:solidFill>
+                  <a:srgbClr val="002060"/>
+                </a:solidFill>
+              </a:rPr>
+              <a:t> </a:t>
+            </a:r>
+            <a:r>
+              <a:rPr lang="fr-FR" dirty="0" err="1"/>
+              <a:t>initPlateau</a:t>
+            </a:r>
+            <a:r>
+              <a:rPr lang="fr-FR" dirty="0">
+                <a:solidFill>
+                  <a:srgbClr val="FF0000"/>
+                </a:solidFill>
+              </a:rPr>
+              <a:t>(</a:t>
+            </a:r>
+            <a:r>
+              <a:rPr lang="fr-FR" b="1" dirty="0"/>
+              <a:t>Plateau</a:t>
+            </a:r>
+            <a:r>
+              <a:rPr lang="fr-FR" dirty="0"/>
+              <a:t> </a:t>
+            </a:r>
+            <a:r>
+              <a:rPr lang="fr-FR" dirty="0">
+                <a:solidFill>
+                  <a:srgbClr val="FF0000"/>
+                </a:solidFill>
+              </a:rPr>
+              <a:t>*</a:t>
+            </a:r>
+            <a:r>
+              <a:rPr lang="fr-FR" dirty="0"/>
+              <a:t> plateau</a:t>
+            </a:r>
+            <a:r>
+              <a:rPr lang="fr-FR" dirty="0">
+                <a:solidFill>
+                  <a:srgbClr val="FF0000"/>
+                </a:solidFill>
+              </a:rPr>
+              <a:t>,</a:t>
+            </a:r>
+            <a:r>
+              <a:rPr lang="fr-FR" dirty="0"/>
+              <a:t> </a:t>
+            </a:r>
+            <a:r>
+              <a:rPr lang="fr-FR" b="1" dirty="0"/>
+              <a:t>Couleur</a:t>
+            </a:r>
+            <a:r>
+              <a:rPr lang="fr-FR" dirty="0"/>
+              <a:t> C1</a:t>
+            </a:r>
+            <a:r>
+              <a:rPr lang="fr-FR" dirty="0">
+                <a:solidFill>
+                  <a:srgbClr val="FF0000"/>
+                </a:solidFill>
+              </a:rPr>
+              <a:t>,</a:t>
+            </a:r>
+            <a:r>
+              <a:rPr lang="fr-FR" dirty="0"/>
+              <a:t> </a:t>
+            </a:r>
+            <a:r>
+              <a:rPr lang="fr-FR" b="1" dirty="0"/>
+              <a:t>Couleur</a:t>
+            </a:r>
+            <a:r>
+              <a:rPr lang="fr-FR" dirty="0"/>
+              <a:t> C2</a:t>
+            </a:r>
+            <a:r>
+              <a:rPr lang="fr-FR" dirty="0" smtClean="0">
+                <a:solidFill>
+                  <a:srgbClr val="FF0000"/>
+                </a:solidFill>
+              </a:rPr>
+              <a:t>)</a:t>
+            </a:r>
+            <a:endParaRPr lang="fr-FR" dirty="0"/>
+          </a:p>
+          <a:p>
+            <a:endParaRPr lang="fr-FR" dirty="0"/>
+          </a:p>
+        </p:txBody>
+      </p:sp>
     </p:spTree>
     <p:extLst>
       <p:ext uri="{BB962C8B-B14F-4D97-AF65-F5344CB8AC3E}">
-        <p14:creationId xmlns:p14="http://schemas.microsoft.com/office/powerpoint/2010/main" val="1066312861"/>
+        <p14:creationId xmlns:p14="http://schemas.microsoft.com/office/powerpoint/2010/main" val="940174747"/>
       </p:ext>
     </p:extLst>
   </p:cSld>
   <p:clrMapOvr>
     <a:masterClrMapping/>
   </p:clrMapOvr>
+  <p:timing>
+    <p:tnLst>
+      <p:par>
+        <p:cTn id="1" dur="indefinite" restart="never" nodeType="tmRoot"/>
+      </p:par>
+    </p:tnLst>
+  </p:timing>
 </p:sld>
 </file>
 
@@ -4646,7 +4994,19 @@
           <a:p>
             <a:r>
               <a:rPr lang="fr-FR" dirty="0" smtClean="0"/>
-              <a:t>Module : Jeu</a:t>
+              <a:t>Module </a:t>
+            </a:r>
+            <a:r>
+              <a:rPr lang="fr-FR" dirty="0" smtClean="0">
+                <a:solidFill>
+                  <a:srgbClr val="0070C0"/>
+                </a:solidFill>
+              </a:rPr>
+              <a:t>:</a:t>
+            </a:r>
+            <a:r>
+              <a:rPr lang="fr-FR" dirty="0" smtClean="0"/>
+              <a:t> Jeu</a:t>
             </a:r>
             <a:endParaRPr lang="fr-FR" dirty="0"/>
           </a:p>
@@ -4667,7 +5027,271 @@
           <a:bodyPr/>
           <a:lstStyle/>
           <a:p>
-            <a:endParaRPr lang="fr-FR"/>
+            <a:r>
+              <a:rPr lang="fr-FR" b="1" dirty="0" err="1">
+                <a:solidFill>
+                  <a:srgbClr val="002060"/>
+                </a:solidFill>
+              </a:rPr>
+              <a:t>typedef</a:t>
+            </a:r>
+            <a:r>
+              <a:rPr lang="fr-FR" b="1" dirty="0">
+                <a:solidFill>
+                  <a:srgbClr val="002060"/>
+                </a:solidFill>
+              </a:rPr>
+              <a:t> </a:t>
+            </a:r>
+            <a:r>
+              <a:rPr lang="fr-FR" b="1" dirty="0" err="1">
+                <a:solidFill>
+                  <a:srgbClr val="002060"/>
+                </a:solidFill>
+              </a:rPr>
+              <a:t>struct</a:t>
+            </a:r>
+            <a:endParaRPr lang="fr-FR" b="1" dirty="0">
+              <a:solidFill>
+                <a:srgbClr val="002060"/>
+              </a:solidFill>
+            </a:endParaRPr>
+          </a:p>
+          <a:p>
+            <a:r>
+              <a:rPr lang="fr-FR" dirty="0" smtClean="0">
+                <a:solidFill>
+                  <a:srgbClr val="FF0000"/>
+                </a:solidFill>
+              </a:rPr>
+              <a:t>{</a:t>
+            </a:r>
+            <a:br>
+              <a:rPr lang="fr-FR" dirty="0" smtClean="0">
+                <a:solidFill>
+                  <a:srgbClr val="FF0000"/>
+                </a:solidFill>
+              </a:rPr>
+            </a:br>
+            <a:r>
+              <a:rPr lang="fr-FR" dirty="0" smtClean="0">
+                <a:solidFill>
+                  <a:srgbClr val="FF0000"/>
+                </a:solidFill>
+              </a:rPr>
+              <a:t>    </a:t>
+            </a:r>
+            <a:r>
+              <a:rPr lang="fr-FR" b="1" dirty="0" smtClean="0"/>
+              <a:t>Plateau</a:t>
+            </a:r>
+            <a:r>
+              <a:rPr lang="fr-FR" dirty="0" smtClean="0"/>
+              <a:t> </a:t>
+            </a:r>
+            <a:r>
+              <a:rPr lang="fr-FR" dirty="0" err="1"/>
+              <a:t>plateau</a:t>
+            </a:r>
+            <a:r>
+              <a:rPr lang="fr-FR" dirty="0">
+                <a:solidFill>
+                  <a:srgbClr val="FF0000"/>
+                </a:solidFill>
+              </a:rPr>
+              <a:t> </a:t>
+            </a:r>
+            <a:r>
+              <a:rPr lang="fr-FR" dirty="0" smtClean="0">
+                <a:solidFill>
+                  <a:srgbClr val="FF0000"/>
+                </a:solidFill>
+              </a:rPr>
+              <a:t>;</a:t>
+            </a:r>
+            <a:br>
+              <a:rPr lang="fr-FR" dirty="0" smtClean="0">
+                <a:solidFill>
+                  <a:srgbClr val="FF0000"/>
+                </a:solidFill>
+              </a:rPr>
+            </a:br>
+            <a:r>
+              <a:rPr lang="fr-FR" dirty="0" smtClean="0">
+                <a:solidFill>
+                  <a:srgbClr val="FF0000"/>
+                </a:solidFill>
+              </a:rPr>
+              <a:t>    </a:t>
+            </a:r>
+            <a:r>
+              <a:rPr lang="fr-FR" b="1" dirty="0" smtClean="0"/>
+              <a:t>Joueur</a:t>
+            </a:r>
+            <a:r>
+              <a:rPr lang="fr-FR" dirty="0" smtClean="0"/>
+              <a:t> </a:t>
+            </a:r>
+            <a:r>
+              <a:rPr lang="fr-FR" dirty="0"/>
+              <a:t>J1 </a:t>
+            </a:r>
+            <a:r>
+              <a:rPr lang="fr-FR" dirty="0" smtClean="0">
+                <a:solidFill>
+                  <a:srgbClr val="FF0000"/>
+                </a:solidFill>
+              </a:rPr>
+              <a:t>;</a:t>
+            </a:r>
+            <a:br>
+              <a:rPr lang="fr-FR" dirty="0" smtClean="0">
+                <a:solidFill>
+                  <a:srgbClr val="FF0000"/>
+                </a:solidFill>
+              </a:rPr>
+            </a:br>
+            <a:r>
+              <a:rPr lang="fr-FR" dirty="0" smtClean="0">
+                <a:solidFill>
+                  <a:srgbClr val="FF0000"/>
+                </a:solidFill>
+              </a:rPr>
+              <a:t>    </a:t>
+            </a:r>
+            <a:r>
+              <a:rPr lang="fr-FR" b="1" dirty="0" smtClean="0"/>
+              <a:t>Joueur</a:t>
+            </a:r>
+            <a:r>
+              <a:rPr lang="fr-FR" dirty="0" smtClean="0"/>
+              <a:t> </a:t>
+            </a:r>
+            <a:r>
+              <a:rPr lang="fr-FR" dirty="0"/>
+              <a:t>J2 </a:t>
+            </a:r>
+            <a:r>
+              <a:rPr lang="fr-FR" dirty="0" smtClean="0">
+                <a:solidFill>
+                  <a:srgbClr val="FF0000"/>
+                </a:solidFill>
+              </a:rPr>
+              <a:t>;</a:t>
+            </a:r>
+            <a:br>
+              <a:rPr lang="fr-FR" dirty="0" smtClean="0">
+                <a:solidFill>
+                  <a:srgbClr val="FF0000"/>
+                </a:solidFill>
+              </a:rPr>
+            </a:br>
+            <a:r>
+              <a:rPr lang="fr-FR" dirty="0" smtClean="0">
+                <a:solidFill>
+                  <a:srgbClr val="FF0000"/>
+                </a:solidFill>
+              </a:rPr>
+              <a:t>    </a:t>
+            </a:r>
+            <a:r>
+              <a:rPr lang="fr-FR" b="1" dirty="0" smtClean="0"/>
+              <a:t>Joueur</a:t>
+            </a:r>
+            <a:r>
+              <a:rPr lang="fr-FR" dirty="0" smtClean="0"/>
+              <a:t> </a:t>
+            </a:r>
+            <a:r>
+              <a:rPr lang="fr-FR" dirty="0"/>
+              <a:t>* </a:t>
+            </a:r>
+            <a:r>
+              <a:rPr lang="fr-FR" dirty="0" err="1"/>
+              <a:t>joueurActif</a:t>
+            </a:r>
+            <a:r>
+              <a:rPr lang="fr-FR" dirty="0"/>
+              <a:t> </a:t>
+            </a:r>
+            <a:r>
+              <a:rPr lang="fr-FR" dirty="0" smtClean="0">
+                <a:solidFill>
+                  <a:srgbClr val="FF0000"/>
+                </a:solidFill>
+              </a:rPr>
+              <a:t>;</a:t>
+            </a:r>
+            <a:br>
+              <a:rPr lang="fr-FR" dirty="0" smtClean="0">
+                <a:solidFill>
+                  <a:srgbClr val="FF0000"/>
+                </a:solidFill>
+              </a:rPr>
+            </a:br>
+            <a:r>
+              <a:rPr lang="fr-FR" dirty="0" smtClean="0">
+                <a:solidFill>
+                  <a:srgbClr val="FF0000"/>
+                </a:solidFill>
+              </a:rPr>
+              <a:t>    </a:t>
+            </a:r>
+            <a:r>
+              <a:rPr lang="fr-FR" b="1" dirty="0" smtClean="0">
+                <a:solidFill>
+                  <a:srgbClr val="002060"/>
+                </a:solidFill>
+              </a:rPr>
+              <a:t>char</a:t>
+            </a:r>
+            <a:r>
+              <a:rPr lang="fr-FR" dirty="0" smtClean="0">
+                <a:solidFill>
+                  <a:srgbClr val="002060"/>
+                </a:solidFill>
+              </a:rPr>
+              <a:t> </a:t>
+            </a:r>
+            <a:r>
+              <a:rPr lang="fr-FR" dirty="0"/>
+              <a:t>log[1000</a:t>
+            </a:r>
+            <a:r>
+              <a:rPr lang="fr-FR" dirty="0" smtClean="0"/>
+              <a:t>] </a:t>
+            </a:r>
+            <a:r>
+              <a:rPr lang="fr-FR" dirty="0" smtClean="0">
+                <a:solidFill>
+                  <a:srgbClr val="FF0000"/>
+                </a:solidFill>
+              </a:rPr>
+              <a:t>;</a:t>
+            </a:r>
+            <a:br>
+              <a:rPr lang="fr-FR" dirty="0" smtClean="0">
+                <a:solidFill>
+                  <a:srgbClr val="FF0000"/>
+                </a:solidFill>
+              </a:rPr>
+            </a:br>
+            <a:r>
+              <a:rPr lang="fr-FR" dirty="0" smtClean="0"/>
+              <a:t>} </a:t>
+            </a:r>
+            <a:r>
+              <a:rPr lang="fr-FR" dirty="0"/>
+              <a:t>Jeu</a:t>
+            </a:r>
+            <a:r>
+              <a:rPr lang="fr-FR" dirty="0">
+                <a:solidFill>
+                  <a:srgbClr val="FF0000"/>
+                </a:solidFill>
+              </a:rPr>
+              <a:t> ;</a:t>
+            </a:r>
           </a:p>
         </p:txBody>
       </p:sp>
@@ -4688,9 +5312,9 @@
           <a:p>
             <a:fld id="{4C65F994-49BC-4889-8CFA-7C9632A8F570}" type="datetime1">
               <a:rPr lang="fr-FR" smtClean="0"/>
-              <a:t>20/05/2015</a:t>
+              <a:t>25/05/2015</a:t>
             </a:fld>
-            <a:endParaRPr lang="fr-FR"/>
+            <a:endParaRPr lang="fr-FR" dirty="0"/>
           </a:p>
         </p:txBody>
       </p:sp>
@@ -4740,16 +5364,475 @@
           </a:p>
         </p:txBody>
       </p:sp>
+      <p:sp>
+        <p:nvSpPr>
+          <p:cNvPr id="9" name="ZoneTexte 8"/>
+          <p:cNvSpPr txBox="1"/>
+          <p:nvPr/>
+        </p:nvSpPr>
+        <p:spPr>
+          <a:xfrm>
+            <a:off x="2608230" y="4510658"/>
+            <a:ext cx="8875315" cy="923330"/>
+          </a:xfrm>
+          <a:prstGeom prst="rect">
+            <a:avLst/>
+          </a:prstGeom>
+          <a:noFill/>
+        </p:spPr>
+        <p:txBody>
+          <a:bodyPr wrap="none" rtlCol="0">
+            <a:spAutoFit/>
+          </a:bodyPr>
+          <a:lstStyle/>
+          <a:p>
+            <a:r>
+              <a:rPr lang="fr-FR" b="1" dirty="0" err="1">
+                <a:solidFill>
+                  <a:srgbClr val="002060"/>
+                </a:solidFill>
+              </a:rPr>
+              <a:t>void</a:t>
+            </a:r>
+            <a:r>
+              <a:rPr lang="fr-FR" dirty="0">
+                <a:solidFill>
+                  <a:srgbClr val="002060"/>
+                </a:solidFill>
+              </a:rPr>
+              <a:t> </a:t>
+            </a:r>
+            <a:r>
+              <a:rPr lang="fr-FR" dirty="0" err="1"/>
+              <a:t>selectPiece</a:t>
+            </a:r>
+            <a:r>
+              <a:rPr lang="fr-FR" dirty="0">
+                <a:solidFill>
+                  <a:srgbClr val="FF0000"/>
+                </a:solidFill>
+              </a:rPr>
+              <a:t>(</a:t>
+            </a:r>
+            <a:r>
+              <a:rPr lang="fr-FR" b="1" dirty="0"/>
+              <a:t>Jeu</a:t>
+            </a:r>
+            <a:r>
+              <a:rPr lang="fr-FR" dirty="0"/>
+              <a:t> </a:t>
+            </a:r>
+            <a:r>
+              <a:rPr lang="fr-FR" dirty="0">
+                <a:solidFill>
+                  <a:srgbClr val="FF0000"/>
+                </a:solidFill>
+              </a:rPr>
+              <a:t>*</a:t>
+            </a:r>
+            <a:r>
+              <a:rPr lang="fr-FR" dirty="0"/>
+              <a:t> jeu, </a:t>
+            </a:r>
+            <a:r>
+              <a:rPr lang="fr-FR" b="1" dirty="0" err="1">
+                <a:solidFill>
+                  <a:srgbClr val="002060"/>
+                </a:solidFill>
+              </a:rPr>
+              <a:t>int</a:t>
+            </a:r>
+            <a:r>
+              <a:rPr lang="fr-FR" dirty="0">
+                <a:solidFill>
+                  <a:srgbClr val="002060"/>
+                </a:solidFill>
+              </a:rPr>
+              <a:t> </a:t>
+            </a:r>
+            <a:r>
+              <a:rPr lang="fr-FR" dirty="0" err="1"/>
+              <a:t>posX</a:t>
+            </a:r>
+            <a:r>
+              <a:rPr lang="fr-FR" dirty="0"/>
+              <a:t>, </a:t>
+            </a:r>
+            <a:r>
+              <a:rPr lang="fr-FR" b="1" dirty="0" err="1">
+                <a:solidFill>
+                  <a:srgbClr val="002060"/>
+                </a:solidFill>
+              </a:rPr>
+              <a:t>int</a:t>
+            </a:r>
+            <a:r>
+              <a:rPr lang="fr-FR" dirty="0">
+                <a:solidFill>
+                  <a:srgbClr val="002060"/>
+                </a:solidFill>
+              </a:rPr>
+              <a:t> </a:t>
+            </a:r>
+            <a:r>
+              <a:rPr lang="fr-FR" dirty="0" err="1"/>
+              <a:t>posY</a:t>
+            </a:r>
+            <a:r>
+              <a:rPr lang="fr-FR" dirty="0" smtClean="0">
+                <a:solidFill>
+                  <a:srgbClr val="FF0000"/>
+                </a:solidFill>
+              </a:rPr>
+              <a:t>)</a:t>
+            </a:r>
+            <a:endParaRPr lang="fr-FR" dirty="0">
+              <a:solidFill>
+                <a:srgbClr val="FF0000"/>
+              </a:solidFill>
+            </a:endParaRPr>
+          </a:p>
+          <a:p>
+            <a:r>
+              <a:rPr lang="fr-FR" b="1" dirty="0" err="1" smtClean="0">
+                <a:solidFill>
+                  <a:srgbClr val="002060"/>
+                </a:solidFill>
+              </a:rPr>
+              <a:t>void</a:t>
+            </a:r>
+            <a:r>
+              <a:rPr lang="fr-FR" dirty="0" smtClean="0">
+                <a:solidFill>
+                  <a:srgbClr val="002060"/>
+                </a:solidFill>
+              </a:rPr>
+              <a:t> </a:t>
+            </a:r>
+            <a:r>
+              <a:rPr lang="fr-FR" dirty="0" err="1"/>
+              <a:t>deplacerPiece</a:t>
+            </a:r>
+            <a:r>
+              <a:rPr lang="fr-FR" dirty="0">
+                <a:solidFill>
+                  <a:srgbClr val="FF0000"/>
+                </a:solidFill>
+              </a:rPr>
+              <a:t>(</a:t>
+            </a:r>
+            <a:r>
+              <a:rPr lang="fr-FR" b="1" dirty="0"/>
+              <a:t>Jeu</a:t>
+            </a:r>
+            <a:r>
+              <a:rPr lang="fr-FR" dirty="0"/>
+              <a:t> </a:t>
+            </a:r>
+            <a:r>
+              <a:rPr lang="fr-FR" dirty="0">
+                <a:solidFill>
+                  <a:srgbClr val="FF0000"/>
+                </a:solidFill>
+              </a:rPr>
+              <a:t>*</a:t>
+            </a:r>
+            <a:r>
+              <a:rPr lang="fr-FR" dirty="0"/>
+              <a:t> jeu, </a:t>
+            </a:r>
+            <a:r>
+              <a:rPr lang="fr-FR" b="1" dirty="0" err="1"/>
+              <a:t>Piece</a:t>
+            </a:r>
+            <a:r>
+              <a:rPr lang="fr-FR" dirty="0"/>
+              <a:t> </a:t>
+            </a:r>
+            <a:r>
+              <a:rPr lang="fr-FR" dirty="0">
+                <a:solidFill>
+                  <a:srgbClr val="FF0000"/>
+                </a:solidFill>
+              </a:rPr>
+              <a:t>*</a:t>
+            </a:r>
+            <a:r>
+              <a:rPr lang="fr-FR" dirty="0"/>
+              <a:t> </a:t>
+            </a:r>
+            <a:r>
+              <a:rPr lang="fr-FR" dirty="0" err="1"/>
+              <a:t>piece</a:t>
+            </a:r>
+            <a:r>
+              <a:rPr lang="fr-FR" dirty="0">
+                <a:solidFill>
+                  <a:srgbClr val="FF0000"/>
+                </a:solidFill>
+              </a:rPr>
+              <a:t>,</a:t>
+            </a:r>
+            <a:r>
+              <a:rPr lang="fr-FR" dirty="0"/>
+              <a:t> </a:t>
+            </a:r>
+            <a:r>
+              <a:rPr lang="fr-FR" b="1" dirty="0" err="1">
+                <a:solidFill>
+                  <a:srgbClr val="002060"/>
+                </a:solidFill>
+              </a:rPr>
+              <a:t>int</a:t>
+            </a:r>
+            <a:r>
+              <a:rPr lang="fr-FR" dirty="0">
+                <a:solidFill>
+                  <a:srgbClr val="002060"/>
+                </a:solidFill>
+              </a:rPr>
+              <a:t> </a:t>
+            </a:r>
+            <a:r>
+              <a:rPr lang="fr-FR" dirty="0" err="1"/>
+              <a:t>posX</a:t>
+            </a:r>
+            <a:r>
+              <a:rPr lang="fr-FR" dirty="0"/>
+              <a:t>, </a:t>
+            </a:r>
+            <a:r>
+              <a:rPr lang="fr-FR" b="1" dirty="0" err="1">
+                <a:solidFill>
+                  <a:srgbClr val="002060"/>
+                </a:solidFill>
+              </a:rPr>
+              <a:t>int</a:t>
+            </a:r>
+            <a:r>
+              <a:rPr lang="fr-FR" dirty="0">
+                <a:solidFill>
+                  <a:srgbClr val="002060"/>
+                </a:solidFill>
+              </a:rPr>
+              <a:t> </a:t>
+            </a:r>
+            <a:r>
+              <a:rPr lang="fr-FR" dirty="0" err="1"/>
+              <a:t>posY</a:t>
+            </a:r>
+            <a:r>
+              <a:rPr lang="fr-FR" dirty="0">
+                <a:solidFill>
+                  <a:srgbClr val="FF0000"/>
+                </a:solidFill>
+              </a:rPr>
+              <a:t>,</a:t>
+            </a:r>
+            <a:r>
+              <a:rPr lang="fr-FR" dirty="0"/>
+              <a:t> </a:t>
+            </a:r>
+            <a:r>
+              <a:rPr lang="fr-FR" b="1" dirty="0"/>
+              <a:t>Couleur</a:t>
+            </a:r>
+            <a:r>
+              <a:rPr lang="fr-FR" dirty="0"/>
+              <a:t> </a:t>
+            </a:r>
+            <a:r>
+              <a:rPr lang="fr-FR" dirty="0">
+                <a:solidFill>
+                  <a:srgbClr val="FF0000"/>
+                </a:solidFill>
+              </a:rPr>
+              <a:t>*</a:t>
+            </a:r>
+            <a:r>
+              <a:rPr lang="fr-FR" dirty="0"/>
+              <a:t> </a:t>
+            </a:r>
+            <a:r>
+              <a:rPr lang="fr-FR" dirty="0" err="1"/>
+              <a:t>couleurGagne</a:t>
+            </a:r>
+            <a:r>
+              <a:rPr lang="fr-FR" dirty="0" smtClean="0">
+                <a:solidFill>
+                  <a:srgbClr val="FF0000"/>
+                </a:solidFill>
+              </a:rPr>
+              <a:t>)</a:t>
+            </a:r>
+            <a:endParaRPr lang="fr-FR" dirty="0">
+              <a:solidFill>
+                <a:srgbClr val="FF0000"/>
+              </a:solidFill>
+            </a:endParaRPr>
+          </a:p>
+          <a:p>
+            <a:r>
+              <a:rPr lang="fr-FR" b="1" dirty="0" err="1"/>
+              <a:t>Piece</a:t>
+            </a:r>
+            <a:r>
+              <a:rPr lang="fr-FR" dirty="0"/>
+              <a:t> </a:t>
+            </a:r>
+            <a:r>
+              <a:rPr lang="fr-FR" dirty="0">
+                <a:solidFill>
+                  <a:srgbClr val="FF0000"/>
+                </a:solidFill>
+              </a:rPr>
+              <a:t>*</a:t>
+            </a:r>
+            <a:r>
+              <a:rPr lang="fr-FR" dirty="0"/>
+              <a:t> </a:t>
+            </a:r>
+            <a:r>
+              <a:rPr lang="fr-FR" dirty="0" err="1"/>
+              <a:t>combatPieces</a:t>
+            </a:r>
+            <a:r>
+              <a:rPr lang="fr-FR" dirty="0">
+                <a:solidFill>
+                  <a:srgbClr val="FF0000"/>
+                </a:solidFill>
+              </a:rPr>
+              <a:t>(</a:t>
+            </a:r>
+            <a:r>
+              <a:rPr lang="fr-FR" b="1" dirty="0"/>
+              <a:t>Jeu</a:t>
+            </a:r>
+            <a:r>
+              <a:rPr lang="fr-FR" dirty="0">
+                <a:solidFill>
+                  <a:srgbClr val="FF0000"/>
+                </a:solidFill>
+              </a:rPr>
+              <a:t> * </a:t>
+            </a:r>
+            <a:r>
+              <a:rPr lang="fr-FR" dirty="0"/>
+              <a:t>jeu, </a:t>
+            </a:r>
+            <a:r>
+              <a:rPr lang="fr-FR" b="1" dirty="0" err="1"/>
+              <a:t>Piece</a:t>
+            </a:r>
+            <a:r>
+              <a:rPr lang="fr-FR" dirty="0"/>
+              <a:t> </a:t>
+            </a:r>
+            <a:r>
+              <a:rPr lang="fr-FR" dirty="0">
+                <a:solidFill>
+                  <a:srgbClr val="FF0000"/>
+                </a:solidFill>
+              </a:rPr>
+              <a:t>*</a:t>
+            </a:r>
+            <a:r>
+              <a:rPr lang="fr-FR" dirty="0"/>
+              <a:t> </a:t>
+            </a:r>
+            <a:r>
+              <a:rPr lang="fr-FR" dirty="0" err="1"/>
+              <a:t>pieceAtt</a:t>
+            </a:r>
+            <a:r>
+              <a:rPr lang="fr-FR" dirty="0"/>
+              <a:t>, </a:t>
+            </a:r>
+            <a:r>
+              <a:rPr lang="fr-FR" b="1" dirty="0" err="1"/>
+              <a:t>Piece</a:t>
+            </a:r>
+            <a:r>
+              <a:rPr lang="fr-FR" dirty="0"/>
+              <a:t> </a:t>
+            </a:r>
+            <a:r>
+              <a:rPr lang="fr-FR" dirty="0">
+                <a:solidFill>
+                  <a:srgbClr val="FF0000"/>
+                </a:solidFill>
+              </a:rPr>
+              <a:t>*</a:t>
+            </a:r>
+            <a:r>
+              <a:rPr lang="fr-FR" dirty="0"/>
+              <a:t> </a:t>
+            </a:r>
+            <a:r>
+              <a:rPr lang="fr-FR" dirty="0" err="1"/>
+              <a:t>pieceDef</a:t>
+            </a:r>
+            <a:r>
+              <a:rPr lang="fr-FR" dirty="0"/>
+              <a:t>, </a:t>
+            </a:r>
+            <a:r>
+              <a:rPr lang="fr-FR" b="1" dirty="0"/>
+              <a:t>Couleur</a:t>
+            </a:r>
+            <a:r>
+              <a:rPr lang="fr-FR" dirty="0"/>
+              <a:t> </a:t>
+            </a:r>
+            <a:r>
+              <a:rPr lang="fr-FR" dirty="0">
+                <a:solidFill>
+                  <a:srgbClr val="FF0000"/>
+                </a:solidFill>
+              </a:rPr>
+              <a:t>*</a:t>
+            </a:r>
+            <a:r>
+              <a:rPr lang="fr-FR" dirty="0"/>
+              <a:t> </a:t>
+            </a:r>
+            <a:r>
+              <a:rPr lang="fr-FR" dirty="0" err="1"/>
+              <a:t>couleurGagne</a:t>
+            </a:r>
+            <a:r>
+              <a:rPr lang="fr-FR" dirty="0" smtClean="0">
+                <a:solidFill>
+                  <a:srgbClr val="FF0000"/>
+                </a:solidFill>
+              </a:rPr>
+              <a:t>)</a:t>
+            </a:r>
+            <a:endParaRPr lang="fr-FR" dirty="0">
+              <a:solidFill>
+                <a:srgbClr val="FF0000"/>
+              </a:solidFill>
+            </a:endParaRPr>
+          </a:p>
+        </p:txBody>
+      </p:sp>
     </p:spTree>
     <p:extLst>
       <p:ext uri="{BB962C8B-B14F-4D97-AF65-F5344CB8AC3E}">
-        <p14:creationId xmlns:p14="http://schemas.microsoft.com/office/powerpoint/2010/main" val="519311199"/>
+        <p14:creationId xmlns:p14="http://schemas.microsoft.com/office/powerpoint/2010/main" val="3944183418"/>
       </p:ext>
     </p:extLst>
   </p:cSld>
   <p:clrMapOvr>
     <a:masterClrMapping/>
   </p:clrMapOvr>
+  <p:timing>
+    <p:tnLst>
+      <p:par>
+        <p:cTn id="1" dur="indefinite" restart="never" nodeType="tmRoot"/>
+      </p:par>
+    </p:tnLst>
+  </p:timing>
 </p:sld>
 </file>
 
@@ -4787,11 +5870,19 @@
           <a:p>
             <a:r>
               <a:rPr lang="fr-FR" dirty="0" smtClean="0"/>
-              <a:t>Module : </a:t>
-            </a:r>
-            <a:r>
-              <a:rPr lang="fr-FR" dirty="0" err="1" smtClean="0"/>
-              <a:t>AfficheNCURSES</a:t>
+              <a:t>Module </a:t>
+            </a:r>
+            <a:r>
+              <a:rPr lang="fr-FR" dirty="0" smtClean="0">
+                <a:solidFill>
+                  <a:srgbClr val="0070C0"/>
+                </a:solidFill>
+              </a:rPr>
+              <a:t>:</a:t>
+            </a:r>
+            <a:r>
+              <a:rPr lang="fr-FR" dirty="0" smtClean="0"/>
+              <a:t> IA</a:t>
             </a:r>
             <a:endParaRPr lang="fr-FR" dirty="0"/>
           </a:p>
@@ -4809,33 +5900,514 @@
         </p:nvSpPr>
         <p:spPr/>
         <p:txBody>
+          <a:bodyPr>
+            <a:noAutofit/>
+          </a:bodyPr>
+          <a:lstStyle/>
+          <a:p>
+            <a:r>
+              <a:rPr lang="fr-FR" sz="1600" b="1" dirty="0" err="1">
+                <a:solidFill>
+                  <a:srgbClr val="002060"/>
+                </a:solidFill>
+              </a:rPr>
+              <a:t>typedef</a:t>
+            </a:r>
+            <a:r>
+              <a:rPr lang="fr-FR" sz="1600" b="1" dirty="0">
+                <a:solidFill>
+                  <a:srgbClr val="002060"/>
+                </a:solidFill>
+              </a:rPr>
+              <a:t> </a:t>
+            </a:r>
+            <a:r>
+              <a:rPr lang="fr-FR" sz="1600" b="1" dirty="0" err="1">
+                <a:solidFill>
+                  <a:srgbClr val="002060"/>
+                </a:solidFill>
+              </a:rPr>
+              <a:t>struct</a:t>
+            </a:r>
+            <a:endParaRPr lang="fr-FR" sz="1600" b="1" dirty="0">
+              <a:solidFill>
+                <a:srgbClr val="002060"/>
+              </a:solidFill>
+            </a:endParaRPr>
+          </a:p>
+          <a:p>
+            <a:r>
+              <a:rPr lang="fr-FR" sz="1600" dirty="0">
+                <a:solidFill>
+                  <a:srgbClr val="FF0000"/>
+                </a:solidFill>
+              </a:rPr>
+              <a:t>{</a:t>
+            </a:r>
+          </a:p>
+          <a:p>
+            <a:r>
+              <a:rPr lang="fr-FR" sz="1600" dirty="0">
+                <a:solidFill>
+                  <a:schemeClr val="tx1"/>
+                </a:solidFill>
+              </a:rPr>
+              <a:t>    </a:t>
+            </a:r>
+            <a:r>
+              <a:rPr lang="fr-FR" sz="1600" b="1" dirty="0" err="1">
+                <a:solidFill>
+                  <a:schemeClr val="tx1"/>
+                </a:solidFill>
+              </a:rPr>
+              <a:t>Piece</a:t>
+            </a:r>
+            <a:r>
+              <a:rPr lang="fr-FR" sz="1600" dirty="0">
+                <a:solidFill>
+                  <a:schemeClr val="tx1"/>
+                </a:solidFill>
+              </a:rPr>
+              <a:t> </a:t>
+            </a:r>
+            <a:r>
+              <a:rPr lang="fr-FR" sz="1600" dirty="0">
+                <a:solidFill>
+                  <a:srgbClr val="FF0000"/>
+                </a:solidFill>
+              </a:rPr>
+              <a:t>* </a:t>
+            </a:r>
+            <a:r>
+              <a:rPr lang="fr-FR" sz="1600" dirty="0" err="1">
+                <a:solidFill>
+                  <a:schemeClr val="tx1"/>
+                </a:solidFill>
+              </a:rPr>
+              <a:t>piece</a:t>
+            </a:r>
+            <a:r>
+              <a:rPr lang="fr-FR" sz="1600" dirty="0" smtClean="0">
+                <a:solidFill>
+                  <a:srgbClr val="FF0000"/>
+                </a:solidFill>
+              </a:rPr>
+              <a:t>;</a:t>
+            </a:r>
+            <a:endParaRPr lang="fr-FR" sz="1600" dirty="0">
+              <a:solidFill>
+                <a:srgbClr val="FF0000"/>
+              </a:solidFill>
+            </a:endParaRPr>
+          </a:p>
+          <a:p>
+            <a:r>
+              <a:rPr lang="fr-FR" sz="1600" dirty="0">
+                <a:solidFill>
+                  <a:schemeClr val="tx1"/>
+                </a:solidFill>
+              </a:rPr>
+              <a:t>    </a:t>
+            </a:r>
+            <a:r>
+              <a:rPr lang="fr-FR" sz="1600" b="1" dirty="0" err="1">
+                <a:solidFill>
+                  <a:srgbClr val="002060"/>
+                </a:solidFill>
+              </a:rPr>
+              <a:t>int</a:t>
+            </a:r>
+            <a:r>
+              <a:rPr lang="fr-FR" sz="1600" dirty="0">
+                <a:solidFill>
+                  <a:srgbClr val="002060"/>
+                </a:solidFill>
+              </a:rPr>
+              <a:t> </a:t>
+            </a:r>
+            <a:r>
+              <a:rPr lang="fr-FR" sz="1600" dirty="0" err="1">
+                <a:solidFill>
+                  <a:schemeClr val="tx1"/>
+                </a:solidFill>
+              </a:rPr>
+              <a:t>nbCasesControlees</a:t>
+            </a:r>
+            <a:r>
+              <a:rPr lang="fr-FR" sz="1600" dirty="0">
+                <a:solidFill>
+                  <a:srgbClr val="FF0000"/>
+                </a:solidFill>
+              </a:rPr>
+              <a:t>;</a:t>
+            </a:r>
+          </a:p>
+          <a:p>
+            <a:r>
+              <a:rPr lang="fr-FR" sz="1600" dirty="0">
+                <a:solidFill>
+                  <a:schemeClr val="tx1"/>
+                </a:solidFill>
+              </a:rPr>
+              <a:t>    </a:t>
+            </a:r>
+            <a:r>
+              <a:rPr lang="fr-FR" sz="1600" b="1" dirty="0">
+                <a:solidFill>
+                  <a:schemeClr val="tx1"/>
+                </a:solidFill>
+              </a:rPr>
+              <a:t>Case</a:t>
+            </a:r>
+            <a:r>
+              <a:rPr lang="fr-FR" sz="1600" dirty="0">
+                <a:solidFill>
+                  <a:schemeClr val="tx1"/>
+                </a:solidFill>
+              </a:rPr>
+              <a:t> </a:t>
+            </a:r>
+            <a:r>
+              <a:rPr lang="fr-FR" sz="1600" dirty="0">
+                <a:solidFill>
+                  <a:srgbClr val="FF0000"/>
+                </a:solidFill>
+              </a:rPr>
+              <a:t>* </a:t>
+            </a:r>
+            <a:r>
+              <a:rPr lang="fr-FR" sz="1600" dirty="0" err="1">
+                <a:solidFill>
+                  <a:schemeClr val="tx1"/>
+                </a:solidFill>
+              </a:rPr>
+              <a:t>casesControlees</a:t>
+            </a:r>
+            <a:r>
+              <a:rPr lang="fr-FR" sz="1600" dirty="0">
+                <a:solidFill>
+                  <a:srgbClr val="FF0000"/>
+                </a:solidFill>
+              </a:rPr>
+              <a:t>[</a:t>
+            </a:r>
+            <a:r>
+              <a:rPr lang="fr-FR" sz="1600" dirty="0">
+                <a:solidFill>
+                  <a:schemeClr val="tx1"/>
+                </a:solidFill>
+              </a:rPr>
+              <a:t>27</a:t>
+            </a:r>
+            <a:r>
+              <a:rPr lang="fr-FR" sz="1600" dirty="0" smtClean="0">
+                <a:solidFill>
+                  <a:srgbClr val="FF0000"/>
+                </a:solidFill>
+              </a:rPr>
+              <a:t>];</a:t>
+            </a:r>
+            <a:endParaRPr lang="fr-FR" sz="1600" dirty="0">
+              <a:solidFill>
+                <a:srgbClr val="FF0000"/>
+              </a:solidFill>
+            </a:endParaRPr>
+          </a:p>
+          <a:p>
+            <a:r>
+              <a:rPr lang="fr-FR" sz="1600" dirty="0">
+                <a:solidFill>
+                  <a:schemeClr val="tx1"/>
+                </a:solidFill>
+              </a:rPr>
+              <a:t>    </a:t>
+            </a:r>
+            <a:r>
+              <a:rPr lang="fr-FR" sz="1600" b="1" dirty="0" err="1">
+                <a:solidFill>
+                  <a:srgbClr val="002060"/>
+                </a:solidFill>
+              </a:rPr>
+              <a:t>int</a:t>
+            </a:r>
+            <a:r>
+              <a:rPr lang="fr-FR" sz="1600" dirty="0">
+                <a:solidFill>
+                  <a:srgbClr val="002060"/>
+                </a:solidFill>
+              </a:rPr>
+              <a:t> </a:t>
+            </a:r>
+            <a:r>
+              <a:rPr lang="fr-FR" sz="1600" dirty="0" err="1">
+                <a:solidFill>
+                  <a:schemeClr val="tx1"/>
+                </a:solidFill>
+              </a:rPr>
+              <a:t>nbPiecesControlees</a:t>
+            </a:r>
+            <a:r>
+              <a:rPr lang="fr-FR" sz="1600" dirty="0">
+                <a:solidFill>
+                  <a:schemeClr val="tx1"/>
+                </a:solidFill>
+              </a:rPr>
+              <a:t>;</a:t>
+            </a:r>
+          </a:p>
+          <a:p>
+            <a:r>
+              <a:rPr lang="fr-FR" sz="1600" dirty="0">
+                <a:solidFill>
+                  <a:schemeClr val="tx1"/>
+                </a:solidFill>
+              </a:rPr>
+              <a:t>    </a:t>
+            </a:r>
+            <a:r>
+              <a:rPr lang="fr-FR" sz="1600" b="1" dirty="0" err="1">
+                <a:solidFill>
+                  <a:schemeClr val="tx1"/>
+                </a:solidFill>
+              </a:rPr>
+              <a:t>Piece</a:t>
+            </a:r>
+            <a:r>
+              <a:rPr lang="fr-FR" sz="1600" dirty="0">
+                <a:solidFill>
+                  <a:schemeClr val="tx1"/>
+                </a:solidFill>
+              </a:rPr>
+              <a:t> </a:t>
+            </a:r>
+            <a:r>
+              <a:rPr lang="fr-FR" sz="1600" dirty="0">
+                <a:solidFill>
+                  <a:srgbClr val="FF0000"/>
+                </a:solidFill>
+              </a:rPr>
+              <a:t>* </a:t>
+            </a:r>
+            <a:r>
+              <a:rPr lang="fr-FR" sz="1600" dirty="0" err="1">
+                <a:solidFill>
+                  <a:schemeClr val="tx1"/>
+                </a:solidFill>
+              </a:rPr>
+              <a:t>piecesControlees</a:t>
+            </a:r>
+            <a:r>
+              <a:rPr lang="fr-FR" sz="1600" dirty="0">
+                <a:solidFill>
+                  <a:srgbClr val="FF0000"/>
+                </a:solidFill>
+              </a:rPr>
+              <a:t>[</a:t>
+            </a:r>
+            <a:r>
+              <a:rPr lang="fr-FR" sz="1600" dirty="0">
+                <a:solidFill>
+                  <a:schemeClr val="tx1"/>
+                </a:solidFill>
+              </a:rPr>
+              <a:t>8</a:t>
+            </a:r>
+            <a:r>
+              <a:rPr lang="fr-FR" sz="1600" dirty="0" smtClean="0">
+                <a:solidFill>
+                  <a:srgbClr val="FF0000"/>
+                </a:solidFill>
+              </a:rPr>
+              <a:t>];</a:t>
+            </a:r>
+            <a:endParaRPr lang="fr-FR" sz="1600" dirty="0">
+              <a:solidFill>
+                <a:srgbClr val="FF0000"/>
+              </a:solidFill>
+            </a:endParaRPr>
+          </a:p>
+          <a:p>
+            <a:r>
+              <a:rPr lang="fr-FR" sz="1600" dirty="0">
+                <a:solidFill>
+                  <a:schemeClr val="tx1"/>
+                </a:solidFill>
+              </a:rPr>
+              <a:t>    </a:t>
+            </a:r>
+            <a:r>
+              <a:rPr lang="fr-FR" sz="1600" b="1" dirty="0" err="1">
+                <a:solidFill>
+                  <a:srgbClr val="002060"/>
+                </a:solidFill>
+              </a:rPr>
+              <a:t>int</a:t>
+            </a:r>
+            <a:r>
+              <a:rPr lang="fr-FR" sz="1600" dirty="0">
+                <a:solidFill>
+                  <a:srgbClr val="002060"/>
+                </a:solidFill>
+              </a:rPr>
+              <a:t> </a:t>
+            </a:r>
+            <a:r>
+              <a:rPr lang="fr-FR" sz="1600" dirty="0" err="1" smtClean="0">
+                <a:solidFill>
+                  <a:schemeClr val="tx1"/>
+                </a:solidFill>
+              </a:rPr>
+              <a:t>nbDeplacementsPossibles</a:t>
+            </a:r>
+            <a:r>
+              <a:rPr lang="fr-FR" sz="1600" dirty="0" smtClean="0">
+                <a:solidFill>
+                  <a:srgbClr val="FF0000"/>
+                </a:solidFill>
+              </a:rPr>
+              <a:t>;</a:t>
+            </a:r>
+            <a:endParaRPr lang="fr-FR" sz="1600" dirty="0">
+              <a:solidFill>
+                <a:srgbClr val="FF0000"/>
+              </a:solidFill>
+            </a:endParaRPr>
+          </a:p>
+          <a:p>
+            <a:r>
+              <a:rPr lang="fr-FR" sz="1600" dirty="0" smtClean="0">
+                <a:solidFill>
+                  <a:schemeClr val="tx1"/>
+                </a:solidFill>
+              </a:rPr>
+              <a:t>    </a:t>
+            </a:r>
+            <a:r>
+              <a:rPr lang="fr-FR" sz="1600" b="1" dirty="0" smtClean="0">
+                <a:solidFill>
+                  <a:schemeClr val="tx1"/>
+                </a:solidFill>
+              </a:rPr>
+              <a:t>Case</a:t>
+            </a:r>
+            <a:r>
+              <a:rPr lang="fr-FR" sz="1600" dirty="0" smtClean="0">
+                <a:solidFill>
+                  <a:schemeClr val="tx1"/>
+                </a:solidFill>
+              </a:rPr>
+              <a:t> </a:t>
+            </a:r>
+            <a:r>
+              <a:rPr lang="fr-FR" sz="1600" dirty="0">
+                <a:solidFill>
+                  <a:srgbClr val="FF0000"/>
+                </a:solidFill>
+              </a:rPr>
+              <a:t>*</a:t>
+            </a:r>
+            <a:r>
+              <a:rPr lang="fr-FR" sz="1600" dirty="0">
+                <a:solidFill>
+                  <a:schemeClr val="tx1"/>
+                </a:solidFill>
+              </a:rPr>
+              <a:t> </a:t>
+            </a:r>
+            <a:r>
+              <a:rPr lang="fr-FR" sz="1600" dirty="0" err="1">
+                <a:solidFill>
+                  <a:schemeClr val="tx1"/>
+                </a:solidFill>
+              </a:rPr>
+              <a:t>deplacementsPossibles</a:t>
+            </a:r>
+            <a:r>
+              <a:rPr lang="fr-FR" sz="1600" dirty="0">
+                <a:solidFill>
+                  <a:srgbClr val="FF0000"/>
+                </a:solidFill>
+              </a:rPr>
+              <a:t>[</a:t>
+            </a:r>
+            <a:r>
+              <a:rPr lang="fr-FR" sz="1600" dirty="0">
+                <a:solidFill>
+                  <a:schemeClr val="tx1"/>
+                </a:solidFill>
+              </a:rPr>
+              <a:t>27</a:t>
+            </a:r>
+            <a:r>
+              <a:rPr lang="fr-FR" sz="1600" dirty="0" smtClean="0">
+                <a:solidFill>
+                  <a:srgbClr val="FF0000"/>
+                </a:solidFill>
+              </a:rPr>
+              <a:t>];</a:t>
+            </a:r>
+            <a:endParaRPr lang="fr-FR" sz="1600" dirty="0">
+              <a:solidFill>
+                <a:srgbClr val="FF0000"/>
+              </a:solidFill>
+            </a:endParaRPr>
+          </a:p>
+          <a:p>
+            <a:r>
+              <a:rPr lang="fr-FR" sz="1600" dirty="0">
+                <a:solidFill>
+                  <a:srgbClr val="FF0000"/>
+                </a:solidFill>
+              </a:rPr>
+              <a:t>}</a:t>
+            </a:r>
+            <a:r>
+              <a:rPr lang="fr-FR" sz="1600" dirty="0">
+                <a:solidFill>
+                  <a:schemeClr val="tx1"/>
+                </a:solidFill>
+              </a:rPr>
+              <a:t> </a:t>
+            </a:r>
+            <a:r>
+              <a:rPr lang="fr-FR" sz="1600" dirty="0" err="1">
+                <a:solidFill>
+                  <a:schemeClr val="tx1"/>
+                </a:solidFill>
+              </a:rPr>
+              <a:t>IApiece</a:t>
+            </a:r>
+            <a:r>
+              <a:rPr lang="fr-FR" sz="1600" dirty="0">
+                <a:solidFill>
+                  <a:srgbClr val="FF0000"/>
+                </a:solidFill>
+              </a:rPr>
+              <a:t> ;</a:t>
+            </a:r>
+          </a:p>
+        </p:txBody>
+      </p:sp>
+      <p:sp>
+        <p:nvSpPr>
+          <p:cNvPr id="4" name="Espace réservé de la date 3"/>
+          <p:cNvSpPr>
+            <a:spLocks noGrp="1"/>
+          </p:cNvSpPr>
+          <p:nvPr>
+            <p:ph type="dt" sz="half" idx="10"/>
+          </p:nvPr>
+        </p:nvSpPr>
+        <p:spPr/>
+        <p:txBody>
           <a:bodyPr/>
           <a:lstStyle/>
           <a:p>
-            <a:endParaRPr lang="fr-FR"/>
-          </a:p>
-        </p:txBody>
-      </p:sp>
-      <p:sp>
-        <p:nvSpPr>
-          <p:cNvPr id="4" name="Espace réservé de la date 3"/>
-          <p:cNvSpPr>
-            <a:spLocks noGrp="1"/>
-          </p:cNvSpPr>
-          <p:nvPr>
-            <p:ph type="dt" sz="half" idx="10"/>
-          </p:nvPr>
-        </p:nvSpPr>
-        <p:spPr/>
-        <p:txBody>
-          <a:bodyPr/>
-          <a:lstStyle/>
-          <a:p>
             <a:fld id="{4C65F994-49BC-4889-8CFA-7C9632A8F570}" type="datetime1">
               <a:rPr lang="fr-FR" smtClean="0"/>
-              <a:t>20/05/2015</a:t>
+              <a:t>25/05/2015</a:t>
             </a:fld>
-            <a:endParaRPr lang="fr-FR"/>
+            <a:endParaRPr lang="fr-FR" dirty="0"/>
           </a:p>
         </p:txBody>
       </p:sp>
@@ -4885,16 +6457,184 @@
           </a:p>
         </p:txBody>
       </p:sp>
+      <p:sp>
+        <p:nvSpPr>
+          <p:cNvPr id="7" name="ZoneTexte 6"/>
+          <p:cNvSpPr txBox="1"/>
+          <p:nvPr/>
+        </p:nvSpPr>
+        <p:spPr>
+          <a:xfrm>
+            <a:off x="5542384" y="1845734"/>
+            <a:ext cx="2258952" cy="1569660"/>
+          </a:xfrm>
+          <a:prstGeom prst="rect">
+            <a:avLst/>
+          </a:prstGeom>
+          <a:noFill/>
+        </p:spPr>
+        <p:txBody>
+          <a:bodyPr wrap="none" rtlCol="0">
+            <a:spAutoFit/>
+          </a:bodyPr>
+          <a:lstStyle/>
+          <a:p>
+            <a:r>
+              <a:rPr lang="fr-FR" sz="1600" b="1" dirty="0" err="1">
+                <a:solidFill>
+                  <a:srgbClr val="002060"/>
+                </a:solidFill>
+              </a:rPr>
+              <a:t>typedef</a:t>
+            </a:r>
+            <a:r>
+              <a:rPr lang="fr-FR" sz="1600" dirty="0">
+                <a:solidFill>
+                  <a:srgbClr val="002060"/>
+                </a:solidFill>
+              </a:rPr>
+              <a:t> </a:t>
+            </a:r>
+            <a:r>
+              <a:rPr lang="fr-FR" sz="1600" b="1" dirty="0" err="1">
+                <a:solidFill>
+                  <a:srgbClr val="002060"/>
+                </a:solidFill>
+              </a:rPr>
+              <a:t>struct</a:t>
+            </a:r>
+            <a:endParaRPr lang="fr-FR" sz="1600" b="1" dirty="0">
+              <a:solidFill>
+                <a:srgbClr val="002060"/>
+              </a:solidFill>
+            </a:endParaRPr>
+          </a:p>
+          <a:p>
+            <a:r>
+              <a:rPr lang="fr-FR" sz="1600" dirty="0">
+                <a:solidFill>
+                  <a:srgbClr val="FF0000"/>
+                </a:solidFill>
+              </a:rPr>
+              <a:t>{</a:t>
+            </a:r>
+          </a:p>
+          <a:p>
+            <a:r>
+              <a:rPr lang="fr-FR" sz="1600" dirty="0"/>
+              <a:t>    </a:t>
+            </a:r>
+            <a:r>
+              <a:rPr lang="fr-FR" sz="1600" b="1" dirty="0" err="1"/>
+              <a:t>IApiece</a:t>
+            </a:r>
+            <a:r>
+              <a:rPr lang="fr-FR" sz="1600" dirty="0"/>
+              <a:t> iaPiecesJ1</a:t>
+            </a:r>
+            <a:r>
+              <a:rPr lang="fr-FR" sz="1600" dirty="0">
+                <a:solidFill>
+                  <a:srgbClr val="FF0000"/>
+                </a:solidFill>
+              </a:rPr>
+              <a:t>[</a:t>
+            </a:r>
+            <a:r>
+              <a:rPr lang="fr-FR" sz="1600" dirty="0"/>
+              <a:t>16</a:t>
+            </a:r>
+            <a:r>
+              <a:rPr lang="fr-FR" sz="1600" dirty="0">
+                <a:solidFill>
+                  <a:srgbClr val="FF0000"/>
+                </a:solidFill>
+              </a:rPr>
+              <a:t>];</a:t>
+            </a:r>
+          </a:p>
+          <a:p>
+            <a:r>
+              <a:rPr lang="fr-FR" sz="1600" dirty="0"/>
+              <a:t>    </a:t>
+            </a:r>
+            <a:r>
+              <a:rPr lang="fr-FR" sz="1600" b="1" dirty="0" err="1"/>
+              <a:t>IApiece</a:t>
+            </a:r>
+            <a:r>
+              <a:rPr lang="fr-FR" sz="1600" dirty="0"/>
+              <a:t> iaPiecesJ2</a:t>
+            </a:r>
+            <a:r>
+              <a:rPr lang="fr-FR" sz="1600" dirty="0">
+                <a:solidFill>
+                  <a:srgbClr val="FF0000"/>
+                </a:solidFill>
+              </a:rPr>
+              <a:t>[</a:t>
+            </a:r>
+            <a:r>
+              <a:rPr lang="fr-FR" sz="1600" dirty="0"/>
+              <a:t>16</a:t>
+            </a:r>
+            <a:r>
+              <a:rPr lang="fr-FR" sz="1600" dirty="0">
+                <a:solidFill>
+                  <a:srgbClr val="FF0000"/>
+                </a:solidFill>
+              </a:rPr>
+              <a:t>];</a:t>
+            </a:r>
+          </a:p>
+          <a:p>
+            <a:endParaRPr lang="fr-FR" sz="1600" dirty="0"/>
+          </a:p>
+          <a:p>
+            <a:r>
+              <a:rPr lang="fr-FR" sz="1600" dirty="0">
+                <a:solidFill>
+                  <a:srgbClr val="FF0000"/>
+                </a:solidFill>
+              </a:rPr>
+              <a:t>} </a:t>
+            </a:r>
+            <a:r>
+              <a:rPr lang="fr-FR" sz="1600" dirty="0" err="1"/>
+              <a:t>IAjeu</a:t>
+            </a:r>
+            <a:r>
+              <a:rPr lang="fr-FR" sz="1600" dirty="0"/>
+              <a:t> </a:t>
+            </a:r>
+            <a:r>
+              <a:rPr lang="fr-FR" sz="1600" dirty="0">
+                <a:solidFill>
+                  <a:srgbClr val="FF0000"/>
+                </a:solidFill>
+              </a:rPr>
+              <a:t>;</a:t>
+            </a:r>
+          </a:p>
+        </p:txBody>
+      </p:sp>
     </p:spTree>
     <p:extLst>
       <p:ext uri="{BB962C8B-B14F-4D97-AF65-F5344CB8AC3E}">
-        <p14:creationId xmlns:p14="http://schemas.microsoft.com/office/powerpoint/2010/main" val="2337502017"/>
+        <p14:creationId xmlns:p14="http://schemas.microsoft.com/office/powerpoint/2010/main" val="1051288416"/>
       </p:ext>
     </p:extLst>
   </p:cSld>
   <p:clrMapOvr>
     <a:masterClrMapping/>
   </p:clrMapOvr>
+  <p:timing>
+    <p:tnLst>
+      <p:par>
+        <p:cTn id="1" dur="indefinite" restart="never" nodeType="tmRoot"/>
+      </p:par>
+    </p:tnLst>
+  </p:timing>
 </p:sld>
 </file>
 
@@ -4932,11 +6672,23 @@
           <a:p>
             <a:r>
               <a:rPr lang="fr-FR" dirty="0" smtClean="0"/>
-              <a:t>Module : </a:t>
+              <a:t>Module </a:t>
+            </a:r>
+            <a:r>
+              <a:rPr lang="fr-FR" dirty="0" smtClean="0">
+                <a:solidFill>
+                  <a:srgbClr val="FF0000"/>
+                </a:solidFill>
+              </a:rPr>
+              <a:t>:</a:t>
+            </a:r>
+            <a:r>
+              <a:rPr lang="fr-FR" dirty="0" smtClean="0"/>
+              <a:t> </a:t>
             </a:r>
             <a:r>
               <a:rPr lang="fr-FR" dirty="0" err="1" smtClean="0"/>
-              <a:t>AfficheSDL</a:t>
+              <a:t>AfficheNCURSES</a:t>
             </a:r>
             <a:endParaRPr lang="fr-FR" dirty="0"/>
           </a:p>
@@ -4957,7 +6709,165 @@
           <a:bodyPr/>
           <a:lstStyle/>
           <a:p>
-            <a:endParaRPr lang="fr-FR"/>
+            <a:endParaRPr lang="fr-FR" b="1" dirty="0" smtClean="0">
+              <a:solidFill>
+                <a:srgbClr val="002060"/>
+              </a:solidFill>
+            </a:endParaRPr>
+          </a:p>
+          <a:p>
+            <a:r>
+              <a:rPr lang="fr-FR" b="1" dirty="0" err="1" smtClean="0">
+                <a:solidFill>
+                  <a:srgbClr val="002060"/>
+                </a:solidFill>
+              </a:rPr>
+              <a:t>void</a:t>
+            </a:r>
+            <a:r>
+              <a:rPr lang="fr-FR" dirty="0" smtClean="0">
+                <a:solidFill>
+                  <a:srgbClr val="002060"/>
+                </a:solidFill>
+              </a:rPr>
+              <a:t> </a:t>
+            </a:r>
+            <a:r>
+              <a:rPr lang="fr-FR" dirty="0"/>
+              <a:t>affichage</a:t>
+            </a:r>
+            <a:r>
+              <a:rPr lang="fr-FR" dirty="0">
+                <a:solidFill>
+                  <a:srgbClr val="FF0000"/>
+                </a:solidFill>
+              </a:rPr>
+              <a:t>(</a:t>
+            </a:r>
+            <a:r>
+              <a:rPr lang="fr-FR" b="1" dirty="0"/>
+              <a:t>WINDOW</a:t>
+            </a:r>
+            <a:r>
+              <a:rPr lang="fr-FR" dirty="0"/>
+              <a:t> </a:t>
+            </a:r>
+            <a:r>
+              <a:rPr lang="fr-FR" dirty="0">
+                <a:solidFill>
+                  <a:srgbClr val="FF0000"/>
+                </a:solidFill>
+              </a:rPr>
+              <a:t>* </a:t>
+            </a:r>
+            <a:r>
+              <a:rPr lang="fr-FR" dirty="0" err="1"/>
+              <a:t>win</a:t>
+            </a:r>
+            <a:r>
+              <a:rPr lang="fr-FR" dirty="0">
+                <a:solidFill>
+                  <a:srgbClr val="FF0000"/>
+                </a:solidFill>
+              </a:rPr>
+              <a:t>, </a:t>
+            </a:r>
+            <a:r>
+              <a:rPr lang="fr-FR" b="1" dirty="0">
+                <a:solidFill>
+                  <a:schemeClr val="tx1"/>
+                </a:solidFill>
+              </a:rPr>
+              <a:t>Jeu</a:t>
+            </a:r>
+            <a:r>
+              <a:rPr lang="fr-FR" dirty="0">
+                <a:solidFill>
+                  <a:srgbClr val="FF0000"/>
+                </a:solidFill>
+              </a:rPr>
+              <a:t> * </a:t>
+            </a:r>
+            <a:r>
+              <a:rPr lang="fr-FR" dirty="0"/>
+              <a:t>jeu</a:t>
+            </a:r>
+            <a:r>
+              <a:rPr lang="fr-FR" dirty="0" smtClean="0">
+                <a:solidFill>
+                  <a:srgbClr val="FF0000"/>
+                </a:solidFill>
+              </a:rPr>
+              <a:t>)</a:t>
+            </a:r>
+            <a:endParaRPr lang="fr-FR" dirty="0">
+              <a:solidFill>
+                <a:srgbClr val="FF0000"/>
+              </a:solidFill>
+            </a:endParaRPr>
+          </a:p>
+          <a:p>
+            <a:r>
+              <a:rPr lang="fr-FR" b="1" dirty="0" err="1">
+                <a:solidFill>
+                  <a:srgbClr val="002060"/>
+                </a:solidFill>
+              </a:rPr>
+              <a:t>void</a:t>
+            </a:r>
+            <a:r>
+              <a:rPr lang="fr-FR" dirty="0">
+                <a:solidFill>
+                  <a:srgbClr val="002060"/>
+                </a:solidFill>
+              </a:rPr>
+              <a:t> </a:t>
+            </a:r>
+            <a:r>
+              <a:rPr lang="fr-FR" dirty="0" err="1"/>
+              <a:t>boucleEvent</a:t>
+            </a:r>
+            <a:r>
+              <a:rPr lang="fr-FR" dirty="0">
+                <a:solidFill>
+                  <a:srgbClr val="FF0000"/>
+                </a:solidFill>
+              </a:rPr>
+              <a:t>(</a:t>
+            </a:r>
+            <a:r>
+              <a:rPr lang="fr-FR" b="1" dirty="0"/>
+              <a:t>Jeu</a:t>
+            </a:r>
+            <a:r>
+              <a:rPr lang="fr-FR" dirty="0"/>
+              <a:t> </a:t>
+            </a:r>
+            <a:r>
+              <a:rPr lang="fr-FR" dirty="0">
+                <a:solidFill>
+                  <a:srgbClr val="FF0000"/>
+                </a:solidFill>
+              </a:rPr>
+              <a:t>*</a:t>
+            </a:r>
+            <a:r>
+              <a:rPr lang="fr-FR" dirty="0"/>
+              <a:t> jeu</a:t>
+            </a:r>
+            <a:r>
+              <a:rPr lang="fr-FR" dirty="0" smtClean="0">
+                <a:solidFill>
+                  <a:srgbClr val="FF0000"/>
+                </a:solidFill>
+              </a:rPr>
+              <a:t>)</a:t>
+            </a:r>
+            <a:endParaRPr lang="fr-FR" dirty="0">
+              <a:solidFill>
+                <a:srgbClr val="FF0000"/>
+              </a:solidFill>
+            </a:endParaRPr>
           </a:p>
         </p:txBody>
       </p:sp>
@@ -4978,7 +6888,7 @@
           <a:p>
             <a:fld id="{4C65F994-49BC-4889-8CFA-7C9632A8F570}" type="datetime1">
               <a:rPr lang="fr-FR" smtClean="0"/>
-              <a:t>20/05/2015</a:t>
+              <a:t>25/05/2015</a:t>
             </a:fld>
             <a:endParaRPr lang="fr-FR"/>
           </a:p>
@@ -5000,10 +6910,10 @@
           <a:lstStyle/>
           <a:p>
             <a:r>
-              <a:rPr lang="fr-FR" smtClean="0"/>
+              <a:rPr lang="fr-FR" dirty="0" err="1" smtClean="0"/>
               <a:t>ChessRPG</a:t>
             </a:r>
-            <a:endParaRPr lang="fr-FR"/>
+            <a:endParaRPr lang="fr-FR" dirty="0"/>
           </a:p>
         </p:txBody>
       </p:sp>
@@ -5033,13 +6943,20 @@
     </p:spTree>
     <p:extLst>
       <p:ext uri="{BB962C8B-B14F-4D97-AF65-F5344CB8AC3E}">
-        <p14:creationId xmlns:p14="http://schemas.microsoft.com/office/powerpoint/2010/main" val="3938563035"/>
+        <p14:creationId xmlns:p14="http://schemas.microsoft.com/office/powerpoint/2010/main" val="53727125"/>
       </p:ext>
     </p:extLst>
   </p:cSld>
   <p:clrMapOvr>
     <a:masterClrMapping/>
   </p:clrMapOvr>
+  <p:timing>
+    <p:tnLst>
+      <p:par>
+        <p:cTn id="1" dur="indefinite" restart="never" nodeType="tmRoot"/>
+      </p:par>
+    </p:tnLst>
+  </p:timing>
 </p:sld>
 </file>
 
@@ -5077,7 +6994,23 @@
           <a:p>
             <a:r>
               <a:rPr lang="fr-FR" dirty="0" smtClean="0"/>
-              <a:t>Conclusion</a:t>
+              <a:t>Module </a:t>
+            </a:r>
+            <a:r>
+              <a:rPr lang="fr-FR" dirty="0" smtClean="0">
+                <a:solidFill>
+                  <a:srgbClr val="0070C0"/>
+                </a:solidFill>
+              </a:rPr>
+              <a:t>:</a:t>
+            </a:r>
+            <a:r>
+              <a:rPr lang="fr-FR" dirty="0" smtClean="0"/>
+              <a:t> </a:t>
+            </a:r>
+            <a:r>
+              <a:rPr lang="fr-FR" dirty="0" err="1" smtClean="0"/>
+              <a:t>AfficheSDL</a:t>
             </a:r>
             <a:endParaRPr lang="fr-FR" dirty="0"/>
           </a:p>
@@ -5095,21 +7028,520 @@
         </p:nvSpPr>
         <p:spPr/>
         <p:txBody>
+          <a:bodyPr>
+            <a:normAutofit fontScale="92500" lnSpcReduction="20000"/>
+          </a:bodyPr>
+          <a:lstStyle/>
+          <a:p>
+            <a:r>
+              <a:rPr lang="fr-FR" b="1" dirty="0" err="1" smtClean="0">
+                <a:solidFill>
+                  <a:srgbClr val="002060"/>
+                </a:solidFill>
+              </a:rPr>
+              <a:t>typedef</a:t>
+            </a:r>
+            <a:r>
+              <a:rPr lang="fr-FR" b="1" dirty="0" smtClean="0">
+                <a:solidFill>
+                  <a:srgbClr val="002060"/>
+                </a:solidFill>
+              </a:rPr>
+              <a:t> </a:t>
+            </a:r>
+            <a:r>
+              <a:rPr lang="fr-FR" b="1" dirty="0" err="1" smtClean="0">
+                <a:solidFill>
+                  <a:srgbClr val="002060"/>
+                </a:solidFill>
+              </a:rPr>
+              <a:t>struct</a:t>
+            </a:r>
+            <a:r>
+              <a:rPr lang="fr-FR" dirty="0" smtClean="0"/>
+              <a:t/>
+            </a:r>
+            <a:br>
+              <a:rPr lang="fr-FR" dirty="0" smtClean="0"/>
+            </a:br>
+            <a:r>
+              <a:rPr lang="fr-FR" dirty="0" smtClean="0">
+                <a:solidFill>
+                  <a:srgbClr val="FF0000"/>
+                </a:solidFill>
+              </a:rPr>
+              <a:t>{</a:t>
+            </a:r>
+            <a:r>
+              <a:rPr lang="fr-FR" dirty="0" smtClean="0"/>
+              <a:t/>
+            </a:r>
+            <a:br>
+              <a:rPr lang="fr-FR" dirty="0" smtClean="0"/>
+            </a:br>
+            <a:r>
+              <a:rPr lang="fr-FR" dirty="0" smtClean="0"/>
+              <a:t>    </a:t>
+            </a:r>
+            <a:r>
+              <a:rPr lang="fr-FR" b="1" dirty="0" smtClean="0"/>
+              <a:t>Jeu</a:t>
+            </a:r>
+            <a:r>
+              <a:rPr lang="fr-FR" dirty="0" smtClean="0"/>
+              <a:t> </a:t>
+            </a:r>
+            <a:r>
+              <a:rPr lang="fr-FR" dirty="0" err="1" smtClean="0"/>
+              <a:t>jeu</a:t>
+            </a:r>
+            <a:r>
+              <a:rPr lang="fr-FR" dirty="0" smtClean="0"/>
+              <a:t> </a:t>
+            </a:r>
+            <a:r>
+              <a:rPr lang="fr-FR" dirty="0" smtClean="0">
+                <a:solidFill>
+                  <a:srgbClr val="FF0000"/>
+                </a:solidFill>
+              </a:rPr>
+              <a:t>;</a:t>
+            </a:r>
+            <a:endParaRPr lang="fr-FR" dirty="0">
+              <a:solidFill>
+                <a:srgbClr val="FF0000"/>
+              </a:solidFill>
+            </a:endParaRPr>
+          </a:p>
+          <a:p>
+            <a:r>
+              <a:rPr lang="fr-FR" dirty="0"/>
+              <a:t>    </a:t>
+            </a:r>
+            <a:r>
+              <a:rPr lang="fr-FR" b="1" dirty="0" err="1"/>
+              <a:t>SDL_Surface</a:t>
+            </a:r>
+            <a:r>
+              <a:rPr lang="fr-FR" dirty="0">
+                <a:solidFill>
+                  <a:srgbClr val="FF0000"/>
+                </a:solidFill>
+              </a:rPr>
+              <a:t>*</a:t>
+            </a:r>
+            <a:r>
+              <a:rPr lang="fr-FR" dirty="0"/>
+              <a:t> </a:t>
+            </a:r>
+            <a:r>
+              <a:rPr lang="fr-FR" dirty="0" err="1"/>
+              <a:t>surface_ecran</a:t>
+            </a:r>
+            <a:r>
+              <a:rPr lang="fr-FR" dirty="0"/>
+              <a:t> </a:t>
+            </a:r>
+            <a:r>
+              <a:rPr lang="fr-FR" dirty="0" smtClean="0">
+                <a:solidFill>
+                  <a:srgbClr val="FF0000"/>
+                </a:solidFill>
+              </a:rPr>
+              <a:t>;</a:t>
+            </a:r>
+            <a:endParaRPr lang="fr-FR" dirty="0">
+              <a:solidFill>
+                <a:srgbClr val="FF0000"/>
+              </a:solidFill>
+            </a:endParaRPr>
+          </a:p>
+          <a:p>
+            <a:r>
+              <a:rPr lang="fr-FR" dirty="0" smtClean="0"/>
+              <a:t>    </a:t>
+            </a:r>
+            <a:r>
+              <a:rPr lang="fr-FR" b="1" dirty="0" err="1" smtClean="0"/>
+              <a:t>SDL_Surface</a:t>
+            </a:r>
+            <a:r>
+              <a:rPr lang="fr-FR" dirty="0" smtClean="0">
+                <a:solidFill>
+                  <a:srgbClr val="FF0000"/>
+                </a:solidFill>
+              </a:rPr>
+              <a:t>*</a:t>
+            </a:r>
+            <a:r>
+              <a:rPr lang="fr-FR" dirty="0" smtClean="0"/>
+              <a:t> surfaces_piecesJ1</a:t>
+            </a:r>
+            <a:r>
+              <a:rPr lang="fr-FR" dirty="0" smtClean="0">
+                <a:solidFill>
+                  <a:srgbClr val="FF0000"/>
+                </a:solidFill>
+              </a:rPr>
+              <a:t>[</a:t>
+            </a:r>
+            <a:r>
+              <a:rPr lang="fr-FR" dirty="0" smtClean="0"/>
+              <a:t>6</a:t>
+            </a:r>
+            <a:r>
+              <a:rPr lang="fr-FR" dirty="0" smtClean="0">
+                <a:solidFill>
+                  <a:srgbClr val="FF0000"/>
+                </a:solidFill>
+              </a:rPr>
+              <a:t>]</a:t>
+            </a:r>
+            <a:r>
+              <a:rPr lang="fr-FR" dirty="0" smtClean="0"/>
+              <a:t> </a:t>
+            </a:r>
+            <a:r>
+              <a:rPr lang="fr-FR" dirty="0" smtClean="0">
+                <a:solidFill>
+                  <a:srgbClr val="FF0000"/>
+                </a:solidFill>
+              </a:rPr>
+              <a:t>;</a:t>
+            </a:r>
+            <a:r>
+              <a:rPr lang="fr-FR" dirty="0" smtClean="0"/>
+              <a:t/>
+            </a:r>
+            <a:br>
+              <a:rPr lang="fr-FR" dirty="0" smtClean="0"/>
+            </a:br>
+            <a:r>
+              <a:rPr lang="fr-FR" dirty="0" smtClean="0"/>
+              <a:t>    </a:t>
+            </a:r>
+            <a:r>
+              <a:rPr lang="fr-FR" b="1" dirty="0" err="1" smtClean="0"/>
+              <a:t>SDL_Surface</a:t>
+            </a:r>
+            <a:r>
+              <a:rPr lang="fr-FR" dirty="0" smtClean="0">
+                <a:solidFill>
+                  <a:srgbClr val="FF0000"/>
+                </a:solidFill>
+              </a:rPr>
+              <a:t>*</a:t>
+            </a:r>
+            <a:r>
+              <a:rPr lang="fr-FR" dirty="0" smtClean="0"/>
+              <a:t> surfaces_piecesJ2</a:t>
+            </a:r>
+            <a:r>
+              <a:rPr lang="fr-FR" dirty="0" smtClean="0">
+                <a:solidFill>
+                  <a:srgbClr val="FF0000"/>
+                </a:solidFill>
+              </a:rPr>
+              <a:t>[</a:t>
+            </a:r>
+            <a:r>
+              <a:rPr lang="fr-FR" dirty="0" smtClean="0"/>
+              <a:t>6</a:t>
+            </a:r>
+            <a:r>
+              <a:rPr lang="fr-FR" dirty="0" smtClean="0">
+                <a:solidFill>
+                  <a:srgbClr val="FF0000"/>
+                </a:solidFill>
+              </a:rPr>
+              <a:t>] ;</a:t>
+            </a:r>
+          </a:p>
+          <a:p>
+            <a:r>
+              <a:rPr lang="fr-FR" dirty="0" smtClean="0"/>
+              <a:t>    </a:t>
+            </a:r>
+            <a:r>
+              <a:rPr lang="fr-FR" b="1" dirty="0" err="1" smtClean="0"/>
+              <a:t>SDL_Surface</a:t>
+            </a:r>
+            <a:r>
+              <a:rPr lang="fr-FR" dirty="0">
+                <a:solidFill>
+                  <a:srgbClr val="FF0000"/>
+                </a:solidFill>
+              </a:rPr>
+              <a:t>*</a:t>
+            </a:r>
+            <a:r>
+              <a:rPr lang="fr-FR" dirty="0"/>
+              <a:t> </a:t>
+            </a:r>
+            <a:r>
+              <a:rPr lang="fr-FR" dirty="0" err="1" smtClean="0"/>
+              <a:t>surfaces_couleurs_cases</a:t>
+            </a:r>
+            <a:r>
+              <a:rPr lang="fr-FR" dirty="0" smtClean="0">
+                <a:solidFill>
+                  <a:srgbClr val="FF0000"/>
+                </a:solidFill>
+              </a:rPr>
+              <a:t>[</a:t>
+            </a:r>
+            <a:r>
+              <a:rPr lang="fr-FR" dirty="0" smtClean="0"/>
+              <a:t>4</a:t>
+            </a:r>
+            <a:r>
+              <a:rPr lang="fr-FR" dirty="0" smtClean="0">
+                <a:solidFill>
+                  <a:srgbClr val="FF0000"/>
+                </a:solidFill>
+              </a:rPr>
+              <a:t>] ;</a:t>
+            </a:r>
+          </a:p>
+          <a:p>
+            <a:r>
+              <a:rPr lang="fr-FR" dirty="0" smtClean="0"/>
+              <a:t>    </a:t>
+            </a:r>
+            <a:r>
+              <a:rPr lang="fr-FR" b="1" dirty="0" err="1" smtClean="0"/>
+              <a:t>SDL_Surface</a:t>
+            </a:r>
+            <a:r>
+              <a:rPr lang="fr-FR" dirty="0">
+                <a:solidFill>
+                  <a:srgbClr val="FF0000"/>
+                </a:solidFill>
+              </a:rPr>
+              <a:t>*</a:t>
+            </a:r>
+            <a:r>
+              <a:rPr lang="fr-FR" dirty="0"/>
+              <a:t> </a:t>
+            </a:r>
+            <a:r>
+              <a:rPr lang="fr-FR" dirty="0" err="1" smtClean="0"/>
+              <a:t>surfaces_texte</a:t>
+            </a:r>
+            <a:r>
+              <a:rPr lang="fr-FR" dirty="0" smtClean="0">
+                <a:solidFill>
+                  <a:srgbClr val="FF0000"/>
+                </a:solidFill>
+              </a:rPr>
+              <a:t>[</a:t>
+            </a:r>
+            <a:r>
+              <a:rPr lang="fr-FR" dirty="0" smtClean="0"/>
+              <a:t>4</a:t>
+            </a:r>
+            <a:r>
+              <a:rPr lang="fr-FR" dirty="0" smtClean="0">
+                <a:solidFill>
+                  <a:srgbClr val="FF0000"/>
+                </a:solidFill>
+              </a:rPr>
+              <a:t>] ;</a:t>
+            </a:r>
+          </a:p>
+          <a:p>
+            <a:r>
+              <a:rPr lang="fr-FR" dirty="0"/>
+              <a:t> </a:t>
+            </a:r>
+            <a:r>
+              <a:rPr lang="fr-FR" dirty="0" smtClean="0"/>
+              <a:t>   </a:t>
+            </a:r>
+            <a:r>
+              <a:rPr lang="fr-FR" b="1" dirty="0" err="1"/>
+              <a:t>SDL_Surface</a:t>
+            </a:r>
+            <a:r>
+              <a:rPr lang="fr-FR" dirty="0">
+                <a:solidFill>
+                  <a:srgbClr val="FF0000"/>
+                </a:solidFill>
+              </a:rPr>
+              <a:t>*</a:t>
+            </a:r>
+            <a:r>
+              <a:rPr lang="fr-FR" dirty="0"/>
+              <a:t> lettres[16</a:t>
+            </a:r>
+            <a:r>
+              <a:rPr lang="fr-FR" dirty="0" smtClean="0"/>
+              <a:t>] </a:t>
+            </a:r>
+            <a:r>
+              <a:rPr lang="fr-FR" dirty="0" smtClean="0">
+                <a:solidFill>
+                  <a:srgbClr val="FF0000"/>
+                </a:solidFill>
+              </a:rPr>
+              <a:t>;</a:t>
+            </a:r>
+            <a:endParaRPr lang="fr-FR" dirty="0">
+              <a:solidFill>
+                <a:srgbClr val="FF0000"/>
+              </a:solidFill>
+            </a:endParaRPr>
+          </a:p>
+          <a:p>
+            <a:r>
+              <a:rPr lang="fr-FR" dirty="0" smtClean="0"/>
+              <a:t>    </a:t>
+            </a:r>
+            <a:r>
+              <a:rPr lang="fr-FR" b="1" dirty="0" err="1" smtClean="0"/>
+              <a:t>TTF_Font</a:t>
+            </a:r>
+            <a:r>
+              <a:rPr lang="fr-FR" dirty="0" smtClean="0">
+                <a:solidFill>
+                  <a:srgbClr val="FF0000"/>
+                </a:solidFill>
+              </a:rPr>
+              <a:t>*</a:t>
+            </a:r>
+            <a:r>
+              <a:rPr lang="fr-FR" dirty="0" smtClean="0"/>
+              <a:t> polices[3] </a:t>
+            </a:r>
+            <a:r>
+              <a:rPr lang="fr-FR" dirty="0" smtClean="0">
+                <a:solidFill>
+                  <a:srgbClr val="FF0000"/>
+                </a:solidFill>
+              </a:rPr>
+              <a:t>;</a:t>
+            </a:r>
+          </a:p>
+          <a:p>
+            <a:r>
+              <a:rPr lang="fr-FR" dirty="0"/>
+              <a:t> </a:t>
+            </a:r>
+            <a:r>
+              <a:rPr lang="fr-FR" dirty="0" smtClean="0"/>
+              <a:t>   </a:t>
+            </a:r>
+            <a:r>
+              <a:rPr lang="fr-FR" b="1" dirty="0" err="1" smtClean="0"/>
+              <a:t>SDL_Surface</a:t>
+            </a:r>
+            <a:r>
+              <a:rPr lang="fr-FR" dirty="0" smtClean="0">
+                <a:solidFill>
+                  <a:srgbClr val="FF0000"/>
+                </a:solidFill>
+              </a:rPr>
+              <a:t>*</a:t>
+            </a:r>
+            <a:r>
+              <a:rPr lang="fr-FR" dirty="0" smtClean="0"/>
+              <a:t> </a:t>
+            </a:r>
+            <a:r>
+              <a:rPr lang="fr-FR" dirty="0"/>
+              <a:t>logs[10] </a:t>
+            </a:r>
+            <a:r>
+              <a:rPr lang="fr-FR" dirty="0" smtClean="0">
+                <a:solidFill>
+                  <a:srgbClr val="FF0000"/>
+                </a:solidFill>
+              </a:rPr>
+              <a:t>;</a:t>
+            </a:r>
+          </a:p>
+          <a:p>
+            <a:r>
+              <a:rPr lang="fr-FR" dirty="0" smtClean="0"/>
+              <a:t>} </a:t>
+            </a:r>
+            <a:r>
+              <a:rPr lang="fr-FR" dirty="0" err="1" smtClean="0"/>
+              <a:t>JeuSDL</a:t>
+            </a:r>
+            <a:r>
+              <a:rPr lang="fr-FR" dirty="0" smtClean="0">
+                <a:solidFill>
+                  <a:srgbClr val="FF0000"/>
+                </a:solidFill>
+              </a:rPr>
+              <a:t> ;</a:t>
+            </a:r>
+            <a:endParaRPr lang="fr-FR" dirty="0">
+              <a:solidFill>
+                <a:srgbClr val="FF0000"/>
+              </a:solidFill>
+            </a:endParaRPr>
+          </a:p>
+          <a:p>
+            <a:endParaRPr lang="fr-FR" dirty="0" smtClean="0"/>
+          </a:p>
+        </p:txBody>
+      </p:sp>
+      <p:sp>
+        <p:nvSpPr>
+          <p:cNvPr id="4" name="Espace réservé de la date 3"/>
+          <p:cNvSpPr>
+            <a:spLocks noGrp="1"/>
+          </p:cNvSpPr>
+          <p:nvPr>
+            <p:ph type="dt" sz="half" idx="10"/>
+          </p:nvPr>
+        </p:nvSpPr>
+        <p:spPr/>
+        <p:txBody>
           <a:bodyPr/>
           <a:lstStyle/>
           <a:p>
+            <a:fld id="{4C65F994-49BC-4889-8CFA-7C9632A8F570}" type="datetime1">
+              <a:rPr lang="fr-FR" smtClean="0"/>
+              <a:t>25/05/2015</a:t>
+            </a:fld>
+            <a:endParaRPr lang="fr-FR" dirty="0"/>
+          </a:p>
+        </p:txBody>
+      </p:sp>
+      <p:sp>
+        <p:nvSpPr>
+          <p:cNvPr id="5" name="Espace réservé du pied de page 4"/>
+          <p:cNvSpPr>
+            <a:spLocks noGrp="1"/>
+          </p:cNvSpPr>
+          <p:nvPr>
+            <p:ph type="ftr" sz="quarter" idx="11"/>
+          </p:nvPr>
+        </p:nvSpPr>
+        <p:spPr/>
+        <p:txBody>
+          <a:bodyPr/>
+          <a:lstStyle/>
+          <a:p>
+            <a:r>
+              <a:rPr lang="fr-FR" smtClean="0"/>
+              <a:t>ChessRPG</a:t>
+            </a:r>
             <a:endParaRPr lang="fr-FR"/>
           </a:p>
         </p:txBody>
       </p:sp>
       <p:sp>
         <p:nvSpPr>
-          <p:cNvPr id="4" name="Espace réservé de la date 3"/>
-          <p:cNvSpPr>
-            <a:spLocks noGrp="1"/>
-          </p:cNvSpPr>
-          <p:nvPr>
-            <p:ph type="dt" sz="half" idx="10"/>
+          <p:cNvPr id="6" name="Espace réservé du numéro de diapositive 5"/>
+          <p:cNvSpPr>
+            <a:spLocks noGrp="1"/>
+          </p:cNvSpPr>
+          <p:nvPr>
+            <p:ph type="sldNum" sz="quarter" idx="12"/>
           </p:nvPr>
         </p:nvSpPr>
         <p:spPr/>
@@ -5117,9 +7549,9 @@
           <a:bodyPr/>
           <a:lstStyle/>
           <a:p>
-            <a:fld id="{4C65F994-49BC-4889-8CFA-7C9632A8F570}" type="datetime1">
-              <a:rPr lang="fr-FR" smtClean="0"/>
-              <a:t>20/05/2015</a:t>
+            <a:fld id="{A6B83279-34E8-41C9-B5C2-22AD678E4709}" type="slidenum">
+              <a:rPr lang="fr-FR" smtClean="0"/>
+              <a:t>14</a:t>
             </a:fld>
             <a:endParaRPr lang="fr-FR"/>
           </a:p>
@@ -5127,6 +7559,364 @@
       </p:sp>
       <p:sp>
         <p:nvSpPr>
+          <p:cNvPr id="8" name="ZoneTexte 7"/>
+          <p:cNvSpPr txBox="1"/>
+          <p:nvPr/>
+        </p:nvSpPr>
+        <p:spPr>
+          <a:xfrm>
+            <a:off x="8897367" y="411068"/>
+            <a:ext cx="184731" cy="369332"/>
+          </a:xfrm>
+          <a:prstGeom prst="rect">
+            <a:avLst/>
+          </a:prstGeom>
+          <a:noFill/>
+        </p:spPr>
+        <p:txBody>
+          <a:bodyPr wrap="none" rtlCol="0">
+            <a:spAutoFit/>
+          </a:bodyPr>
+          <a:lstStyle/>
+          <a:p>
+            <a:endParaRPr lang="fr-FR" dirty="0"/>
+          </a:p>
+        </p:txBody>
+      </p:sp>
+      <p:sp>
+        <p:nvSpPr>
+          <p:cNvPr id="10" name="ZoneTexte 9"/>
+          <p:cNvSpPr txBox="1"/>
+          <p:nvPr/>
+        </p:nvSpPr>
+        <p:spPr>
+          <a:xfrm>
+            <a:off x="6952735" y="3452241"/>
+            <a:ext cx="3324436" cy="646331"/>
+          </a:xfrm>
+          <a:prstGeom prst="rect">
+            <a:avLst/>
+          </a:prstGeom>
+          <a:noFill/>
+        </p:spPr>
+        <p:txBody>
+          <a:bodyPr wrap="none" rtlCol="0">
+            <a:spAutoFit/>
+          </a:bodyPr>
+          <a:lstStyle/>
+          <a:p>
+            <a:r>
+              <a:rPr lang="fr-FR" b="1" dirty="0" err="1">
+                <a:solidFill>
+                  <a:srgbClr val="002060"/>
+                </a:solidFill>
+              </a:rPr>
+              <a:t>void</a:t>
+            </a:r>
+            <a:r>
+              <a:rPr lang="fr-FR" dirty="0">
+                <a:solidFill>
+                  <a:srgbClr val="002060"/>
+                </a:solidFill>
+              </a:rPr>
+              <a:t> </a:t>
+            </a:r>
+            <a:r>
+              <a:rPr lang="fr-FR" dirty="0" err="1"/>
+              <a:t>SdlInit</a:t>
+            </a:r>
+            <a:r>
+              <a:rPr lang="fr-FR" dirty="0">
+                <a:solidFill>
+                  <a:srgbClr val="FF0000"/>
+                </a:solidFill>
+              </a:rPr>
+              <a:t>(</a:t>
+            </a:r>
+            <a:r>
+              <a:rPr lang="fr-FR" b="1" dirty="0" err="1"/>
+              <a:t>JeuSDL</a:t>
+            </a:r>
+            <a:r>
+              <a:rPr lang="fr-FR" dirty="0"/>
+              <a:t> </a:t>
+            </a:r>
+            <a:r>
+              <a:rPr lang="fr-FR" dirty="0">
+                <a:solidFill>
+                  <a:srgbClr val="FF0000"/>
+                </a:solidFill>
+              </a:rPr>
+              <a:t>*</a:t>
+            </a:r>
+            <a:r>
+              <a:rPr lang="fr-FR" dirty="0"/>
+              <a:t> </a:t>
+            </a:r>
+            <a:r>
+              <a:rPr lang="fr-FR" dirty="0" err="1"/>
+              <a:t>jeuSDL</a:t>
+            </a:r>
+            <a:r>
+              <a:rPr lang="fr-FR" dirty="0">
+                <a:solidFill>
+                  <a:srgbClr val="FF0000"/>
+                </a:solidFill>
+              </a:rPr>
+              <a:t>)</a:t>
+            </a:r>
+            <a:r>
+              <a:rPr lang="fr-FR" dirty="0"/>
+              <a:t> </a:t>
+            </a:r>
+            <a:r>
+              <a:rPr lang="fr-FR" dirty="0" smtClean="0"/>
+              <a:t>;</a:t>
+            </a:r>
+          </a:p>
+          <a:p>
+            <a:r>
+              <a:rPr lang="fr-FR" b="1" dirty="0" err="1">
+                <a:solidFill>
+                  <a:srgbClr val="002060"/>
+                </a:solidFill>
+              </a:rPr>
+              <a:t>void</a:t>
+            </a:r>
+            <a:r>
+              <a:rPr lang="fr-FR" dirty="0">
+                <a:solidFill>
+                  <a:srgbClr val="002060"/>
+                </a:solidFill>
+              </a:rPr>
+              <a:t> </a:t>
+            </a:r>
+            <a:r>
+              <a:rPr lang="fr-FR" dirty="0" err="1"/>
+              <a:t>SdlBoucle</a:t>
+            </a:r>
+            <a:r>
+              <a:rPr lang="fr-FR" dirty="0">
+                <a:solidFill>
+                  <a:srgbClr val="FF0000"/>
+                </a:solidFill>
+              </a:rPr>
+              <a:t>(</a:t>
+            </a:r>
+            <a:r>
+              <a:rPr lang="fr-FR" b="1" dirty="0" err="1"/>
+              <a:t>JeuSDL</a:t>
+            </a:r>
+            <a:r>
+              <a:rPr lang="fr-FR" dirty="0"/>
+              <a:t> </a:t>
+            </a:r>
+            <a:r>
+              <a:rPr lang="fr-FR" dirty="0">
+                <a:solidFill>
+                  <a:srgbClr val="FF0000"/>
+                </a:solidFill>
+              </a:rPr>
+              <a:t>* </a:t>
+            </a:r>
+            <a:r>
+              <a:rPr lang="fr-FR" dirty="0" err="1"/>
+              <a:t>jeuSDL</a:t>
+            </a:r>
+            <a:r>
+              <a:rPr lang="fr-FR" dirty="0">
+                <a:solidFill>
+                  <a:srgbClr val="FF0000"/>
+                </a:solidFill>
+              </a:rPr>
+              <a:t>)</a:t>
+            </a:r>
+            <a:r>
+              <a:rPr lang="fr-FR" dirty="0"/>
+              <a:t> ;</a:t>
+            </a:r>
+          </a:p>
+        </p:txBody>
+      </p:sp>
+    </p:spTree>
+    <p:extLst>
+      <p:ext uri="{BB962C8B-B14F-4D97-AF65-F5344CB8AC3E}">
+        <p14:creationId xmlns:p14="http://schemas.microsoft.com/office/powerpoint/2010/main" val="2239365146"/>
+      </p:ext>
+    </p:extLst>
+  </p:cSld>
+  <p:clrMapOvr>
+    <a:masterClrMapping/>
+  </p:clrMapOvr>
+  <p:timing>
+    <p:tnLst>
+      <p:par>
+        <p:cTn id="1" dur="indefinite" restart="never" nodeType="tmRoot"/>
+      </p:par>
+    </p:tnLst>
+  </p:timing>
+</p:sld>
+</file>
+
+<file path=ppt/slides/slide15.xml><?xml version="1.0" encoding="utf-8"?>
+<p:sld xmlns:a="http://schemas.openxmlformats.org/drawingml/2006/main" xmlns:r="http://schemas.openxmlformats.org/officeDocument/2006/relationships" xmlns:p="http://schemas.openxmlformats.org/presentationml/2006/main">
+  <p:cSld>
+    <p:spTree>
+      <p:nvGrpSpPr>
+        <p:cNvPr id="1" name=""/>
+        <p:cNvGrpSpPr/>
+        <p:nvPr/>
+      </p:nvGrpSpPr>
+      <p:grpSpPr>
+        <a:xfrm>
+          <a:off x="0" y="0"/>
+          <a:ext cx="0" cy="0"/>
+          <a:chOff x="0" y="0"/>
+          <a:chExt cx="0" cy="0"/>
+        </a:xfrm>
+      </p:grpSpPr>
+      <p:sp>
+        <p:nvSpPr>
+          <p:cNvPr id="2" name="Titre 1"/>
+          <p:cNvSpPr>
+            <a:spLocks noGrp="1"/>
+          </p:cNvSpPr>
+          <p:nvPr>
+            <p:ph type="title"/>
+          </p:nvPr>
+        </p:nvSpPr>
+        <p:spPr/>
+        <p:txBody>
+          <a:bodyPr/>
+          <a:lstStyle/>
+          <a:p>
+            <a:r>
+              <a:rPr lang="fr-FR" dirty="0" smtClean="0"/>
+              <a:t>Conclusion</a:t>
+            </a:r>
+            <a:endParaRPr lang="fr-FR" dirty="0"/>
+          </a:p>
+        </p:txBody>
+      </p:sp>
+      <p:sp>
+        <p:nvSpPr>
+          <p:cNvPr id="3" name="Espace réservé du contenu 2"/>
+          <p:cNvSpPr>
+            <a:spLocks noGrp="1"/>
+          </p:cNvSpPr>
+          <p:nvPr>
+            <p:ph idx="1"/>
+          </p:nvPr>
+        </p:nvSpPr>
+        <p:spPr/>
+        <p:txBody>
+          <a:bodyPr/>
+          <a:lstStyle/>
+          <a:p>
+            <a:pPr>
+              <a:buFont typeface="Arial" panose="020B0604020202020204" pitchFamily="34" charset="0"/>
+              <a:buChar char="•"/>
+            </a:pPr>
+            <a:r>
+              <a:rPr lang="fr-FR" dirty="0"/>
+              <a:t> </a:t>
+            </a:r>
+            <a:r>
+              <a:rPr lang="fr-FR" dirty="0" smtClean="0"/>
+              <a:t>Respect du cahier des charges initial</a:t>
+            </a:r>
+          </a:p>
+          <a:p>
+            <a:pPr>
+              <a:buFont typeface="Arial" panose="020B0604020202020204" pitchFamily="34" charset="0"/>
+              <a:buChar char="•"/>
+            </a:pPr>
+            <a:endParaRPr lang="fr-FR" dirty="0"/>
+          </a:p>
+          <a:p>
+            <a:pPr>
+              <a:buFont typeface="Arial" panose="020B0604020202020204" pitchFamily="34" charset="0"/>
+              <a:buChar char="•"/>
+            </a:pPr>
+            <a:r>
+              <a:rPr lang="fr-FR" dirty="0"/>
+              <a:t> </a:t>
+            </a:r>
+            <a:r>
+              <a:rPr lang="fr-FR" dirty="0" smtClean="0"/>
+              <a:t>Respect des contraintes</a:t>
+            </a:r>
+          </a:p>
+          <a:p>
+            <a:pPr>
+              <a:buFont typeface="Arial" panose="020B0604020202020204" pitchFamily="34" charset="0"/>
+              <a:buChar char="•"/>
+            </a:pPr>
+            <a:endParaRPr lang="fr-FR" dirty="0"/>
+          </a:p>
+          <a:p>
+            <a:pPr>
+              <a:buFont typeface="Arial" panose="020B0604020202020204" pitchFamily="34" charset="0"/>
+              <a:buChar char="•"/>
+            </a:pPr>
+            <a:r>
+              <a:rPr lang="fr-FR" dirty="0" smtClean="0"/>
+              <a:t> Programme fonctionnel (modules, </a:t>
+            </a:r>
+            <a:r>
+              <a:rPr lang="fr-FR" dirty="0" err="1" smtClean="0"/>
+              <a:t>ncurses</a:t>
+            </a:r>
+            <a:r>
+              <a:rPr lang="fr-FR" dirty="0" smtClean="0"/>
+              <a:t>, SDL)</a:t>
+            </a:r>
+          </a:p>
+          <a:p>
+            <a:pPr>
+              <a:buFont typeface="Arial" panose="020B0604020202020204" pitchFamily="34" charset="0"/>
+              <a:buChar char="•"/>
+            </a:pPr>
+            <a:endParaRPr lang="fr-FR" dirty="0"/>
+          </a:p>
+          <a:p>
+            <a:pPr>
+              <a:buFont typeface="Arial" panose="020B0604020202020204" pitchFamily="34" charset="0"/>
+              <a:buChar char="•"/>
+            </a:pPr>
+            <a:r>
+              <a:rPr lang="fr-FR" dirty="0" smtClean="0"/>
+              <a:t> Fonctionnalité supplémentaire : IA</a:t>
+            </a:r>
+            <a:endParaRPr lang="fr-FR" dirty="0"/>
+          </a:p>
+        </p:txBody>
+      </p:sp>
+      <p:sp>
+        <p:nvSpPr>
+          <p:cNvPr id="4" name="Espace réservé de la date 3"/>
+          <p:cNvSpPr>
+            <a:spLocks noGrp="1"/>
+          </p:cNvSpPr>
+          <p:nvPr>
+            <p:ph type="dt" sz="half" idx="10"/>
+          </p:nvPr>
+        </p:nvSpPr>
+        <p:spPr/>
+        <p:txBody>
+          <a:bodyPr/>
+          <a:lstStyle/>
+          <a:p>
+            <a:fld id="{4C65F994-49BC-4889-8CFA-7C9632A8F570}" type="datetime1">
+              <a:rPr lang="fr-FR" smtClean="0"/>
+              <a:t>25/05/2015</a:t>
+            </a:fld>
+            <a:endParaRPr lang="fr-FR"/>
+          </a:p>
+        </p:txBody>
+      </p:sp>
+      <p:sp>
+        <p:nvSpPr>
           <p:cNvPr id="5" name="Espace réservé du pied de page 4"/>
           <p:cNvSpPr>
             <a:spLocks noGrp="1"/>
@@ -5165,7 +7955,7 @@
           <a:p>
             <a:fld id="{A6B83279-34E8-41C9-B5C2-22AD678E4709}" type="slidenum">
               <a:rPr lang="fr-FR" smtClean="0"/>
-              <a:t>14</a:t>
+              <a:t>15</a:t>
             </a:fld>
             <a:endParaRPr lang="fr-FR"/>
           </a:p>
@@ -5448,7 +8238,7 @@
           <a:p>
             <a:fld id="{4C65F994-49BC-4889-8CFA-7C9632A8F570}" type="datetime1">
               <a:rPr lang="fr-FR" smtClean="0"/>
-              <a:t>20/05/2015</a:t>
+              <a:t>25/05/2015</a:t>
             </a:fld>
             <a:endParaRPr lang="fr-FR"/>
           </a:p>
@@ -5572,13 +8362,6 @@
               <a:buFont typeface="Arial" panose="020B0604020202020204" pitchFamily="34" charset="0"/>
               <a:buChar char="•"/>
             </a:pPr>
-            <a:endParaRPr lang="fr-FR" dirty="0" smtClean="0"/>
-          </a:p>
-          <a:p>
-            <a:pPr>
-              <a:buFont typeface="Arial" panose="020B0604020202020204" pitchFamily="34" charset="0"/>
-              <a:buChar char="•"/>
-            </a:pPr>
             <a:r>
               <a:rPr lang="fr-FR" dirty="0" smtClean="0"/>
               <a:t> Choix du nom des joueurs, des différents types de pièces</a:t>
@@ -5640,6 +8423,23 @@
               <a:t>Affichage des logs</a:t>
             </a:r>
           </a:p>
+          <a:p>
+            <a:pPr>
+              <a:buFont typeface="Arial" panose="020B0604020202020204" pitchFamily="34" charset="0"/>
+              <a:buChar char="•"/>
+            </a:pPr>
+            <a:endParaRPr lang="fr-FR" dirty="0"/>
+          </a:p>
+          <a:p>
+            <a:pPr>
+              <a:buFont typeface="Arial" panose="020B0604020202020204" pitchFamily="34" charset="0"/>
+              <a:buChar char="•"/>
+            </a:pPr>
+            <a:r>
+              <a:rPr lang="fr-FR" dirty="0" smtClean="0"/>
+              <a:t> possibilité de jouer contre l’IA</a:t>
+            </a:r>
+          </a:p>
         </p:txBody>
       </p:sp>
       <p:sp>
@@ -5659,7 +8459,7 @@
           <a:p>
             <a:fld id="{4C65F994-49BC-4889-8CFA-7C9632A8F570}" type="datetime1">
               <a:rPr lang="fr-FR" smtClean="0"/>
-              <a:t>20/05/2015</a:t>
+              <a:t>25/05/2015</a:t>
             </a:fld>
             <a:endParaRPr lang="fr-FR"/>
           </a:p>
@@ -5758,7 +8558,7 @@
           <a:p>
             <a:fld id="{4C65F994-49BC-4889-8CFA-7C9632A8F570}" type="datetime1">
               <a:rPr lang="fr-FR" smtClean="0"/>
-              <a:t>20/05/2015</a:t>
+              <a:t>25/05/2015</a:t>
             </a:fld>
             <a:endParaRPr lang="fr-FR"/>
           </a:p>
@@ -5909,7 +8709,7 @@
         </p:nvSpPr>
         <p:spPr>
           <a:xfrm>
-            <a:off x="1889638" y="3758825"/>
+            <a:off x="1889638" y="4118665"/>
             <a:ext cx="2257167" cy="494270"/>
           </a:xfrm>
           <a:prstGeom prst="rect">
@@ -5968,7 +8768,7 @@
         </p:nvSpPr>
         <p:spPr>
           <a:xfrm>
-            <a:off x="8048368" y="3758825"/>
+            <a:off x="8048368" y="4118665"/>
             <a:ext cx="2257167" cy="494270"/>
           </a:xfrm>
           <a:prstGeom prst="rect">
@@ -6027,7 +8827,7 @@
         </p:nvSpPr>
         <p:spPr>
           <a:xfrm>
-            <a:off x="8048368" y="4620116"/>
+            <a:off x="8048368" y="4979956"/>
             <a:ext cx="2257167" cy="494270"/>
           </a:xfrm>
           <a:prstGeom prst="rect">
@@ -6086,7 +8886,7 @@
         </p:nvSpPr>
         <p:spPr>
           <a:xfrm>
-            <a:off x="8048368" y="2895480"/>
+            <a:off x="8048368" y="3255320"/>
             <a:ext cx="2257167" cy="494270"/>
           </a:xfrm>
           <a:prstGeom prst="rect">
@@ -6145,7 +8945,7 @@
         </p:nvSpPr>
         <p:spPr>
           <a:xfrm>
-            <a:off x="4969003" y="2032135"/>
+            <a:off x="4969003" y="2900606"/>
             <a:ext cx="2257167" cy="494270"/>
           </a:xfrm>
           <a:prstGeom prst="rect">
@@ -6323,8 +9123,8 @@
         </p:nvCxnSpPr>
         <p:spPr>
           <a:xfrm rot="10800000">
-            <a:off x="3018223" y="4253096"/>
-            <a:ext cx="1950781" cy="1475447"/>
+            <a:off x="3018223" y="4612936"/>
+            <a:ext cx="1950781" cy="1115607"/>
           </a:xfrm>
           <a:prstGeom prst="bentConnector2">
             <a:avLst/>
@@ -6359,8 +9159,8 @@
         </p:nvCxnSpPr>
         <p:spPr>
           <a:xfrm flipV="1">
-            <a:off x="7226170" y="5114386"/>
-            <a:ext cx="1950782" cy="614156"/>
+            <a:off x="7226170" y="5474226"/>
+            <a:ext cx="1950782" cy="254316"/>
           </a:xfrm>
           <a:prstGeom prst="bentConnector2">
             <a:avLst/>
@@ -6395,7 +9195,7 @@
         </p:nvCxnSpPr>
         <p:spPr>
           <a:xfrm rot="5400000" flipH="1" flipV="1">
-            <a:off x="8993442" y="4436606"/>
+            <a:off x="8993442" y="4796446"/>
             <a:ext cx="367021" cy="12700"/>
           </a:xfrm>
           <a:prstGeom prst="bentConnector3">
@@ -6433,7 +9233,7 @@
         </p:nvCxnSpPr>
         <p:spPr>
           <a:xfrm rot="5400000" flipH="1" flipV="1">
-            <a:off x="8992415" y="3574288"/>
+            <a:off x="8992415" y="3934128"/>
             <a:ext cx="369075" cy="12700"/>
           </a:xfrm>
           <a:prstGeom prst="bentConnector3">
@@ -6471,8 +9271,8 @@
         </p:nvCxnSpPr>
         <p:spPr>
           <a:xfrm rot="16200000" flipV="1">
-            <a:off x="7893456" y="1611984"/>
-            <a:ext cx="616210" cy="1950782"/>
+            <a:off x="8147772" y="2226140"/>
+            <a:ext cx="107579" cy="1950782"/>
           </a:xfrm>
           <a:prstGeom prst="bentConnector2">
             <a:avLst/>
@@ -6507,8 +9307,8 @@
         </p:nvCxnSpPr>
         <p:spPr>
           <a:xfrm rot="5400000" flipH="1" flipV="1">
-            <a:off x="3253835" y="2043658"/>
-            <a:ext cx="1479555" cy="1950781"/>
+            <a:off x="3508150" y="2657813"/>
+            <a:ext cx="970924" cy="1950781"/>
           </a:xfrm>
           <a:prstGeom prst="bentConnector2">
             <a:avLst/>
@@ -6532,23 +9332,83 @@
           </a:fontRef>
         </p:style>
       </p:cxnSp>
+      <p:sp>
+        <p:nvSpPr>
+          <p:cNvPr id="28" name="Rectangle 27"/>
+          <p:cNvSpPr>
+            <a:spLocks noChangeAspect="1"/>
+          </p:cNvSpPr>
+          <p:nvPr/>
+        </p:nvSpPr>
+        <p:spPr>
+          <a:xfrm>
+            <a:off x="4969003" y="1912251"/>
+            <a:ext cx="2257167" cy="494270"/>
+          </a:xfrm>
+          <a:prstGeom prst="rect">
+            <a:avLst/>
+          </a:prstGeom>
+          <a:solidFill>
+            <a:schemeClr val="accent5">
+              <a:alpha val="50000"/>
+            </a:schemeClr>
+          </a:solidFill>
+        </p:spPr>
+        <p:style>
+          <a:lnRef idx="2">
+            <a:schemeClr val="accent1">
+              <a:shade val="50000"/>
+            </a:schemeClr>
+          </a:lnRef>
+          <a:fillRef idx="1">
+            <a:schemeClr val="accent1"/>
+          </a:fillRef>
+          <a:effectRef idx="0">
+            <a:schemeClr val="accent1"/>
+          </a:effectRef>
+          <a:fontRef idx="minor">
+            <a:schemeClr val="lt1"/>
+          </a:fontRef>
+        </p:style>
+        <p:txBody>
+          <a:bodyPr rtlCol="0" anchor="ctr"/>
+          <a:lstStyle/>
+          <a:p>
+            <a:pPr algn="ctr"/>
+            <a:r>
+              <a:rPr lang="fr-FR" dirty="0" smtClean="0">
+                <a:solidFill>
+                  <a:schemeClr val="tx1"/>
+                </a:solidFill>
+              </a:rPr>
+              <a:t>IA</a:t>
+            </a:r>
+            <a:endParaRPr lang="fr-FR" dirty="0">
+              <a:solidFill>
+                <a:schemeClr val="tx1"/>
+              </a:solidFill>
+            </a:endParaRPr>
+          </a:p>
+        </p:txBody>
+      </p:sp>
       <p:cxnSp>
         <p:nvCxnSpPr>
-          <p:cNvPr id="35" name="Connecteur en angle 34"/>
+          <p:cNvPr id="21" name="Connecteur droit avec flèche 20"/>
           <p:cNvCxnSpPr>
-            <a:endCxn id="18" idx="3"/>
+            <a:stCxn id="17" idx="0"/>
+            <a:endCxn id="28" idx="2"/>
           </p:cNvCxnSpPr>
           <p:nvPr/>
         </p:nvCxnSpPr>
         <p:spPr>
-          <a:xfrm rot="16200000" flipV="1">
-            <a:off x="4926735" y="1343161"/>
-            <a:ext cx="731243" cy="646706"/>
+          <a:xfrm flipV="1">
+            <a:off x="6097587" y="2406521"/>
+            <a:ext cx="0" cy="494085"/>
           </a:xfrm>
-          <a:prstGeom prst="bentConnector2">
+          <a:prstGeom prst="straightConnector1">
             <a:avLst/>
           </a:prstGeom>
-          <a:ln w="25400">
+          <a:ln>
             <a:tailEnd type="triangle"/>
           </a:ln>
         </p:spPr>
@@ -6569,18 +9429,131 @@
       </p:cxnSp>
       <p:cxnSp>
         <p:nvCxnSpPr>
-          <p:cNvPr id="37" name="Connecteur en angle 36"/>
-          <p:cNvCxnSpPr/>
+          <p:cNvPr id="26" name="Connecteur en angle 25"/>
+          <p:cNvCxnSpPr>
+            <a:stCxn id="28" idx="3"/>
+          </p:cNvCxnSpPr>
+          <p:nvPr/>
+        </p:nvCxnSpPr>
+        <p:spPr>
+          <a:xfrm flipV="1">
+            <a:off x="7226170" y="1543176"/>
+            <a:ext cx="822198" cy="616210"/>
+          </a:xfrm>
+          <a:prstGeom prst="bentConnector3">
+            <a:avLst>
+              <a:gd name="adj1" fmla="val 100096"/>
+            </a:avLst>
+          </a:prstGeom>
+          <a:ln w="25400">
+            <a:tailEnd type="triangle"/>
+          </a:ln>
+        </p:spPr>
+        <p:style>
+          <a:lnRef idx="1">
+            <a:schemeClr val="accent1"/>
+          </a:lnRef>
+          <a:fillRef idx="0">
+            <a:schemeClr val="accent1"/>
+          </a:fillRef>
+          <a:effectRef idx="0">
+            <a:schemeClr val="accent1"/>
+          </a:effectRef>
+          <a:fontRef idx="minor">
+            <a:schemeClr val="tx1"/>
+          </a:fontRef>
+        </p:style>
+      </p:cxnSp>
+      <p:cxnSp>
+        <p:nvCxnSpPr>
+          <p:cNvPr id="36" name="Connecteur en angle 35"/>
+          <p:cNvCxnSpPr>
+            <a:endCxn id="19" idx="2"/>
+          </p:cNvCxnSpPr>
           <p:nvPr/>
         </p:nvCxnSpPr>
         <p:spPr>
           <a:xfrm rot="5400000" flipH="1" flipV="1">
-            <a:off x="6538360" y="1344325"/>
-            <a:ext cx="728914" cy="646705"/>
+            <a:off x="7055302" y="1721225"/>
+            <a:ext cx="1470321" cy="1128584"/>
           </a:xfrm>
           <a:prstGeom prst="bentConnector3">
             <a:avLst>
-              <a:gd name="adj1" fmla="val 100686"/>
+              <a:gd name="adj1" fmla="val -985"/>
+            </a:avLst>
+          </a:prstGeom>
+          <a:ln w="25400">
+            <a:tailEnd type="triangle"/>
+          </a:ln>
+        </p:spPr>
+        <p:style>
+          <a:lnRef idx="1">
+            <a:schemeClr val="accent1"/>
+          </a:lnRef>
+          <a:fillRef idx="0">
+            <a:schemeClr val="accent1"/>
+          </a:fillRef>
+          <a:effectRef idx="0">
+            <a:schemeClr val="accent1"/>
+          </a:effectRef>
+          <a:fontRef idx="minor">
+            <a:schemeClr val="tx1"/>
+          </a:fontRef>
+        </p:style>
+      </p:cxnSp>
+      <p:cxnSp>
+        <p:nvCxnSpPr>
+          <p:cNvPr id="43" name="Connecteur en angle 42"/>
+          <p:cNvCxnSpPr>
+            <a:stCxn id="28" idx="1"/>
+          </p:cNvCxnSpPr>
+          <p:nvPr/>
+        </p:nvCxnSpPr>
+        <p:spPr>
+          <a:xfrm rot="10800000">
+            <a:off x="4242487" y="1550356"/>
+            <a:ext cx="726517" cy="609030"/>
+          </a:xfrm>
+          <a:prstGeom prst="bentConnector3">
+            <a:avLst>
+              <a:gd name="adj1" fmla="val 99891"/>
+            </a:avLst>
+          </a:prstGeom>
+          <a:ln w="25400">
+            <a:tailEnd type="triangle"/>
+          </a:ln>
+        </p:spPr>
+        <p:style>
+          <a:lnRef idx="1">
+            <a:schemeClr val="accent1"/>
+          </a:lnRef>
+          <a:fillRef idx="0">
+            <a:schemeClr val="accent1"/>
+          </a:fillRef>
+          <a:effectRef idx="0">
+            <a:schemeClr val="accent1"/>
+          </a:effectRef>
+          <a:fontRef idx="minor">
+            <a:schemeClr val="tx1"/>
+          </a:fontRef>
+        </p:style>
+      </p:cxnSp>
+      <p:cxnSp>
+        <p:nvCxnSpPr>
+          <p:cNvPr id="46" name="Connecteur en angle 45"/>
+          <p:cNvCxnSpPr>
+            <a:endCxn id="18" idx="2"/>
+          </p:cNvCxnSpPr>
+          <p:nvPr/>
+        </p:nvCxnSpPr>
+        <p:spPr>
+          <a:xfrm rot="16200000" flipV="1">
+            <a:off x="3668387" y="1720061"/>
+            <a:ext cx="1472651" cy="1128583"/>
+          </a:xfrm>
+          <a:prstGeom prst="bentConnector3">
+            <a:avLst>
+              <a:gd name="adj1" fmla="val 774"/>
             </a:avLst>
           </a:prstGeom>
           <a:ln w="25400">
@@ -6649,7 +9622,7 @@
           <a:p>
             <a:fld id="{4C65F994-49BC-4889-8CFA-7C9632A8F570}" type="datetime1">
               <a:rPr lang="fr-FR" smtClean="0"/>
-              <a:t>20/05/2015</a:t>
+              <a:t>25/05/2015</a:t>
             </a:fld>
             <a:endParaRPr lang="fr-FR"/>
           </a:p>
@@ -6733,7 +9706,7 @@
       </p:sp>
       <p:sp>
         <p:nvSpPr>
-          <p:cNvPr id="9" name="Rectangle 8"/>
+          <p:cNvPr id="22" name="Rectangle 21"/>
           <p:cNvSpPr>
             <a:spLocks noChangeAspect="1"/>
           </p:cNvSpPr>
@@ -6752,6 +9725,11 @@
               <a:alpha val="50000"/>
             </a:schemeClr>
           </a:solidFill>
+          <a:ln w="25400">
+            <a:solidFill>
+              <a:srgbClr val="00B050"/>
+            </a:solidFill>
+          </a:ln>
         </p:spPr>
         <p:style>
           <a:lnRef idx="2">
@@ -6792,7 +9770,7 @@
       </p:sp>
       <p:sp>
         <p:nvSpPr>
-          <p:cNvPr id="12" name="Rectangle 11"/>
+          <p:cNvPr id="24" name="Rectangle 23"/>
           <p:cNvSpPr>
             <a:spLocks noChangeAspect="1"/>
           </p:cNvSpPr>
@@ -6800,7 +9778,7 @@
         </p:nvSpPr>
         <p:spPr>
           <a:xfrm>
-            <a:off x="1889638" y="3758825"/>
+            <a:off x="1889638" y="4118665"/>
             <a:ext cx="2257167" cy="494270"/>
           </a:xfrm>
           <a:prstGeom prst="rect">
@@ -6811,6 +9789,11 @@
               <a:alpha val="50000"/>
             </a:schemeClr>
           </a:solidFill>
+          <a:ln w="25400">
+            <a:solidFill>
+              <a:srgbClr val="0070C0"/>
+            </a:solidFill>
+          </a:ln>
         </p:spPr>
         <p:style>
           <a:lnRef idx="2">
@@ -6851,7 +9834,7 @@
       </p:sp>
       <p:sp>
         <p:nvSpPr>
-          <p:cNvPr id="13" name="Rectangle 12"/>
+          <p:cNvPr id="26" name="Rectangle 25"/>
           <p:cNvSpPr>
             <a:spLocks noChangeAspect="1"/>
           </p:cNvSpPr>
@@ -6859,7 +9842,7 @@
         </p:nvSpPr>
         <p:spPr>
           <a:xfrm>
-            <a:off x="8048368" y="3758825"/>
+            <a:off x="8048368" y="4118665"/>
             <a:ext cx="2257167" cy="494270"/>
           </a:xfrm>
           <a:prstGeom prst="rect">
@@ -6870,6 +9853,11 @@
               <a:alpha val="50000"/>
             </a:schemeClr>
           </a:solidFill>
+          <a:ln w="25400">
+            <a:solidFill>
+              <a:srgbClr val="00B050"/>
+            </a:solidFill>
+          </a:ln>
         </p:spPr>
         <p:style>
           <a:lnRef idx="2">
@@ -6910,7 +9898,7 @@
       </p:sp>
       <p:sp>
         <p:nvSpPr>
-          <p:cNvPr id="14" name="Rectangle 13"/>
+          <p:cNvPr id="28" name="Rectangle 27"/>
           <p:cNvSpPr>
             <a:spLocks noChangeAspect="1"/>
           </p:cNvSpPr>
@@ -6918,7 +9906,7 @@
         </p:nvSpPr>
         <p:spPr>
           <a:xfrm>
-            <a:off x="8048368" y="4620116"/>
+            <a:off x="8048368" y="4979956"/>
             <a:ext cx="2257167" cy="494270"/>
           </a:xfrm>
           <a:prstGeom prst="rect">
@@ -6929,6 +9917,11 @@
               <a:alpha val="50000"/>
             </a:schemeClr>
           </a:solidFill>
+          <a:ln w="25400">
+            <a:solidFill>
+              <a:srgbClr val="00B050"/>
+            </a:solidFill>
+          </a:ln>
         </p:spPr>
         <p:style>
           <a:lnRef idx="2">
@@ -6969,7 +9962,7 @@
       </p:sp>
       <p:sp>
         <p:nvSpPr>
-          <p:cNvPr id="15" name="Rectangle 14"/>
+          <p:cNvPr id="30" name="Rectangle 29"/>
           <p:cNvSpPr>
             <a:spLocks noChangeAspect="1"/>
           </p:cNvSpPr>
@@ -6977,7 +9970,7 @@
         </p:nvSpPr>
         <p:spPr>
           <a:xfrm>
-            <a:off x="8048368" y="2895480"/>
+            <a:off x="8048368" y="3255320"/>
             <a:ext cx="2257167" cy="494270"/>
           </a:xfrm>
           <a:prstGeom prst="rect">
@@ -6988,6 +9981,11 @@
               <a:alpha val="50000"/>
             </a:schemeClr>
           </a:solidFill>
+          <a:ln w="25400">
+            <a:solidFill>
+              <a:srgbClr val="00B050"/>
+            </a:solidFill>
+          </a:ln>
         </p:spPr>
         <p:style>
           <a:lnRef idx="2">
@@ -7028,7 +10026,7 @@
       </p:sp>
       <p:sp>
         <p:nvSpPr>
-          <p:cNvPr id="17" name="Rectangle 16"/>
+          <p:cNvPr id="32" name="Rectangle 31"/>
           <p:cNvSpPr>
             <a:spLocks noChangeAspect="1"/>
           </p:cNvSpPr>
@@ -7036,7 +10034,7 @@
         </p:nvSpPr>
         <p:spPr>
           <a:xfrm>
-            <a:off x="4969003" y="2032135"/>
+            <a:off x="4969003" y="2900606"/>
             <a:ext cx="2257167" cy="494270"/>
           </a:xfrm>
           <a:prstGeom prst="rect">
@@ -7047,6 +10045,11 @@
               <a:alpha val="50000"/>
             </a:schemeClr>
           </a:solidFill>
+          <a:ln w="25400">
+            <a:solidFill>
+              <a:srgbClr val="FF0000"/>
+            </a:solidFill>
+          </a:ln>
         </p:spPr>
         <p:style>
           <a:lnRef idx="2">
@@ -7087,7 +10090,7 @@
       </p:sp>
       <p:sp>
         <p:nvSpPr>
-          <p:cNvPr id="18" name="Rectangle 17"/>
+          <p:cNvPr id="34" name="Rectangle 33"/>
           <p:cNvSpPr>
             <a:spLocks noChangeAspect="1"/>
           </p:cNvSpPr>
@@ -7106,6 +10109,11 @@
               <a:alpha val="50000"/>
             </a:schemeClr>
           </a:solidFill>
+          <a:ln w="25400">
+            <a:solidFill>
+              <a:srgbClr val="FF0000"/>
+            </a:solidFill>
+          </a:ln>
         </p:spPr>
         <p:style>
           <a:lnRef idx="2">
@@ -7146,7 +10154,7 @@
       </p:sp>
       <p:sp>
         <p:nvSpPr>
-          <p:cNvPr id="19" name="Rectangle 18"/>
+          <p:cNvPr id="36" name="Rectangle 35"/>
           <p:cNvSpPr>
             <a:spLocks noChangeAspect="1"/>
           </p:cNvSpPr>
@@ -7165,6 +10173,11 @@
               <a:alpha val="50000"/>
             </a:schemeClr>
           </a:solidFill>
+          <a:ln w="25400">
+            <a:solidFill>
+              <a:srgbClr val="0070C0"/>
+            </a:solidFill>
+          </a:ln>
         </p:spPr>
         <p:style>
           <a:lnRef idx="2">
@@ -7205,17 +10218,17 @@
       </p:sp>
       <p:cxnSp>
         <p:nvCxnSpPr>
-          <p:cNvPr id="23" name="Connecteur en angle 22"/>
+          <p:cNvPr id="38" name="Connecteur en angle 37"/>
           <p:cNvCxnSpPr>
-            <a:stCxn id="9" idx="1"/>
-            <a:endCxn id="12" idx="2"/>
+            <a:stCxn id="22" idx="1"/>
+            <a:endCxn id="24" idx="2"/>
           </p:cNvCxnSpPr>
           <p:nvPr/>
         </p:nvCxnSpPr>
         <p:spPr>
           <a:xfrm rot="10800000">
-            <a:off x="3018223" y="4253096"/>
-            <a:ext cx="1950781" cy="1475447"/>
+            <a:off x="3018223" y="4612936"/>
+            <a:ext cx="1950781" cy="1115607"/>
           </a:xfrm>
           <a:prstGeom prst="bentConnector2">
             <a:avLst/>
@@ -7241,17 +10254,17 @@
       </p:cxnSp>
       <p:cxnSp>
         <p:nvCxnSpPr>
-          <p:cNvPr id="25" name="Connecteur en angle 24"/>
+          <p:cNvPr id="39" name="Connecteur en angle 38"/>
           <p:cNvCxnSpPr>
-            <a:stCxn id="9" idx="3"/>
-            <a:endCxn id="14" idx="2"/>
+            <a:stCxn id="22" idx="3"/>
+            <a:endCxn id="28" idx="2"/>
           </p:cNvCxnSpPr>
           <p:nvPr/>
         </p:nvCxnSpPr>
         <p:spPr>
           <a:xfrm flipV="1">
-            <a:off x="7226170" y="5114386"/>
-            <a:ext cx="1950782" cy="614156"/>
+            <a:off x="7226170" y="5474226"/>
+            <a:ext cx="1950782" cy="254316"/>
           </a:xfrm>
           <a:prstGeom prst="bentConnector2">
             <a:avLst/>
@@ -7277,16 +10290,16 @@
       </p:cxnSp>
       <p:cxnSp>
         <p:nvCxnSpPr>
-          <p:cNvPr id="27" name="Connecteur en angle 26"/>
+          <p:cNvPr id="40" name="Connecteur en angle 39"/>
           <p:cNvCxnSpPr>
-            <a:stCxn id="14" idx="0"/>
-            <a:endCxn id="13" idx="2"/>
+            <a:stCxn id="28" idx="0"/>
+            <a:endCxn id="26" idx="2"/>
           </p:cNvCxnSpPr>
           <p:nvPr/>
         </p:nvCxnSpPr>
         <p:spPr>
           <a:xfrm rot="5400000" flipH="1" flipV="1">
-            <a:off x="8993442" y="4436606"/>
+            <a:off x="8993442" y="4796446"/>
             <a:ext cx="367021" cy="12700"/>
           </a:xfrm>
           <a:prstGeom prst="bentConnector3">
@@ -7315,16 +10328,16 @@
       </p:cxnSp>
       <p:cxnSp>
         <p:nvCxnSpPr>
-          <p:cNvPr id="29" name="Connecteur en angle 28"/>
+          <p:cNvPr id="41" name="Connecteur en angle 40"/>
           <p:cNvCxnSpPr>
-            <a:stCxn id="13" idx="0"/>
-            <a:endCxn id="15" idx="2"/>
+            <a:stCxn id="26" idx="0"/>
+            <a:endCxn id="30" idx="2"/>
           </p:cNvCxnSpPr>
           <p:nvPr/>
         </p:nvCxnSpPr>
         <p:spPr>
           <a:xfrm rot="5400000" flipH="1" flipV="1">
-            <a:off x="8992415" y="3574288"/>
+            <a:off x="8992415" y="3934128"/>
             <a:ext cx="369075" cy="12700"/>
           </a:xfrm>
           <a:prstGeom prst="bentConnector3">
@@ -7353,17 +10366,17 @@
       </p:cxnSp>
       <p:cxnSp>
         <p:nvCxnSpPr>
-          <p:cNvPr id="31" name="Connecteur en angle 30"/>
+          <p:cNvPr id="42" name="Connecteur en angle 41"/>
           <p:cNvCxnSpPr>
-            <a:stCxn id="15" idx="0"/>
-            <a:endCxn id="17" idx="3"/>
+            <a:stCxn id="30" idx="0"/>
+            <a:endCxn id="32" idx="3"/>
           </p:cNvCxnSpPr>
           <p:nvPr/>
         </p:nvCxnSpPr>
         <p:spPr>
           <a:xfrm rot="16200000" flipV="1">
-            <a:off x="7893456" y="1611984"/>
-            <a:ext cx="616210" cy="1950782"/>
+            <a:off x="8147772" y="2226140"/>
+            <a:ext cx="107579" cy="1950782"/>
           </a:xfrm>
           <a:prstGeom prst="bentConnector2">
             <a:avLst/>
@@ -7389,17 +10402,17 @@
       </p:cxnSp>
       <p:cxnSp>
         <p:nvCxnSpPr>
-          <p:cNvPr id="33" name="Connecteur en angle 32"/>
+          <p:cNvPr id="43" name="Connecteur en angle 42"/>
           <p:cNvCxnSpPr>
-            <a:stCxn id="12" idx="0"/>
-            <a:endCxn id="17" idx="1"/>
+            <a:stCxn id="24" idx="0"/>
+            <a:endCxn id="32" idx="1"/>
           </p:cNvCxnSpPr>
           <p:nvPr/>
         </p:nvCxnSpPr>
         <p:spPr>
           <a:xfrm rot="5400000" flipH="1" flipV="1">
-            <a:off x="3253835" y="2043658"/>
-            <a:ext cx="1479555" cy="1950781"/>
+            <a:off x="3508150" y="2657813"/>
+            <a:ext cx="970924" cy="1950781"/>
           </a:xfrm>
           <a:prstGeom prst="bentConnector2">
             <a:avLst/>
@@ -7423,23 +10436,88 @@
           </a:fontRef>
         </p:style>
       </p:cxnSp>
+      <p:sp>
+        <p:nvSpPr>
+          <p:cNvPr id="44" name="Rectangle 43"/>
+          <p:cNvSpPr>
+            <a:spLocks noChangeAspect="1"/>
+          </p:cNvSpPr>
+          <p:nvPr/>
+        </p:nvSpPr>
+        <p:spPr>
+          <a:xfrm>
+            <a:off x="4969003" y="1912251"/>
+            <a:ext cx="2257167" cy="494270"/>
+          </a:xfrm>
+          <a:prstGeom prst="rect">
+            <a:avLst/>
+          </a:prstGeom>
+          <a:solidFill>
+            <a:schemeClr val="accent5">
+              <a:alpha val="50000"/>
+            </a:schemeClr>
+          </a:solidFill>
+          <a:ln w="25400">
+            <a:solidFill>
+              <a:srgbClr val="FF0000"/>
+            </a:solidFill>
+          </a:ln>
+        </p:spPr>
+        <p:style>
+          <a:lnRef idx="2">
+            <a:schemeClr val="accent1">
+              <a:shade val="50000"/>
+            </a:schemeClr>
+          </a:lnRef>
+          <a:fillRef idx="1">
+            <a:schemeClr val="accent1"/>
+          </a:fillRef>
+          <a:effectRef idx="0">
+            <a:schemeClr val="accent1"/>
+          </a:effectRef>
+          <a:fontRef idx="minor">
+            <a:schemeClr val="lt1"/>
+          </a:fontRef>
+        </p:style>
+        <p:txBody>
+          <a:bodyPr rtlCol="0" anchor="ctr"/>
+          <a:lstStyle/>
+          <a:p>
+            <a:pPr algn="ctr"/>
+            <a:r>
+              <a:rPr lang="fr-FR" dirty="0" smtClean="0">
+                <a:solidFill>
+                  <a:schemeClr val="tx1"/>
+                </a:solidFill>
+              </a:rPr>
+              <a:t>IA</a:t>
+            </a:r>
+            <a:endParaRPr lang="fr-FR" dirty="0">
+              <a:solidFill>
+                <a:schemeClr val="tx1"/>
+              </a:solidFill>
+            </a:endParaRPr>
+          </a:p>
+        </p:txBody>
+      </p:sp>
       <p:cxnSp>
         <p:nvCxnSpPr>
-          <p:cNvPr id="35" name="Connecteur en angle 34"/>
+          <p:cNvPr id="45" name="Connecteur droit avec flèche 44"/>
           <p:cNvCxnSpPr>
-            <a:endCxn id="18" idx="3"/>
+            <a:stCxn id="32" idx="0"/>
+            <a:endCxn id="44" idx="2"/>
           </p:cNvCxnSpPr>
           <p:nvPr/>
         </p:nvCxnSpPr>
         <p:spPr>
-          <a:xfrm rot="16200000" flipV="1">
-            <a:off x="4926735" y="1343161"/>
-            <a:ext cx="731243" cy="646706"/>
+          <a:xfrm flipV="1">
+            <a:off x="6097587" y="2406521"/>
+            <a:ext cx="0" cy="494085"/>
           </a:xfrm>
-          <a:prstGeom prst="bentConnector2">
+          <a:prstGeom prst="straightConnector1">
             <a:avLst/>
           </a:prstGeom>
-          <a:ln w="25400">
+          <a:ln>
             <a:tailEnd type="triangle"/>
           </a:ln>
         </p:spPr>
@@ -7460,18 +10538,131 @@
       </p:cxnSp>
       <p:cxnSp>
         <p:nvCxnSpPr>
-          <p:cNvPr id="37" name="Connecteur en angle 36"/>
-          <p:cNvCxnSpPr/>
+          <p:cNvPr id="46" name="Connecteur en angle 45"/>
+          <p:cNvCxnSpPr>
+            <a:stCxn id="44" idx="3"/>
+          </p:cNvCxnSpPr>
+          <p:nvPr/>
+        </p:nvCxnSpPr>
+        <p:spPr>
+          <a:xfrm flipV="1">
+            <a:off x="7226170" y="1543176"/>
+            <a:ext cx="822198" cy="616210"/>
+          </a:xfrm>
+          <a:prstGeom prst="bentConnector3">
+            <a:avLst>
+              <a:gd name="adj1" fmla="val 100096"/>
+            </a:avLst>
+          </a:prstGeom>
+          <a:ln w="25400">
+            <a:tailEnd type="triangle"/>
+          </a:ln>
+        </p:spPr>
+        <p:style>
+          <a:lnRef idx="1">
+            <a:schemeClr val="accent1"/>
+          </a:lnRef>
+          <a:fillRef idx="0">
+            <a:schemeClr val="accent1"/>
+          </a:fillRef>
+          <a:effectRef idx="0">
+            <a:schemeClr val="accent1"/>
+          </a:effectRef>
+          <a:fontRef idx="minor">
+            <a:schemeClr val="tx1"/>
+          </a:fontRef>
+        </p:style>
+      </p:cxnSp>
+      <p:cxnSp>
+        <p:nvCxnSpPr>
+          <p:cNvPr id="47" name="Connecteur en angle 46"/>
+          <p:cNvCxnSpPr>
+            <a:endCxn id="36" idx="2"/>
+          </p:cNvCxnSpPr>
           <p:nvPr/>
         </p:nvCxnSpPr>
         <p:spPr>
           <a:xfrm rot="5400000" flipH="1" flipV="1">
-            <a:off x="6538360" y="1344325"/>
-            <a:ext cx="728914" cy="646705"/>
+            <a:off x="7055302" y="1721225"/>
+            <a:ext cx="1470321" cy="1128584"/>
           </a:xfrm>
           <a:prstGeom prst="bentConnector3">
             <a:avLst>
-              <a:gd name="adj1" fmla="val 100686"/>
+              <a:gd name="adj1" fmla="val -985"/>
+            </a:avLst>
+          </a:prstGeom>
+          <a:ln w="25400">
+            <a:tailEnd type="triangle"/>
+          </a:ln>
+        </p:spPr>
+        <p:style>
+          <a:lnRef idx="1">
+            <a:schemeClr val="accent1"/>
+          </a:lnRef>
+          <a:fillRef idx="0">
+            <a:schemeClr val="accent1"/>
+          </a:fillRef>
+          <a:effectRef idx="0">
+            <a:schemeClr val="accent1"/>
+          </a:effectRef>
+          <a:fontRef idx="minor">
+            <a:schemeClr val="tx1"/>
+          </a:fontRef>
+        </p:style>
+      </p:cxnSp>
+      <p:cxnSp>
+        <p:nvCxnSpPr>
+          <p:cNvPr id="48" name="Connecteur en angle 47"/>
+          <p:cNvCxnSpPr>
+            <a:stCxn id="44" idx="1"/>
+          </p:cNvCxnSpPr>
+          <p:nvPr/>
+        </p:nvCxnSpPr>
+        <p:spPr>
+          <a:xfrm rot="10800000">
+            <a:off x="4242487" y="1550356"/>
+            <a:ext cx="726517" cy="609030"/>
+          </a:xfrm>
+          <a:prstGeom prst="bentConnector3">
+            <a:avLst>
+              <a:gd name="adj1" fmla="val 99891"/>
+            </a:avLst>
+          </a:prstGeom>
+          <a:ln w="25400">
+            <a:tailEnd type="triangle"/>
+          </a:ln>
+        </p:spPr>
+        <p:style>
+          <a:lnRef idx="1">
+            <a:schemeClr val="accent1"/>
+          </a:lnRef>
+          <a:fillRef idx="0">
+            <a:schemeClr val="accent1"/>
+          </a:fillRef>
+          <a:effectRef idx="0">
+            <a:schemeClr val="accent1"/>
+          </a:effectRef>
+          <a:fontRef idx="minor">
+            <a:schemeClr val="tx1"/>
+          </a:fontRef>
+        </p:style>
+      </p:cxnSp>
+      <p:cxnSp>
+        <p:nvCxnSpPr>
+          <p:cNvPr id="49" name="Connecteur en angle 48"/>
+          <p:cNvCxnSpPr>
+            <a:endCxn id="34" idx="2"/>
+          </p:cNvCxnSpPr>
+          <p:nvPr/>
+        </p:nvCxnSpPr>
+        <p:spPr>
+          <a:xfrm rot="16200000" flipV="1">
+            <a:off x="3668387" y="1720061"/>
+            <a:ext cx="1472651" cy="1128583"/>
+          </a:xfrm>
+          <a:prstGeom prst="bentConnector3">
+            <a:avLst>
+              <a:gd name="adj1" fmla="val 774"/>
             </a:avLst>
           </a:prstGeom>
           <a:ln w="25400">
@@ -7540,7 +10731,19 @@
           <a:p>
             <a:r>
               <a:rPr lang="fr-FR" dirty="0" smtClean="0"/>
-              <a:t>Module : Couleur</a:t>
+              <a:t>Module </a:t>
+            </a:r>
+            <a:r>
+              <a:rPr lang="fr-FR" dirty="0" smtClean="0">
+                <a:solidFill>
+                  <a:srgbClr val="00B050"/>
+                </a:solidFill>
+              </a:rPr>
+              <a:t>:</a:t>
+            </a:r>
+            <a:r>
+              <a:rPr lang="fr-FR" dirty="0" smtClean="0"/>
+              <a:t> Couleur</a:t>
             </a:r>
             <a:endParaRPr lang="fr-FR" dirty="0"/>
           </a:p>
@@ -7561,7 +10764,118 @@
           <a:bodyPr/>
           <a:lstStyle/>
           <a:p>
-            <a:endParaRPr lang="fr-FR"/>
+            <a:r>
+              <a:rPr lang="fr-FR" b="1" dirty="0" err="1">
+                <a:solidFill>
+                  <a:srgbClr val="002060"/>
+                </a:solidFill>
+              </a:rPr>
+              <a:t>typedef</a:t>
+            </a:r>
+            <a:r>
+              <a:rPr lang="fr-FR" b="1" dirty="0">
+                <a:solidFill>
+                  <a:srgbClr val="002060"/>
+                </a:solidFill>
+              </a:rPr>
+              <a:t> </a:t>
+            </a:r>
+            <a:r>
+              <a:rPr lang="fr-FR" b="1" dirty="0" err="1">
+                <a:solidFill>
+                  <a:srgbClr val="002060"/>
+                </a:solidFill>
+              </a:rPr>
+              <a:t>enum</a:t>
+            </a:r>
+            <a:r>
+              <a:rPr lang="fr-FR" b="1" dirty="0">
+                <a:solidFill>
+                  <a:srgbClr val="002060"/>
+                </a:solidFill>
+              </a:rPr>
+              <a:t> </a:t>
+            </a:r>
+            <a:r>
+              <a:rPr lang="fr-FR" dirty="0">
+                <a:solidFill>
+                  <a:srgbClr val="FF0000"/>
+                </a:solidFill>
+              </a:rPr>
+              <a:t>{</a:t>
+            </a:r>
+            <a:r>
+              <a:rPr lang="fr-FR" dirty="0"/>
+              <a:t>BLANC</a:t>
+            </a:r>
+            <a:r>
+              <a:rPr lang="fr-FR" b="1" dirty="0">
+                <a:solidFill>
+                  <a:srgbClr val="FF0000"/>
+                </a:solidFill>
+              </a:rPr>
+              <a:t>,</a:t>
+            </a:r>
+            <a:r>
+              <a:rPr lang="fr-FR" dirty="0"/>
+              <a:t> NOIR</a:t>
+            </a:r>
+            <a:r>
+              <a:rPr lang="fr-FR" b="1" dirty="0">
+                <a:solidFill>
+                  <a:srgbClr val="FF0000"/>
+                </a:solidFill>
+              </a:rPr>
+              <a:t>,</a:t>
+            </a:r>
+            <a:r>
+              <a:rPr lang="fr-FR" dirty="0"/>
+              <a:t> BLEU</a:t>
+            </a:r>
+            <a:r>
+              <a:rPr lang="fr-FR" b="1" dirty="0">
+                <a:solidFill>
+                  <a:srgbClr val="FF0000"/>
+                </a:solidFill>
+              </a:rPr>
+              <a:t>,</a:t>
+            </a:r>
+            <a:r>
+              <a:rPr lang="fr-FR" dirty="0"/>
+              <a:t> JAUNE</a:t>
+            </a:r>
+            <a:r>
+              <a:rPr lang="fr-FR" b="1" dirty="0">
+                <a:solidFill>
+                  <a:srgbClr val="FF0000"/>
+                </a:solidFill>
+              </a:rPr>
+              <a:t>, </a:t>
+            </a:r>
+            <a:r>
+              <a:rPr lang="fr-FR" dirty="0"/>
+              <a:t>NUM_COULEUR</a:t>
+            </a:r>
+            <a:r>
+              <a:rPr lang="fr-FR" dirty="0">
+                <a:solidFill>
+                  <a:srgbClr val="FF0000"/>
+                </a:solidFill>
+              </a:rPr>
+              <a:t>}</a:t>
+            </a:r>
+            <a:r>
+              <a:rPr lang="fr-FR" dirty="0"/>
+              <a:t> Couleur </a:t>
+            </a:r>
+            <a:r>
+              <a:rPr lang="fr-FR" b="1" dirty="0">
+                <a:solidFill>
+                  <a:srgbClr val="FF0000"/>
+                </a:solidFill>
+              </a:rPr>
+              <a:t>;</a:t>
+            </a:r>
           </a:p>
         </p:txBody>
       </p:sp>
@@ -7582,7 +10896,7 @@
           <a:p>
             <a:fld id="{6F939835-99A2-4966-A1AD-B12BD8DBA2F4}" type="datetime1">
               <a:rPr lang="fr-FR" smtClean="0"/>
-              <a:t>20/05/2015</a:t>
+              <a:t>25/05/2015</a:t>
             </a:fld>
             <a:endParaRPr lang="fr-FR"/>
           </a:p>
@@ -7634,16 +10948,199 @@
           </a:p>
         </p:txBody>
       </p:sp>
+      <p:sp>
+        <p:nvSpPr>
+          <p:cNvPr id="7" name="Accolade fermante 6"/>
+          <p:cNvSpPr/>
+          <p:nvPr/>
+        </p:nvSpPr>
+        <p:spPr>
+          <a:xfrm rot="5400000">
+            <a:off x="4071486" y="895151"/>
+            <a:ext cx="255069" cy="2748012"/>
+          </a:xfrm>
+          <a:prstGeom prst="rightBrace">
+            <a:avLst/>
+          </a:prstGeom>
+        </p:spPr>
+        <p:style>
+          <a:lnRef idx="1">
+            <a:schemeClr val="accent1"/>
+          </a:lnRef>
+          <a:fillRef idx="0">
+            <a:schemeClr val="accent1"/>
+          </a:fillRef>
+          <a:effectRef idx="0">
+            <a:schemeClr val="accent1"/>
+          </a:effectRef>
+          <a:fontRef idx="minor">
+            <a:schemeClr val="tx1"/>
+          </a:fontRef>
+        </p:style>
+        <p:txBody>
+          <a:bodyPr rtlCol="0" anchor="ctr"/>
+          <a:lstStyle/>
+          <a:p>
+            <a:pPr algn="ctr"/>
+            <a:endParaRPr lang="fr-FR"/>
+          </a:p>
+        </p:txBody>
+      </p:sp>
+      <p:cxnSp>
+        <p:nvCxnSpPr>
+          <p:cNvPr id="9" name="Connecteur en angle 8"/>
+          <p:cNvCxnSpPr/>
+          <p:nvPr/>
+        </p:nvCxnSpPr>
+        <p:spPr>
+          <a:xfrm>
+            <a:off x="6506678" y="2141622"/>
+            <a:ext cx="1183907" cy="582327"/>
+          </a:xfrm>
+          <a:prstGeom prst="bentConnector3">
+            <a:avLst>
+              <a:gd name="adj1" fmla="val 407"/>
+            </a:avLst>
+          </a:prstGeom>
+          <a:ln>
+            <a:tailEnd type="triangle"/>
+          </a:ln>
+        </p:spPr>
+        <p:style>
+          <a:lnRef idx="1">
+            <a:schemeClr val="accent1"/>
+          </a:lnRef>
+          <a:fillRef idx="0">
+            <a:schemeClr val="accent1"/>
+          </a:fillRef>
+          <a:effectRef idx="0">
+            <a:schemeClr val="accent1"/>
+          </a:effectRef>
+          <a:fontRef idx="minor">
+            <a:schemeClr val="tx1"/>
+          </a:fontRef>
+        </p:style>
+      </p:cxnSp>
+      <p:cxnSp>
+        <p:nvCxnSpPr>
+          <p:cNvPr id="12" name="Connecteur en angle 11"/>
+          <p:cNvCxnSpPr>
+            <a:stCxn id="7" idx="1"/>
+          </p:cNvCxnSpPr>
+          <p:nvPr/>
+        </p:nvCxnSpPr>
+        <p:spPr>
+          <a:xfrm rot="16200000" flipH="1" flipV="1">
+            <a:off x="3610553" y="2985158"/>
+            <a:ext cx="1176935" cy="1"/>
+          </a:xfrm>
+          <a:prstGeom prst="bentConnector3">
+            <a:avLst>
+              <a:gd name="adj1" fmla="val 63085"/>
+            </a:avLst>
+          </a:prstGeom>
+          <a:ln>
+            <a:tailEnd type="triangle"/>
+          </a:ln>
+        </p:spPr>
+        <p:style>
+          <a:lnRef idx="1">
+            <a:schemeClr val="accent1"/>
+          </a:lnRef>
+          <a:fillRef idx="0">
+            <a:schemeClr val="accent1"/>
+          </a:fillRef>
+          <a:effectRef idx="0">
+            <a:schemeClr val="accent1"/>
+          </a:effectRef>
+          <a:fontRef idx="minor">
+            <a:schemeClr val="tx1"/>
+          </a:fontRef>
+        </p:style>
+      </p:cxnSp>
+      <p:sp>
+        <p:nvSpPr>
+          <p:cNvPr id="17" name="ZoneTexte 16"/>
+          <p:cNvSpPr txBox="1"/>
+          <p:nvPr/>
+        </p:nvSpPr>
+        <p:spPr>
+          <a:xfrm>
+            <a:off x="7690585" y="2539283"/>
+            <a:ext cx="3905685" cy="369332"/>
+          </a:xfrm>
+          <a:prstGeom prst="rect">
+            <a:avLst/>
+          </a:prstGeom>
+          <a:noFill/>
+        </p:spPr>
+        <p:txBody>
+          <a:bodyPr wrap="none" rtlCol="0">
+            <a:spAutoFit/>
+          </a:bodyPr>
+          <a:lstStyle/>
+          <a:p>
+            <a:r>
+              <a:rPr lang="fr-FR" dirty="0" smtClean="0"/>
+              <a:t>Dernier élément </a:t>
+            </a:r>
+            <a:r>
+              <a:rPr lang="fr-FR" dirty="0" smtClean="0">
+                <a:sym typeface="Wingdings" panose="05000000000000000000" pitchFamily="2" charset="2"/>
+              </a:rPr>
+              <a:t> nombre d’éléments</a:t>
+            </a:r>
+            <a:endParaRPr lang="fr-FR" dirty="0"/>
+          </a:p>
+        </p:txBody>
+      </p:sp>
+      <p:sp>
+        <p:nvSpPr>
+          <p:cNvPr id="20" name="ZoneTexte 19"/>
+          <p:cNvSpPr txBox="1"/>
+          <p:nvPr/>
+        </p:nvSpPr>
+        <p:spPr>
+          <a:xfrm>
+            <a:off x="2409491" y="3578895"/>
+            <a:ext cx="3579057" cy="369332"/>
+          </a:xfrm>
+          <a:prstGeom prst="rect">
+            <a:avLst/>
+          </a:prstGeom>
+          <a:noFill/>
+        </p:spPr>
+        <p:txBody>
+          <a:bodyPr wrap="none" rtlCol="0">
+            <a:spAutoFit/>
+          </a:bodyPr>
+          <a:lstStyle/>
+          <a:p>
+            <a:r>
+              <a:rPr lang="fr-FR" dirty="0" smtClean="0"/>
+              <a:t>Couleurs disponibles pour les pièces</a:t>
+            </a:r>
+            <a:endParaRPr lang="fr-FR" dirty="0"/>
+          </a:p>
+        </p:txBody>
+      </p:sp>
     </p:spTree>
     <p:extLst>
       <p:ext uri="{BB962C8B-B14F-4D97-AF65-F5344CB8AC3E}">
-        <p14:creationId xmlns:p14="http://schemas.microsoft.com/office/powerpoint/2010/main" val="731806242"/>
+        <p14:creationId xmlns:p14="http://schemas.microsoft.com/office/powerpoint/2010/main" val="1758442932"/>
       </p:ext>
     </p:extLst>
   </p:cSld>
   <p:clrMapOvr>
     <a:masterClrMapping/>
   </p:clrMapOvr>
+  <p:timing>
+    <p:tnLst>
+      <p:par>
+        <p:cTn id="1" dur="indefinite" restart="never" nodeType="tmRoot"/>
+      </p:par>
+    </p:tnLst>
+  </p:timing>
 </p:sld>
 </file>
 
@@ -7681,24 +11178,274 @@
           <a:p>
             <a:r>
               <a:rPr lang="fr-FR" dirty="0" smtClean="0"/>
-              <a:t>Module : </a:t>
-            </a:r>
-            <a:r>
-              <a:rPr lang="fr-FR" dirty="0" err="1" smtClean="0"/>
+              <a:t>Module </a:t>
+            </a:r>
+            <a:r>
+              <a:rPr lang="fr-FR" dirty="0" smtClean="0">
+                <a:solidFill>
+                  <a:srgbClr val="FF0000"/>
+                </a:solidFill>
+              </a:rPr>
+              <a:t>:</a:t>
+            </a:r>
+            <a:r>
+              <a:rPr lang="fr-FR" dirty="0" smtClean="0"/>
+              <a:t> Joueur</a:t>
+            </a:r>
+            <a:endParaRPr lang="fr-FR" dirty="0"/>
+          </a:p>
+        </p:txBody>
+      </p:sp>
+      <p:sp>
+        <p:nvSpPr>
+          <p:cNvPr id="3" name="Espace réservé du contenu 2"/>
+          <p:cNvSpPr>
+            <a:spLocks noGrp="1"/>
+          </p:cNvSpPr>
+          <p:nvPr>
+            <p:ph idx="1"/>
+          </p:nvPr>
+        </p:nvSpPr>
+        <p:spPr/>
+        <p:txBody>
+          <a:bodyPr/>
+          <a:lstStyle/>
+          <a:p>
+            <a:r>
+              <a:rPr lang="fr-FR" b="1" dirty="0" err="1">
+                <a:solidFill>
+                  <a:srgbClr val="002060"/>
+                </a:solidFill>
+              </a:rPr>
+              <a:t>typedef</a:t>
+            </a:r>
+            <a:r>
+              <a:rPr lang="fr-FR" dirty="0">
+                <a:solidFill>
+                  <a:srgbClr val="002060"/>
+                </a:solidFill>
+              </a:rPr>
+              <a:t> </a:t>
+            </a:r>
+            <a:r>
+              <a:rPr lang="fr-FR" b="1" dirty="0" err="1">
+                <a:solidFill>
+                  <a:srgbClr val="002060"/>
+                </a:solidFill>
+              </a:rPr>
+              <a:t>struct</a:t>
+            </a:r>
+            <a:endParaRPr lang="fr-FR" b="1" dirty="0">
+              <a:solidFill>
+                <a:srgbClr val="002060"/>
+              </a:solidFill>
+            </a:endParaRPr>
+          </a:p>
+          <a:p>
+            <a:r>
+              <a:rPr lang="fr-FR" dirty="0">
+                <a:solidFill>
+                  <a:srgbClr val="FF0000"/>
+                </a:solidFill>
+              </a:rPr>
+              <a:t>{</a:t>
+            </a:r>
+          </a:p>
+          <a:p>
+            <a:r>
+              <a:rPr lang="fr-FR" dirty="0"/>
+              <a:t>    </a:t>
+            </a:r>
+            <a:r>
+              <a:rPr lang="fr-FR" b="1" dirty="0">
+                <a:solidFill>
+                  <a:srgbClr val="002060"/>
+                </a:solidFill>
+              </a:rPr>
+              <a:t>char</a:t>
+            </a:r>
+            <a:r>
+              <a:rPr lang="fr-FR" dirty="0">
+                <a:solidFill>
+                  <a:srgbClr val="002060"/>
+                </a:solidFill>
+              </a:rPr>
+              <a:t> </a:t>
+            </a:r>
+            <a:r>
+              <a:rPr lang="fr-FR" dirty="0" err="1"/>
+              <a:t>nomJoueur</a:t>
+            </a:r>
+            <a:r>
+              <a:rPr lang="fr-FR" dirty="0">
+                <a:solidFill>
+                  <a:srgbClr val="FF0000"/>
+                </a:solidFill>
+              </a:rPr>
+              <a:t>[</a:t>
+            </a:r>
+            <a:r>
+              <a:rPr lang="fr-FR" dirty="0"/>
+              <a:t>13</a:t>
+            </a:r>
+            <a:r>
+              <a:rPr lang="fr-FR" dirty="0">
+                <a:solidFill>
+                  <a:srgbClr val="FF0000"/>
+                </a:solidFill>
+              </a:rPr>
+              <a:t>] ;</a:t>
+            </a:r>
+          </a:p>
+          <a:p>
+            <a:r>
+              <a:rPr lang="fr-FR" dirty="0"/>
+              <a:t>    </a:t>
+            </a:r>
+            <a:r>
+              <a:rPr lang="fr-FR" b="1" dirty="0"/>
+              <a:t>Couleur</a:t>
+            </a:r>
+            <a:r>
+              <a:rPr lang="fr-FR" dirty="0"/>
+              <a:t> </a:t>
+            </a:r>
+            <a:r>
+              <a:rPr lang="fr-FR" dirty="0" err="1"/>
+              <a:t>couleur</a:t>
+            </a:r>
+            <a:r>
+              <a:rPr lang="fr-FR" dirty="0"/>
+              <a:t> </a:t>
+            </a:r>
+            <a:r>
+              <a:rPr lang="fr-FR" dirty="0">
+                <a:solidFill>
+                  <a:srgbClr val="FF0000"/>
+                </a:solidFill>
+              </a:rPr>
+              <a:t>;</a:t>
+            </a:r>
+          </a:p>
+          <a:p>
+            <a:endParaRPr lang="fr-FR" dirty="0"/>
+          </a:p>
+          <a:p>
+            <a:r>
+              <a:rPr lang="fr-FR" dirty="0"/>
+              <a:t>    </a:t>
+            </a:r>
+            <a:r>
+              <a:rPr lang="fr-FR" b="1" dirty="0" err="1">
+                <a:solidFill>
+                  <a:srgbClr val="002060"/>
+                </a:solidFill>
+              </a:rPr>
+              <a:t>int</a:t>
+            </a:r>
+            <a:r>
+              <a:rPr lang="fr-FR" dirty="0">
+                <a:solidFill>
+                  <a:srgbClr val="002060"/>
+                </a:solidFill>
+              </a:rPr>
+              <a:t> </a:t>
+            </a:r>
+            <a:r>
+              <a:rPr lang="fr-FR" dirty="0" err="1"/>
+              <a:t>nbPieces</a:t>
+            </a:r>
+            <a:r>
+              <a:rPr lang="fr-FR" dirty="0">
+                <a:solidFill>
+                  <a:srgbClr val="FF0000"/>
+                </a:solidFill>
+              </a:rPr>
+              <a:t>;</a:t>
+            </a:r>
+          </a:p>
+          <a:p>
+            <a:r>
+              <a:rPr lang="fr-FR" dirty="0"/>
+              <a:t>    </a:t>
+            </a:r>
+            <a:r>
+              <a:rPr lang="fr-FR" b="1" dirty="0" err="1"/>
               <a:t>Piece</a:t>
             </a:r>
-            <a:endParaRPr lang="fr-FR" dirty="0"/>
-          </a:p>
-        </p:txBody>
-      </p:sp>
-      <p:sp>
-        <p:nvSpPr>
-          <p:cNvPr id="3" name="Espace réservé du contenu 2"/>
-          <p:cNvSpPr>
-            <a:spLocks noGrp="1"/>
-          </p:cNvSpPr>
-          <p:nvPr>
-            <p:ph idx="1"/>
+            <a:r>
+              <a:rPr lang="fr-FR" dirty="0"/>
+              <a:t> </a:t>
+            </a:r>
+            <a:r>
+              <a:rPr lang="fr-FR" dirty="0">
+                <a:solidFill>
+                  <a:srgbClr val="FF0000"/>
+                </a:solidFill>
+              </a:rPr>
+              <a:t>*</a:t>
+            </a:r>
+            <a:r>
+              <a:rPr lang="fr-FR" dirty="0"/>
+              <a:t> </a:t>
+            </a:r>
+            <a:r>
+              <a:rPr lang="fr-FR" dirty="0" err="1"/>
+              <a:t>ensPieces</a:t>
+            </a:r>
+            <a:r>
+              <a:rPr lang="fr-FR" dirty="0">
+                <a:solidFill>
+                  <a:srgbClr val="FF0000"/>
+                </a:solidFill>
+              </a:rPr>
+              <a:t>[</a:t>
+            </a:r>
+            <a:r>
+              <a:rPr lang="fr-FR" dirty="0"/>
+              <a:t>16</a:t>
+            </a:r>
+            <a:r>
+              <a:rPr lang="fr-FR" dirty="0">
+                <a:solidFill>
+                  <a:srgbClr val="FF0000"/>
+                </a:solidFill>
+              </a:rPr>
+              <a:t>];</a:t>
+            </a:r>
+          </a:p>
+          <a:p>
+            <a:r>
+              <a:rPr lang="fr-FR" dirty="0">
+                <a:solidFill>
+                  <a:srgbClr val="FF0000"/>
+                </a:solidFill>
+              </a:rPr>
+              <a:t>} </a:t>
+            </a:r>
+            <a:r>
+              <a:rPr lang="fr-FR" dirty="0"/>
+              <a:t> Joueur</a:t>
+            </a:r>
+            <a:r>
+              <a:rPr lang="fr-FR" dirty="0">
+                <a:solidFill>
+                  <a:srgbClr val="FF0000"/>
+                </a:solidFill>
+              </a:rPr>
+              <a:t>;</a:t>
+            </a:r>
+          </a:p>
+        </p:txBody>
+      </p:sp>
+      <p:sp>
+        <p:nvSpPr>
+          <p:cNvPr id="4" name="Espace réservé de la date 3"/>
+          <p:cNvSpPr>
+            <a:spLocks noGrp="1"/>
+          </p:cNvSpPr>
+          <p:nvPr>
+            <p:ph type="dt" sz="half" idx="10"/>
           </p:nvPr>
         </p:nvSpPr>
         <p:spPr/>
@@ -7706,28 +11453,9 @@
           <a:bodyPr/>
           <a:lstStyle/>
           <a:p>
-            <a:endParaRPr lang="fr-FR"/>
-          </a:p>
-        </p:txBody>
-      </p:sp>
-      <p:sp>
-        <p:nvSpPr>
-          <p:cNvPr id="4" name="Espace réservé de la date 3"/>
-          <p:cNvSpPr>
-            <a:spLocks noGrp="1"/>
-          </p:cNvSpPr>
-          <p:nvPr>
-            <p:ph type="dt" sz="half" idx="10"/>
-          </p:nvPr>
-        </p:nvSpPr>
-        <p:spPr/>
-        <p:txBody>
-          <a:bodyPr/>
-          <a:lstStyle/>
-          <a:p>
             <a:fld id="{4C65F994-49BC-4889-8CFA-7C9632A8F570}" type="datetime1">
               <a:rPr lang="fr-FR" smtClean="0"/>
-              <a:t>20/05/2015</a:t>
+              <a:t>25/05/2015</a:t>
             </a:fld>
             <a:endParaRPr lang="fr-FR"/>
           </a:p>
@@ -7782,13 +11510,20 @@
     </p:spTree>
     <p:extLst>
       <p:ext uri="{BB962C8B-B14F-4D97-AF65-F5344CB8AC3E}">
-        <p14:creationId xmlns:p14="http://schemas.microsoft.com/office/powerpoint/2010/main" val="3631085508"/>
+        <p14:creationId xmlns:p14="http://schemas.microsoft.com/office/powerpoint/2010/main" val="1845837333"/>
       </p:ext>
     </p:extLst>
   </p:cSld>
   <p:clrMapOvr>
     <a:masterClrMapping/>
   </p:clrMapOvr>
+  <p:timing>
+    <p:tnLst>
+      <p:par>
+        <p:cTn id="1" dur="indefinite" restart="never" nodeType="tmRoot"/>
+      </p:par>
+    </p:tnLst>
+  </p:timing>
 </p:sld>
 </file>
 
@@ -7826,7 +11561,23 @@
           <a:p>
             <a:r>
               <a:rPr lang="fr-FR" dirty="0" smtClean="0"/>
-              <a:t>Module : Case</a:t>
+              <a:t>Module </a:t>
+            </a:r>
+            <a:r>
+              <a:rPr lang="fr-FR" dirty="0" smtClean="0">
+                <a:solidFill>
+                  <a:srgbClr val="00B050"/>
+                </a:solidFill>
+              </a:rPr>
+              <a:t>:</a:t>
+            </a:r>
+            <a:r>
+              <a:rPr lang="fr-FR" dirty="0" smtClean="0"/>
+              <a:t> </a:t>
+            </a:r>
+            <a:r>
+              <a:rPr lang="fr-FR" dirty="0" err="1" smtClean="0"/>
+              <a:t>Piece</a:t>
             </a:r>
             <a:endParaRPr lang="fr-FR" dirty="0"/>
           </a:p>
@@ -7847,7 +11598,367 @@
           <a:bodyPr/>
           <a:lstStyle/>
           <a:p>
-            <a:endParaRPr lang="fr-FR"/>
+            <a:r>
+              <a:rPr lang="fr-FR" b="1" dirty="0" err="1">
+                <a:solidFill>
+                  <a:srgbClr val="002060"/>
+                </a:solidFill>
+              </a:rPr>
+              <a:t>typedef</a:t>
+            </a:r>
+            <a:r>
+              <a:rPr lang="fr-FR" dirty="0">
+                <a:solidFill>
+                  <a:srgbClr val="002060"/>
+                </a:solidFill>
+              </a:rPr>
+              <a:t> </a:t>
+            </a:r>
+            <a:r>
+              <a:rPr lang="fr-FR" b="1" dirty="0" err="1">
+                <a:solidFill>
+                  <a:srgbClr val="002060"/>
+                </a:solidFill>
+              </a:rPr>
+              <a:t>enum</a:t>
+            </a:r>
+            <a:r>
+              <a:rPr lang="fr-FR" dirty="0">
+                <a:solidFill>
+                  <a:srgbClr val="FF0000"/>
+                </a:solidFill>
+              </a:rPr>
+              <a:t> {</a:t>
+            </a:r>
+            <a:r>
+              <a:rPr lang="fr-FR" dirty="0"/>
+              <a:t>PION</a:t>
+            </a:r>
+            <a:r>
+              <a:rPr lang="fr-FR" b="1" dirty="0">
+                <a:solidFill>
+                  <a:srgbClr val="FF0000"/>
+                </a:solidFill>
+              </a:rPr>
+              <a:t>,</a:t>
+            </a:r>
+            <a:r>
+              <a:rPr lang="fr-FR" dirty="0">
+                <a:solidFill>
+                  <a:srgbClr val="FF0000"/>
+                </a:solidFill>
+              </a:rPr>
+              <a:t> </a:t>
+            </a:r>
+            <a:r>
+              <a:rPr lang="fr-FR" dirty="0"/>
+              <a:t>TOUR</a:t>
+            </a:r>
+            <a:r>
+              <a:rPr lang="fr-FR" b="1" dirty="0">
+                <a:solidFill>
+                  <a:srgbClr val="FF0000"/>
+                </a:solidFill>
+              </a:rPr>
+              <a:t>,</a:t>
+            </a:r>
+            <a:r>
+              <a:rPr lang="fr-FR" dirty="0">
+                <a:solidFill>
+                  <a:srgbClr val="FF0000"/>
+                </a:solidFill>
+              </a:rPr>
+              <a:t> </a:t>
+            </a:r>
+            <a:r>
+              <a:rPr lang="fr-FR" dirty="0"/>
+              <a:t>CAVALIER</a:t>
+            </a:r>
+            <a:r>
+              <a:rPr lang="fr-FR" b="1" dirty="0">
+                <a:solidFill>
+                  <a:srgbClr val="FF0000"/>
+                </a:solidFill>
+              </a:rPr>
+              <a:t>,</a:t>
+            </a:r>
+            <a:r>
+              <a:rPr lang="fr-FR" dirty="0">
+                <a:solidFill>
+                  <a:srgbClr val="FF0000"/>
+                </a:solidFill>
+              </a:rPr>
+              <a:t> </a:t>
+            </a:r>
+            <a:r>
+              <a:rPr lang="fr-FR" dirty="0"/>
+              <a:t>FOU</a:t>
+            </a:r>
+            <a:r>
+              <a:rPr lang="fr-FR" b="1" dirty="0">
+                <a:solidFill>
+                  <a:srgbClr val="FF0000"/>
+                </a:solidFill>
+              </a:rPr>
+              <a:t>,</a:t>
+            </a:r>
+            <a:r>
+              <a:rPr lang="fr-FR" dirty="0">
+                <a:solidFill>
+                  <a:srgbClr val="FF0000"/>
+                </a:solidFill>
+              </a:rPr>
+              <a:t> </a:t>
+            </a:r>
+            <a:r>
+              <a:rPr lang="fr-FR" dirty="0"/>
+              <a:t>DAME</a:t>
+            </a:r>
+            <a:r>
+              <a:rPr lang="fr-FR" b="1" dirty="0">
+                <a:solidFill>
+                  <a:srgbClr val="FF0000"/>
+                </a:solidFill>
+              </a:rPr>
+              <a:t>,</a:t>
+            </a:r>
+            <a:r>
+              <a:rPr lang="fr-FR" dirty="0">
+                <a:solidFill>
+                  <a:srgbClr val="FF0000"/>
+                </a:solidFill>
+              </a:rPr>
+              <a:t> </a:t>
+            </a:r>
+            <a:r>
+              <a:rPr lang="fr-FR" dirty="0"/>
+              <a:t>ROI</a:t>
+            </a:r>
+            <a:r>
+              <a:rPr lang="fr-FR" dirty="0">
+                <a:solidFill>
+                  <a:srgbClr val="FF0000"/>
+                </a:solidFill>
+              </a:rPr>
+              <a:t>}</a:t>
+            </a:r>
+            <a:r>
+              <a:rPr lang="fr-FR" dirty="0"/>
+              <a:t> Type </a:t>
+            </a:r>
+            <a:r>
+              <a:rPr lang="fr-FR" b="1" dirty="0" smtClean="0">
+                <a:solidFill>
+                  <a:srgbClr val="FF0000"/>
+                </a:solidFill>
+              </a:rPr>
+              <a:t>;</a:t>
+            </a:r>
+          </a:p>
+          <a:p>
+            <a:endParaRPr lang="fr-FR" dirty="0"/>
+          </a:p>
+          <a:p>
+            <a:r>
+              <a:rPr lang="fr-FR" b="1" dirty="0" err="1">
+                <a:solidFill>
+                  <a:srgbClr val="002060"/>
+                </a:solidFill>
+              </a:rPr>
+              <a:t>typedef</a:t>
+            </a:r>
+            <a:r>
+              <a:rPr lang="fr-FR" dirty="0">
+                <a:solidFill>
+                  <a:srgbClr val="002060"/>
+                </a:solidFill>
+              </a:rPr>
+              <a:t> </a:t>
+            </a:r>
+            <a:r>
+              <a:rPr lang="fr-FR" b="1" dirty="0" err="1">
+                <a:solidFill>
+                  <a:srgbClr val="002060"/>
+                </a:solidFill>
+              </a:rPr>
+              <a:t>struct</a:t>
+            </a:r>
+            <a:endParaRPr lang="fr-FR" b="1" dirty="0">
+              <a:solidFill>
+                <a:srgbClr val="002060"/>
+              </a:solidFill>
+            </a:endParaRPr>
+          </a:p>
+          <a:p>
+            <a:r>
+              <a:rPr lang="fr-FR" dirty="0">
+                <a:solidFill>
+                  <a:srgbClr val="FF0000"/>
+                </a:solidFill>
+              </a:rPr>
+              <a:t>{</a:t>
+            </a:r>
+          </a:p>
+          <a:p>
+            <a:r>
+              <a:rPr lang="fr-FR" dirty="0"/>
+              <a:t>    Type </a:t>
+            </a:r>
+            <a:r>
+              <a:rPr lang="fr-FR" dirty="0" err="1"/>
+              <a:t>type</a:t>
+            </a:r>
+            <a:r>
+              <a:rPr lang="fr-FR" dirty="0"/>
+              <a:t> </a:t>
+            </a:r>
+            <a:r>
+              <a:rPr lang="fr-FR" b="1" dirty="0">
+                <a:solidFill>
+                  <a:srgbClr val="FF0000"/>
+                </a:solidFill>
+              </a:rPr>
+              <a:t>;</a:t>
+            </a:r>
+          </a:p>
+          <a:p>
+            <a:r>
+              <a:rPr lang="fr-FR" dirty="0"/>
+              <a:t>    Couleur </a:t>
+            </a:r>
+            <a:r>
+              <a:rPr lang="fr-FR" dirty="0" err="1"/>
+              <a:t>couleur</a:t>
+            </a:r>
+            <a:r>
+              <a:rPr lang="fr-FR" dirty="0"/>
+              <a:t> </a:t>
+            </a:r>
+            <a:r>
+              <a:rPr lang="fr-FR" b="1" dirty="0">
+                <a:solidFill>
+                  <a:srgbClr val="FF0000"/>
+                </a:solidFill>
+              </a:rPr>
+              <a:t>;</a:t>
+            </a:r>
+          </a:p>
+          <a:p>
+            <a:r>
+              <a:rPr lang="fr-FR" dirty="0"/>
+              <a:t>    </a:t>
+            </a:r>
+            <a:r>
+              <a:rPr lang="fr-FR" b="1" dirty="0" err="1">
+                <a:solidFill>
+                  <a:srgbClr val="002060"/>
+                </a:solidFill>
+              </a:rPr>
+              <a:t>int</a:t>
+            </a:r>
+            <a:r>
+              <a:rPr lang="fr-FR" dirty="0">
+                <a:solidFill>
+                  <a:srgbClr val="002060"/>
+                </a:solidFill>
+              </a:rPr>
+              <a:t> </a:t>
+            </a:r>
+            <a:r>
+              <a:rPr lang="fr-FR" dirty="0" err="1"/>
+              <a:t>pointsVie</a:t>
+            </a:r>
+            <a:r>
+              <a:rPr lang="fr-FR" dirty="0"/>
+              <a:t> </a:t>
+            </a:r>
+            <a:r>
+              <a:rPr lang="fr-FR" b="1" dirty="0">
+                <a:solidFill>
+                  <a:srgbClr val="FF0000"/>
+                </a:solidFill>
+              </a:rPr>
+              <a:t>;</a:t>
+            </a:r>
+          </a:p>
+          <a:p>
+            <a:r>
+              <a:rPr lang="fr-FR" dirty="0"/>
+              <a:t>    </a:t>
+            </a:r>
+            <a:r>
+              <a:rPr lang="fr-FR" b="1" dirty="0" err="1">
+                <a:solidFill>
+                  <a:srgbClr val="002060"/>
+                </a:solidFill>
+              </a:rPr>
+              <a:t>int</a:t>
+            </a:r>
+            <a:r>
+              <a:rPr lang="fr-FR" dirty="0">
+                <a:solidFill>
+                  <a:srgbClr val="002060"/>
+                </a:solidFill>
+              </a:rPr>
+              <a:t> </a:t>
+            </a:r>
+            <a:r>
+              <a:rPr lang="fr-FR" dirty="0" err="1"/>
+              <a:t>pointsAttaque</a:t>
+            </a:r>
+            <a:r>
+              <a:rPr lang="fr-FR" dirty="0"/>
+              <a:t> </a:t>
+            </a:r>
+            <a:r>
+              <a:rPr lang="fr-FR" b="1" dirty="0">
+                <a:solidFill>
+                  <a:srgbClr val="FF0000"/>
+                </a:solidFill>
+              </a:rPr>
+              <a:t>;</a:t>
+            </a:r>
+          </a:p>
+          <a:p>
+            <a:r>
+              <a:rPr lang="fr-FR" dirty="0">
+                <a:solidFill>
+                  <a:srgbClr val="FF0000"/>
+                </a:solidFill>
+              </a:rPr>
+              <a:t>}</a:t>
+            </a:r>
+            <a:r>
+              <a:rPr lang="fr-FR" dirty="0"/>
+              <a:t> </a:t>
+            </a:r>
+            <a:r>
+              <a:rPr lang="fr-FR" dirty="0" err="1"/>
+              <a:t>Piece</a:t>
+            </a:r>
+            <a:r>
+              <a:rPr lang="fr-FR" dirty="0"/>
+              <a:t> </a:t>
+            </a:r>
+            <a:r>
+              <a:rPr lang="fr-FR" b="1" dirty="0">
+                <a:solidFill>
+                  <a:srgbClr val="FF0000"/>
+                </a:solidFill>
+              </a:rPr>
+              <a:t>;</a:t>
+            </a:r>
+            <a:endParaRPr lang="fr-FR" b="1" dirty="0" smtClean="0">
+              <a:solidFill>
+                <a:srgbClr val="FF0000"/>
+              </a:solidFill>
+            </a:endParaRPr>
+          </a:p>
+          <a:p>
+            <a:endParaRPr lang="fr-FR" dirty="0"/>
+          </a:p>
+          <a:p>
+            <a:endParaRPr lang="fr-FR" dirty="0"/>
           </a:p>
         </p:txBody>
       </p:sp>
@@ -7868,7 +11979,7 @@
           <a:p>
             <a:fld id="{4C65F994-49BC-4889-8CFA-7C9632A8F570}" type="datetime1">
               <a:rPr lang="fr-FR" smtClean="0"/>
-              <a:t>20/05/2015</a:t>
+              <a:t>25/05/2015</a:t>
             </a:fld>
             <a:endParaRPr lang="fr-FR"/>
           </a:p>
@@ -7920,16 +12031,156 @@
           </a:p>
         </p:txBody>
       </p:sp>
+      <p:sp>
+        <p:nvSpPr>
+          <p:cNvPr id="16" name="ZoneTexte 15"/>
+          <p:cNvSpPr txBox="1"/>
+          <p:nvPr/>
+        </p:nvSpPr>
+        <p:spPr>
+          <a:xfrm>
+            <a:off x="5055561" y="3672748"/>
+            <a:ext cx="5442452" cy="369332"/>
+          </a:xfrm>
+          <a:prstGeom prst="rect">
+            <a:avLst/>
+          </a:prstGeom>
+          <a:noFill/>
+        </p:spPr>
+        <p:txBody>
+          <a:bodyPr wrap="none" rtlCol="0">
+            <a:spAutoFit/>
+          </a:bodyPr>
+          <a:lstStyle/>
+          <a:p>
+            <a:r>
+              <a:rPr lang="fr-FR" b="1" dirty="0" err="1">
+                <a:solidFill>
+                  <a:srgbClr val="002060"/>
+                </a:solidFill>
+              </a:rPr>
+              <a:t>void</a:t>
+            </a:r>
+            <a:r>
+              <a:rPr lang="fr-FR" dirty="0">
+                <a:solidFill>
+                  <a:srgbClr val="002060"/>
+                </a:solidFill>
+              </a:rPr>
+              <a:t> </a:t>
+            </a:r>
+            <a:r>
+              <a:rPr lang="fr-FR" dirty="0" err="1"/>
+              <a:t>initPiece</a:t>
+            </a:r>
+            <a:r>
+              <a:rPr lang="fr-FR" dirty="0">
+                <a:solidFill>
+                  <a:srgbClr val="FF0000"/>
+                </a:solidFill>
+              </a:rPr>
+              <a:t>(</a:t>
+            </a:r>
+            <a:r>
+              <a:rPr lang="fr-FR" b="1" dirty="0" err="1"/>
+              <a:t>Piece</a:t>
+            </a:r>
+            <a:r>
+              <a:rPr lang="fr-FR" dirty="0"/>
+              <a:t> </a:t>
+            </a:r>
+            <a:r>
+              <a:rPr lang="fr-FR" b="1" dirty="0">
+                <a:solidFill>
+                  <a:srgbClr val="FF0000"/>
+                </a:solidFill>
+              </a:rPr>
+              <a:t>*</a:t>
+            </a:r>
+            <a:r>
+              <a:rPr lang="fr-FR" dirty="0"/>
+              <a:t> </a:t>
+            </a:r>
+            <a:r>
+              <a:rPr lang="fr-FR" dirty="0" err="1"/>
+              <a:t>piece</a:t>
+            </a:r>
+            <a:r>
+              <a:rPr lang="fr-FR" dirty="0">
+                <a:solidFill>
+                  <a:srgbClr val="FF0000"/>
+                </a:solidFill>
+              </a:rPr>
+              <a:t>,</a:t>
+            </a:r>
+            <a:r>
+              <a:rPr lang="fr-FR" dirty="0"/>
+              <a:t> </a:t>
+            </a:r>
+            <a:r>
+              <a:rPr lang="fr-FR" b="1" dirty="0"/>
+              <a:t>Type</a:t>
+            </a:r>
+            <a:r>
+              <a:rPr lang="fr-FR" dirty="0"/>
+              <a:t> </a:t>
+            </a:r>
+            <a:r>
+              <a:rPr lang="fr-FR" dirty="0" err="1"/>
+              <a:t>type</a:t>
+            </a:r>
+            <a:r>
+              <a:rPr lang="fr-FR" dirty="0">
+                <a:solidFill>
+                  <a:srgbClr val="FF0000"/>
+                </a:solidFill>
+              </a:rPr>
+              <a:t>,</a:t>
+            </a:r>
+            <a:r>
+              <a:rPr lang="fr-FR" dirty="0"/>
+              <a:t> </a:t>
+            </a:r>
+            <a:r>
+              <a:rPr lang="fr-FR" b="1" dirty="0"/>
+              <a:t>Couleur</a:t>
+            </a:r>
+            <a:r>
+              <a:rPr lang="fr-FR" dirty="0"/>
+              <a:t> </a:t>
+            </a:r>
+            <a:r>
+              <a:rPr lang="fr-FR" dirty="0" err="1"/>
+              <a:t>couleur</a:t>
+            </a:r>
+            <a:r>
+              <a:rPr lang="fr-FR" dirty="0">
+                <a:solidFill>
+                  <a:srgbClr val="FF0000"/>
+                </a:solidFill>
+              </a:rPr>
+              <a:t>)</a:t>
+            </a:r>
+          </a:p>
+        </p:txBody>
+      </p:sp>
     </p:spTree>
     <p:extLst>
       <p:ext uri="{BB962C8B-B14F-4D97-AF65-F5344CB8AC3E}">
-        <p14:creationId xmlns:p14="http://schemas.microsoft.com/office/powerpoint/2010/main" val="751238820"/>
+        <p14:creationId xmlns:p14="http://schemas.microsoft.com/office/powerpoint/2010/main" val="1371993422"/>
       </p:ext>
     </p:extLst>
   </p:cSld>
   <p:clrMapOvr>
     <a:masterClrMapping/>
   </p:clrMapOvr>
+  <p:timing>
+    <p:tnLst>
+      <p:par>
+        <p:cTn id="1" dur="indefinite" restart="never" nodeType="tmRoot"/>
+      </p:par>
+    </p:tnLst>
+  </p:timing>
 </p:sld>
 </file>
 
@@ -7967,7 +12218,19 @@
           <a:p>
             <a:r>
               <a:rPr lang="fr-FR" dirty="0" smtClean="0"/>
-              <a:t>Module : Plateau</a:t>
+              <a:t>Module </a:t>
+            </a:r>
+            <a:r>
+              <a:rPr lang="fr-FR" dirty="0" smtClean="0">
+                <a:solidFill>
+                  <a:srgbClr val="00B050"/>
+                </a:solidFill>
+              </a:rPr>
+              <a:t>:</a:t>
+            </a:r>
+            <a:r>
+              <a:rPr lang="fr-FR" dirty="0" smtClean="0"/>
+              <a:t> Case</a:t>
             </a:r>
             <a:endParaRPr lang="fr-FR" dirty="0"/>
           </a:p>
@@ -7988,7 +12251,245 @@
           <a:bodyPr/>
           <a:lstStyle/>
           <a:p>
-            <a:endParaRPr lang="fr-FR"/>
+            <a:r>
+              <a:rPr lang="fr-FR" b="1" dirty="0" err="1">
+                <a:solidFill>
+                  <a:srgbClr val="002060"/>
+                </a:solidFill>
+              </a:rPr>
+              <a:t>typedef</a:t>
+            </a:r>
+            <a:r>
+              <a:rPr lang="fr-FR" b="1" dirty="0">
+                <a:solidFill>
+                  <a:srgbClr val="002060"/>
+                </a:solidFill>
+              </a:rPr>
+              <a:t> </a:t>
+            </a:r>
+            <a:r>
+              <a:rPr lang="fr-FR" b="1" dirty="0" err="1">
+                <a:solidFill>
+                  <a:srgbClr val="002060"/>
+                </a:solidFill>
+              </a:rPr>
+              <a:t>enum</a:t>
+            </a:r>
+            <a:r>
+              <a:rPr lang="fr-FR" b="1" dirty="0">
+                <a:solidFill>
+                  <a:srgbClr val="002060"/>
+                </a:solidFill>
+              </a:rPr>
+              <a:t> </a:t>
+            </a:r>
+            <a:r>
+              <a:rPr lang="fr-FR" dirty="0">
+                <a:solidFill>
+                  <a:srgbClr val="FF0000"/>
+                </a:solidFill>
+              </a:rPr>
+              <a:t>{</a:t>
+            </a:r>
+            <a:r>
+              <a:rPr lang="fr-FR" dirty="0"/>
+              <a:t>CBLANC</a:t>
+            </a:r>
+            <a:r>
+              <a:rPr lang="fr-FR" b="1" dirty="0">
+                <a:solidFill>
+                  <a:srgbClr val="FF0000"/>
+                </a:solidFill>
+              </a:rPr>
+              <a:t>, </a:t>
+            </a:r>
+            <a:r>
+              <a:rPr lang="fr-FR" dirty="0"/>
+              <a:t>CNOIR</a:t>
+            </a:r>
+            <a:r>
+              <a:rPr lang="fr-FR" b="1" dirty="0">
+                <a:solidFill>
+                  <a:srgbClr val="FF0000"/>
+                </a:solidFill>
+              </a:rPr>
+              <a:t>, </a:t>
+            </a:r>
+            <a:r>
+              <a:rPr lang="fr-FR" dirty="0"/>
+              <a:t>CBLEU</a:t>
+            </a:r>
+            <a:r>
+              <a:rPr lang="fr-FR" b="1" dirty="0">
+                <a:solidFill>
+                  <a:srgbClr val="FF0000"/>
+                </a:solidFill>
+              </a:rPr>
+              <a:t>, </a:t>
+            </a:r>
+            <a:r>
+              <a:rPr lang="fr-FR" dirty="0"/>
+              <a:t>CROUGE</a:t>
+            </a:r>
+            <a:r>
+              <a:rPr lang="fr-FR" dirty="0">
+                <a:solidFill>
+                  <a:srgbClr val="FF0000"/>
+                </a:solidFill>
+              </a:rPr>
+              <a:t>}</a:t>
+            </a:r>
+            <a:r>
+              <a:rPr lang="fr-FR" dirty="0"/>
+              <a:t> </a:t>
+            </a:r>
+            <a:r>
+              <a:rPr lang="fr-FR" dirty="0" err="1"/>
+              <a:t>CouleurCase</a:t>
+            </a:r>
+            <a:r>
+              <a:rPr lang="fr-FR" dirty="0"/>
+              <a:t> </a:t>
+            </a:r>
+            <a:r>
+              <a:rPr lang="fr-FR" b="1" dirty="0" smtClean="0">
+                <a:solidFill>
+                  <a:srgbClr val="FF0000"/>
+                </a:solidFill>
+              </a:rPr>
+              <a:t>;</a:t>
+            </a:r>
+          </a:p>
+          <a:p>
+            <a:endParaRPr lang="fr-FR" dirty="0"/>
+          </a:p>
+          <a:p>
+            <a:r>
+              <a:rPr lang="en-US" b="1" dirty="0" err="1">
+                <a:solidFill>
+                  <a:srgbClr val="002060"/>
+                </a:solidFill>
+              </a:rPr>
+              <a:t>typedef</a:t>
+            </a:r>
+            <a:r>
+              <a:rPr lang="en-US" b="1" dirty="0">
+                <a:solidFill>
+                  <a:srgbClr val="002060"/>
+                </a:solidFill>
+              </a:rPr>
+              <a:t> </a:t>
+            </a:r>
+            <a:r>
+              <a:rPr lang="en-US" b="1" dirty="0" err="1">
+                <a:solidFill>
+                  <a:srgbClr val="002060"/>
+                </a:solidFill>
+              </a:rPr>
+              <a:t>struct</a:t>
+            </a:r>
+            <a:endParaRPr lang="en-US" b="1" dirty="0">
+              <a:solidFill>
+                <a:srgbClr val="002060"/>
+              </a:solidFill>
+            </a:endParaRPr>
+          </a:p>
+          <a:p>
+            <a:r>
+              <a:rPr lang="en-US" dirty="0">
+                <a:solidFill>
+                  <a:srgbClr val="FF0000"/>
+                </a:solidFill>
+              </a:rPr>
+              <a:t>{</a:t>
+            </a:r>
+          </a:p>
+          <a:p>
+            <a:r>
+              <a:rPr lang="en-US" dirty="0"/>
+              <a:t>    </a:t>
+            </a:r>
+            <a:r>
+              <a:rPr lang="en-US" b="1" dirty="0" err="1"/>
+              <a:t>CouleurCase</a:t>
+            </a:r>
+            <a:r>
+              <a:rPr lang="en-US" dirty="0"/>
+              <a:t> </a:t>
+            </a:r>
+            <a:r>
+              <a:rPr lang="en-US" dirty="0" err="1"/>
+              <a:t>couleurCase</a:t>
+            </a:r>
+            <a:r>
+              <a:rPr lang="en-US" dirty="0"/>
+              <a:t> </a:t>
+            </a:r>
+            <a:r>
+              <a:rPr lang="en-US" b="1" dirty="0">
+                <a:solidFill>
+                  <a:srgbClr val="FF0000"/>
+                </a:solidFill>
+              </a:rPr>
+              <a:t>;</a:t>
+            </a:r>
+          </a:p>
+          <a:p>
+            <a:r>
+              <a:rPr lang="en-US" dirty="0"/>
+              <a:t>    </a:t>
+            </a:r>
+            <a:r>
+              <a:rPr lang="en-US" b="1" dirty="0"/>
+              <a:t>Piece</a:t>
+            </a:r>
+            <a:r>
+              <a:rPr lang="en-US" dirty="0">
+                <a:solidFill>
+                  <a:srgbClr val="FF0000"/>
+                </a:solidFill>
+              </a:rPr>
+              <a:t> * </a:t>
+            </a:r>
+            <a:r>
+              <a:rPr lang="en-US" dirty="0"/>
+              <a:t>piece </a:t>
+            </a:r>
+            <a:r>
+              <a:rPr lang="en-US" b="1" dirty="0">
+                <a:solidFill>
+                  <a:srgbClr val="FF0000"/>
+                </a:solidFill>
+              </a:rPr>
+              <a:t>;</a:t>
+            </a:r>
+          </a:p>
+          <a:p>
+            <a:r>
+              <a:rPr lang="en-US" dirty="0">
+                <a:solidFill>
+                  <a:srgbClr val="FF0000"/>
+                </a:solidFill>
+              </a:rPr>
+              <a:t>}</a:t>
+            </a:r>
+            <a:r>
+              <a:rPr lang="en-US" dirty="0"/>
+              <a:t> Case </a:t>
+            </a:r>
+            <a:r>
+              <a:rPr lang="en-US" b="1" dirty="0">
+                <a:solidFill>
+                  <a:srgbClr val="FF0000"/>
+                </a:solidFill>
+              </a:rPr>
+              <a:t>;</a:t>
+            </a:r>
+            <a:endParaRPr lang="fr-FR" b="1" dirty="0">
+              <a:solidFill>
+                <a:srgbClr val="FF0000"/>
+              </a:solidFill>
+            </a:endParaRPr>
           </a:p>
         </p:txBody>
       </p:sp>
@@ -8009,7 +12510,7 @@
           <a:p>
             <a:fld id="{4C65F994-49BC-4889-8CFA-7C9632A8F570}" type="datetime1">
               <a:rPr lang="fr-FR" smtClean="0"/>
-              <a:t>20/05/2015</a:t>
+              <a:t>25/05/2015</a:t>
             </a:fld>
             <a:endParaRPr lang="fr-FR"/>
           </a:p>
@@ -8061,16 +12562,360 @@
           </a:p>
         </p:txBody>
       </p:sp>
+      <p:cxnSp>
+        <p:nvCxnSpPr>
+          <p:cNvPr id="8" name="Connecteur en angle 7"/>
+          <p:cNvCxnSpPr/>
+          <p:nvPr/>
+        </p:nvCxnSpPr>
+        <p:spPr>
+          <a:xfrm>
+            <a:off x="5733535" y="2163294"/>
+            <a:ext cx="576648" cy="329513"/>
+          </a:xfrm>
+          <a:prstGeom prst="bentConnector3">
+            <a:avLst>
+              <a:gd name="adj1" fmla="val 1428"/>
+            </a:avLst>
+          </a:prstGeom>
+          <a:ln>
+            <a:tailEnd type="triangle"/>
+          </a:ln>
+        </p:spPr>
+        <p:style>
+          <a:lnRef idx="1">
+            <a:schemeClr val="accent1"/>
+          </a:lnRef>
+          <a:fillRef idx="0">
+            <a:schemeClr val="accent1"/>
+          </a:fillRef>
+          <a:effectRef idx="0">
+            <a:schemeClr val="accent1"/>
+          </a:effectRef>
+          <a:fontRef idx="minor">
+            <a:schemeClr val="tx1"/>
+          </a:fontRef>
+        </p:style>
+      </p:cxnSp>
+      <p:cxnSp>
+        <p:nvCxnSpPr>
+          <p:cNvPr id="11" name="Connecteur en angle 10"/>
+          <p:cNvCxnSpPr/>
+          <p:nvPr/>
+        </p:nvCxnSpPr>
+        <p:spPr>
+          <a:xfrm>
+            <a:off x="4860324" y="2163294"/>
+            <a:ext cx="1449859" cy="678760"/>
+          </a:xfrm>
+          <a:prstGeom prst="bentConnector3">
+            <a:avLst>
+              <a:gd name="adj1" fmla="val 0"/>
+            </a:avLst>
+          </a:prstGeom>
+          <a:ln>
+            <a:tailEnd type="triangle"/>
+          </a:ln>
+        </p:spPr>
+        <p:style>
+          <a:lnRef idx="1">
+            <a:schemeClr val="accent1"/>
+          </a:lnRef>
+          <a:fillRef idx="0">
+            <a:schemeClr val="accent1"/>
+          </a:fillRef>
+          <a:effectRef idx="0">
+            <a:schemeClr val="accent1"/>
+          </a:effectRef>
+          <a:fontRef idx="minor">
+            <a:schemeClr val="tx1"/>
+          </a:fontRef>
+        </p:style>
+      </p:cxnSp>
+      <p:sp>
+        <p:nvSpPr>
+          <p:cNvPr id="13" name="ZoneTexte 12"/>
+          <p:cNvSpPr txBox="1"/>
+          <p:nvPr/>
+        </p:nvSpPr>
+        <p:spPr>
+          <a:xfrm>
+            <a:off x="6310183" y="2318183"/>
+            <a:ext cx="771365" cy="369332"/>
+          </a:xfrm>
+          <a:prstGeom prst="rect">
+            <a:avLst/>
+          </a:prstGeom>
+          <a:noFill/>
+        </p:spPr>
+        <p:txBody>
+          <a:bodyPr wrap="none" rtlCol="0">
+            <a:spAutoFit/>
+          </a:bodyPr>
+          <a:lstStyle/>
+          <a:p>
+            <a:r>
+              <a:rPr lang="fr-FR" dirty="0" smtClean="0"/>
+              <a:t>Survol</a:t>
+            </a:r>
+            <a:endParaRPr lang="fr-FR" dirty="0"/>
+          </a:p>
+        </p:txBody>
+      </p:sp>
+      <p:sp>
+        <p:nvSpPr>
+          <p:cNvPr id="14" name="ZoneTexte 13"/>
+          <p:cNvSpPr txBox="1"/>
+          <p:nvPr/>
+        </p:nvSpPr>
+        <p:spPr>
+          <a:xfrm>
+            <a:off x="6310183" y="2647696"/>
+            <a:ext cx="1259897" cy="369332"/>
+          </a:xfrm>
+          <a:prstGeom prst="rect">
+            <a:avLst/>
+          </a:prstGeom>
+          <a:noFill/>
+        </p:spPr>
+        <p:txBody>
+          <a:bodyPr wrap="none" rtlCol="0">
+            <a:spAutoFit/>
+          </a:bodyPr>
+          <a:lstStyle/>
+          <a:p>
+            <a:r>
+              <a:rPr lang="fr-FR" dirty="0" smtClean="0"/>
+              <a:t>Atteignable</a:t>
+            </a:r>
+            <a:endParaRPr lang="fr-FR" dirty="0"/>
+          </a:p>
+        </p:txBody>
+      </p:sp>
+      <p:sp>
+        <p:nvSpPr>
+          <p:cNvPr id="15" name="ZoneTexte 14"/>
+          <p:cNvSpPr txBox="1"/>
+          <p:nvPr/>
+        </p:nvSpPr>
+        <p:spPr>
+          <a:xfrm>
+            <a:off x="6310183" y="3672748"/>
+            <a:ext cx="3071738" cy="923330"/>
+          </a:xfrm>
+          <a:prstGeom prst="rect">
+            <a:avLst/>
+          </a:prstGeom>
+          <a:noFill/>
+        </p:spPr>
+        <p:txBody>
+          <a:bodyPr wrap="none" rtlCol="0">
+            <a:spAutoFit/>
+          </a:bodyPr>
+          <a:lstStyle/>
+          <a:p>
+            <a:r>
+              <a:rPr lang="fr-FR" b="1" dirty="0" err="1" smtClean="0">
+                <a:solidFill>
+                  <a:srgbClr val="002060"/>
+                </a:solidFill>
+              </a:rPr>
+              <a:t>bool</a:t>
+            </a:r>
+            <a:r>
+              <a:rPr lang="fr-FR" dirty="0" smtClean="0"/>
+              <a:t> </a:t>
+            </a:r>
+            <a:r>
+              <a:rPr lang="fr-FR" dirty="0" err="1" smtClean="0"/>
+              <a:t>caseValide</a:t>
+            </a:r>
+            <a:r>
+              <a:rPr lang="fr-FR" dirty="0" smtClean="0">
+                <a:solidFill>
+                  <a:srgbClr val="FF0000"/>
+                </a:solidFill>
+              </a:rPr>
+              <a:t>(</a:t>
+            </a:r>
+            <a:r>
+              <a:rPr lang="fr-FR" b="1" dirty="0" err="1" smtClean="0">
+                <a:solidFill>
+                  <a:srgbClr val="002060"/>
+                </a:solidFill>
+              </a:rPr>
+              <a:t>int</a:t>
+            </a:r>
+            <a:r>
+              <a:rPr lang="fr-FR" dirty="0" smtClean="0"/>
+              <a:t> x</a:t>
+            </a:r>
+            <a:r>
+              <a:rPr lang="fr-FR" dirty="0" smtClean="0">
+                <a:solidFill>
+                  <a:srgbClr val="FF0000"/>
+                </a:solidFill>
+              </a:rPr>
+              <a:t>,</a:t>
+            </a:r>
+            <a:r>
+              <a:rPr lang="fr-FR" dirty="0" smtClean="0"/>
+              <a:t> </a:t>
+            </a:r>
+            <a:r>
+              <a:rPr lang="fr-FR" b="1" dirty="0" err="1" smtClean="0">
+                <a:solidFill>
+                  <a:srgbClr val="002060"/>
+                </a:solidFill>
+              </a:rPr>
+              <a:t>int</a:t>
+            </a:r>
+            <a:r>
+              <a:rPr lang="fr-FR" dirty="0" smtClean="0"/>
+              <a:t> y</a:t>
+            </a:r>
+            <a:r>
+              <a:rPr lang="fr-FR" dirty="0" smtClean="0">
+                <a:solidFill>
+                  <a:srgbClr val="FF0000"/>
+                </a:solidFill>
+              </a:rPr>
+              <a:t>)</a:t>
+            </a:r>
+          </a:p>
+          <a:p>
+            <a:r>
+              <a:rPr lang="fr-FR" b="1" dirty="0" err="1">
+                <a:solidFill>
+                  <a:srgbClr val="002060"/>
+                </a:solidFill>
+              </a:rPr>
+              <a:t>void</a:t>
+            </a:r>
+            <a:r>
+              <a:rPr lang="fr-FR" dirty="0">
+                <a:solidFill>
+                  <a:srgbClr val="002060"/>
+                </a:solidFill>
+              </a:rPr>
+              <a:t> </a:t>
+            </a:r>
+            <a:r>
+              <a:rPr lang="fr-FR" dirty="0" err="1"/>
+              <a:t>initCase</a:t>
+            </a:r>
+            <a:r>
+              <a:rPr lang="fr-FR" dirty="0">
+                <a:solidFill>
+                  <a:srgbClr val="FF0000"/>
+                </a:solidFill>
+              </a:rPr>
+              <a:t>(</a:t>
+            </a:r>
+            <a:r>
+              <a:rPr lang="fr-FR" b="1" dirty="0"/>
+              <a:t>Case</a:t>
+            </a:r>
+            <a:r>
+              <a:rPr lang="fr-FR" dirty="0"/>
+              <a:t> </a:t>
+            </a:r>
+            <a:r>
+              <a:rPr lang="fr-FR" dirty="0">
+                <a:solidFill>
+                  <a:srgbClr val="FF0000"/>
+                </a:solidFill>
+              </a:rPr>
+              <a:t>*</a:t>
+            </a:r>
+            <a:r>
+              <a:rPr lang="fr-FR" dirty="0"/>
+              <a:t> </a:t>
+            </a:r>
+            <a:r>
+              <a:rPr lang="fr-FR" dirty="0" err="1"/>
+              <a:t>cell</a:t>
+            </a:r>
+            <a:r>
+              <a:rPr lang="fr-FR" dirty="0" smtClean="0">
+                <a:solidFill>
+                  <a:srgbClr val="FF0000"/>
+                </a:solidFill>
+              </a:rPr>
+              <a:t>)</a:t>
+            </a:r>
+            <a:endParaRPr lang="fr-FR" dirty="0"/>
+          </a:p>
+          <a:p>
+            <a:r>
+              <a:rPr lang="fr-FR" b="1" dirty="0" err="1">
+                <a:solidFill>
+                  <a:srgbClr val="002060"/>
+                </a:solidFill>
+              </a:rPr>
+              <a:t>void</a:t>
+            </a:r>
+            <a:r>
+              <a:rPr lang="fr-FR" dirty="0">
+                <a:solidFill>
+                  <a:srgbClr val="002060"/>
+                </a:solidFill>
+              </a:rPr>
+              <a:t> </a:t>
+            </a:r>
+            <a:r>
+              <a:rPr lang="fr-FR" dirty="0" err="1"/>
+              <a:t>detruireCase</a:t>
+            </a:r>
+            <a:r>
+              <a:rPr lang="fr-FR" dirty="0">
+                <a:solidFill>
+                  <a:srgbClr val="FF0000"/>
+                </a:solidFill>
+              </a:rPr>
+              <a:t>(</a:t>
+            </a:r>
+            <a:r>
+              <a:rPr lang="fr-FR" b="1" dirty="0"/>
+              <a:t>Case</a:t>
+            </a:r>
+            <a:r>
+              <a:rPr lang="fr-FR" dirty="0"/>
+              <a:t> * </a:t>
+            </a:r>
+            <a:r>
+              <a:rPr lang="fr-FR" dirty="0" err="1"/>
+              <a:t>cell</a:t>
+            </a:r>
+            <a:r>
+              <a:rPr lang="fr-FR" dirty="0" smtClean="0">
+                <a:solidFill>
+                  <a:srgbClr val="FF0000"/>
+                </a:solidFill>
+              </a:rPr>
+              <a:t>)</a:t>
+            </a:r>
+            <a:endParaRPr lang="fr-FR" dirty="0"/>
+          </a:p>
+        </p:txBody>
+      </p:sp>
     </p:spTree>
     <p:extLst>
       <p:ext uri="{BB962C8B-B14F-4D97-AF65-F5344CB8AC3E}">
-        <p14:creationId xmlns:p14="http://schemas.microsoft.com/office/powerpoint/2010/main" val="1856031418"/>
+        <p14:creationId xmlns:p14="http://schemas.microsoft.com/office/powerpoint/2010/main" val="800611995"/>
       </p:ext>
     </p:extLst>
   </p:cSld>
   <p:clrMapOvr>
     <a:masterClrMapping/>
   </p:clrMapOvr>
+  <p:timing>
+    <p:tnLst>
+      <p:par>
+        <p:cTn id="1" dur="indefinite" restart="never" nodeType="tmRoot"/>
+      </p:par>
+    </p:tnLst>
+  </p:timing>
 </p:sld>
 </file>
 

--- a/ChessRPG-présentation.pptx
+++ b/ChessRPG-présentation.pptx
@@ -123,7 +123,7 @@
   </p:defaultTextStyle>
   <p:extLst>
     <p:ext uri="{EFAFB233-063F-42B5-8137-9DF3F51BA10A}">
-      <p15:sldGuideLst xmlns:p15="http://schemas.microsoft.com/office/powerpoint/2012/main"/>
+      <p15:sldGuideLst xmlns:p15="http://schemas.microsoft.com/office/powerpoint/2012/main" xmlns=""/>
     </p:ext>
   </p:extLst>
 </p:presentation>
@@ -9791,7 +9791,7 @@
           </a:solidFill>
           <a:ln w="25400">
             <a:solidFill>
-              <a:srgbClr val="0070C0"/>
+              <a:srgbClr val="FF0000"/>
             </a:solidFill>
           </a:ln>
         </p:spPr>
@@ -10047,7 +10047,7 @@
           </a:solidFill>
           <a:ln w="25400">
             <a:solidFill>
-              <a:srgbClr val="FF0000"/>
+              <a:srgbClr val="0070C0"/>
             </a:solidFill>
           </a:ln>
         </p:spPr>
@@ -10111,7 +10111,7 @@
           </a:solidFill>
           <a:ln w="25400">
             <a:solidFill>
-              <a:srgbClr val="FF0000"/>
+              <a:srgbClr val="0070C0"/>
             </a:solidFill>
           </a:ln>
         </p:spPr>
@@ -10175,7 +10175,7 @@
           </a:solidFill>
           <a:ln w="25400">
             <a:solidFill>
-              <a:srgbClr val="0070C0"/>
+              <a:srgbClr val="FF0000"/>
             </a:solidFill>
           </a:ln>
         </p:spPr>
@@ -10459,7 +10459,7 @@
           </a:solidFill>
           <a:ln w="25400">
             <a:solidFill>
-              <a:srgbClr val="FF0000"/>
+              <a:srgbClr val="0070C0"/>
             </a:solidFill>
           </a:ln>
         </p:spPr>
@@ -13196,7 +13196,7 @@
   <a:extraClrSchemeLst/>
   <a:extLst>
     <a:ext uri="{05A4C25C-085E-4340-85A3-A5531E510DB2}">
-      <thm15:themeFamily xmlns:thm15="http://schemas.microsoft.com/office/thememl/2012/main" name="Retrospect" id="{5F128B03-DCCA-4EEB-AB3B-CF2899314A46}" vid="{3F1AAB62-24C6-49D2-8E01-B56FAC9A3DCD}"/>
+      <thm15:themeFamily xmlns:thm15="http://schemas.microsoft.com/office/thememl/2012/main" xmlns="" name="Retrospect" id="{5F128B03-DCCA-4EEB-AB3B-CF2899314A46}" vid="{3F1AAB62-24C6-49D2-8E01-B56FAC9A3DCD}"/>
     </a:ext>
   </a:extLst>
 </a:theme>
@@ -13457,7 +13457,7 @@
   <a:extraClrSchemeLst/>
   <a:extLst>
     <a:ext uri="{05A4C25C-085E-4340-85A3-A5531E510DB2}">
-      <thm15:themeFamily xmlns:thm15="http://schemas.microsoft.com/office/thememl/2012/main" name="Office Theme" id="{62F939B6-93AF-4DB8-9C6B-D6C7DFDC589F}" vid="{4A3C46E8-61CC-4603-A589-7422A47A8E4A}"/>
+      <thm15:themeFamily xmlns:thm15="http://schemas.microsoft.com/office/thememl/2012/main" xmlns="" name="Office Theme" id="{62F939B6-93AF-4DB8-9C6B-D6C7DFDC589F}" vid="{4A3C46E8-61CC-4603-A589-7422A47A8E4A}"/>
     </a:ext>
   </a:extLst>
 </a:theme>

--- a/ChessRPG-présentation.pptx
+++ b/ChessRPG-présentation.pptx
@@ -123,7 +123,18 @@
   </p:defaultTextStyle>
   <p:extLst>
     <p:ext uri="{EFAFB233-063F-42B5-8137-9DF3F51BA10A}">
-      <p15:sldGuideLst xmlns:p15="http://schemas.microsoft.com/office/powerpoint/2012/main" xmlns=""/>
+      <p15:sldGuideLst xmlns:p15="http://schemas.microsoft.com/office/powerpoint/2012/main">
+        <p15:guide id="1" orient="horz" pos="2160">
+          <p15:clr>
+            <a:srgbClr val="A4A3A4"/>
+          </p15:clr>
+        </p15:guide>
+        <p15:guide id="2" pos="3840">
+          <p15:clr>
+            <a:srgbClr val="A4A3A4"/>
+          </p15:clr>
+        </p15:guide>
+      </p15:sldGuideLst>
     </p:ext>
   </p:extLst>
 </p:presentation>
@@ -211,7 +222,7 @@
           <a:p>
             <a:fld id="{D7C11A9D-1DE5-4F0B-80C9-051901EBB71C}" type="datetimeFigureOut">
               <a:rPr lang="fr-FR" smtClean="0"/>
-              <a:t>25/05/2015</a:t>
+              <a:t>26/05/2015</a:t>
             </a:fld>
             <a:endParaRPr lang="fr-FR"/>
           </a:p>
@@ -789,7 +800,7 @@
           <a:p>
             <a:fld id="{23502C51-1561-4EB6-9C93-546E852DCB67}" type="datetime1">
               <a:rPr lang="fr-FR" smtClean="0"/>
-              <a:t>25/05/2015</a:t>
+              <a:t>26/05/2015</a:t>
             </a:fld>
             <a:endParaRPr lang="fr-FR"/>
           </a:p>
@@ -1001,7 +1012,7 @@
           <a:p>
             <a:fld id="{3325F845-7EA5-4853-9502-4FE804A20DD0}" type="datetime1">
               <a:rPr lang="fr-FR" smtClean="0"/>
-              <a:t>25/05/2015</a:t>
+              <a:t>26/05/2015</a:t>
             </a:fld>
             <a:endParaRPr lang="fr-FR"/>
           </a:p>
@@ -1261,7 +1272,7 @@
           <a:p>
             <a:fld id="{33B2B481-7D1E-4C4F-8E47-F066BE0397FB}" type="datetime1">
               <a:rPr lang="fr-FR" smtClean="0"/>
-              <a:t>25/05/2015</a:t>
+              <a:t>26/05/2015</a:t>
             </a:fld>
             <a:endParaRPr lang="fr-FR"/>
           </a:p>
@@ -1439,7 +1450,7 @@
           <a:p>
             <a:fld id="{4C65F994-49BC-4889-8CFA-7C9632A8F570}" type="datetime1">
               <a:rPr lang="fr-FR" smtClean="0"/>
-              <a:t>25/05/2015</a:t>
+              <a:t>26/05/2015</a:t>
             </a:fld>
             <a:endParaRPr lang="fr-FR"/>
           </a:p>
@@ -1786,7 +1797,7 @@
           <a:p>
             <a:fld id="{F0FECA8E-85F6-4F89-8F99-8BC756F6499E}" type="datetime1">
               <a:rPr lang="fr-FR" smtClean="0"/>
-              <a:t>25/05/2015</a:t>
+              <a:t>26/05/2015</a:t>
             </a:fld>
             <a:endParaRPr lang="fr-FR"/>
           </a:p>
@@ -2065,7 +2076,7 @@
           <a:p>
             <a:fld id="{97BBA5F2-E306-4003-BE76-D53FFDC75E6D}" type="datetime1">
               <a:rPr lang="fr-FR" smtClean="0"/>
-              <a:t>25/05/2015</a:t>
+              <a:t>26/05/2015</a:t>
             </a:fld>
             <a:endParaRPr lang="fr-FR"/>
           </a:p>
@@ -2448,7 +2459,7 @@
           <a:p>
             <a:fld id="{7951AAE5-9493-4102-AAC4-C32F29644CF5}" type="datetime1">
               <a:rPr lang="fr-FR" smtClean="0"/>
-              <a:t>25/05/2015</a:t>
+              <a:t>26/05/2015</a:t>
             </a:fld>
             <a:endParaRPr lang="fr-FR"/>
           </a:p>
@@ -2570,7 +2581,7 @@
           <a:p>
             <a:fld id="{D45A2621-94DB-4F6F-A900-E67BE057B93C}" type="datetime1">
               <a:rPr lang="fr-FR" smtClean="0"/>
-              <a:t>25/05/2015</a:t>
+              <a:t>26/05/2015</a:t>
             </a:fld>
             <a:endParaRPr lang="fr-FR"/>
           </a:p>
@@ -2745,7 +2756,7 @@
           <a:p>
             <a:fld id="{6F939835-99A2-4966-A1AD-B12BD8DBA2F4}" type="datetime1">
               <a:rPr lang="fr-FR" smtClean="0"/>
-              <a:t>25/05/2015</a:t>
+              <a:t>26/05/2015</a:t>
             </a:fld>
             <a:endParaRPr lang="fr-FR"/>
           </a:p>
@@ -3103,7 +3114,7 @@
           <a:p>
             <a:fld id="{DAA0C033-B7EF-41FA-9F2C-587AE82FF26F}" type="datetime1">
               <a:rPr lang="fr-FR" smtClean="0"/>
-              <a:t>25/05/2015</a:t>
+              <a:t>26/05/2015</a:t>
             </a:fld>
             <a:endParaRPr lang="fr-FR"/>
           </a:p>
@@ -3489,7 +3500,7 @@
           <a:p>
             <a:fld id="{83E5E0AD-6076-431B-9033-EEB312E14D36}" type="datetime1">
               <a:rPr lang="fr-FR" smtClean="0"/>
-              <a:t>25/05/2015</a:t>
+              <a:t>26/05/2015</a:t>
             </a:fld>
             <a:endParaRPr lang="fr-FR"/>
           </a:p>
@@ -3780,7 +3791,7 @@
           <a:p>
             <a:fld id="{571DC12F-2558-48E8-8199-85DA5BCD3AE0}" type="datetime1">
               <a:rPr lang="fr-FR" smtClean="0"/>
-              <a:t>25/05/2015</a:t>
+              <a:t>26/05/2015</a:t>
             </a:fld>
             <a:endParaRPr lang="fr-FR"/>
           </a:p>
@@ -4412,7 +4423,7 @@
           <a:p>
             <a:fld id="{51ADFFF0-C704-4BDF-851F-BCB6753F83E5}" type="datetime1">
               <a:rPr lang="fr-FR" smtClean="0"/>
-              <a:t>25/05/2015</a:t>
+              <a:t>26/05/2015</a:t>
             </a:fld>
             <a:endParaRPr lang="fr-FR"/>
           </a:p>
@@ -4705,7 +4716,7 @@
           <a:p>
             <a:fld id="{4C65F994-49BC-4889-8CFA-7C9632A8F570}" type="datetime1">
               <a:rPr lang="fr-FR" smtClean="0"/>
-              <a:t>25/05/2015</a:t>
+              <a:t>26/05/2015</a:t>
             </a:fld>
             <a:endParaRPr lang="fr-FR"/>
           </a:p>
@@ -5312,7 +5323,7 @@
           <a:p>
             <a:fld id="{4C65F994-49BC-4889-8CFA-7C9632A8F570}" type="datetime1">
               <a:rPr lang="fr-FR" smtClean="0"/>
-              <a:t>25/05/2015</a:t>
+              <a:t>26/05/2015</a:t>
             </a:fld>
             <a:endParaRPr lang="fr-FR" dirty="0"/>
           </a:p>
@@ -6405,7 +6416,7 @@
           <a:p>
             <a:fld id="{4C65F994-49BC-4889-8CFA-7C9632A8F570}" type="datetime1">
               <a:rPr lang="fr-FR" smtClean="0"/>
-              <a:t>25/05/2015</a:t>
+              <a:t>26/05/2015</a:t>
             </a:fld>
             <a:endParaRPr lang="fr-FR" dirty="0"/>
           </a:p>
@@ -6888,7 +6899,7 @@
           <a:p>
             <a:fld id="{4C65F994-49BC-4889-8CFA-7C9632A8F570}" type="datetime1">
               <a:rPr lang="fr-FR" smtClean="0"/>
-              <a:t>25/05/2015</a:t>
+              <a:t>26/05/2015</a:t>
             </a:fld>
             <a:endParaRPr lang="fr-FR"/>
           </a:p>
@@ -7505,7 +7516,7 @@
           <a:p>
             <a:fld id="{4C65F994-49BC-4889-8CFA-7C9632A8F570}" type="datetime1">
               <a:rPr lang="fr-FR" smtClean="0"/>
-              <a:t>25/05/2015</a:t>
+              <a:t>26/05/2015</a:t>
             </a:fld>
             <a:endParaRPr lang="fr-FR" dirty="0"/>
           </a:p>
@@ -7909,7 +7920,7 @@
           <a:p>
             <a:fld id="{4C65F994-49BC-4889-8CFA-7C9632A8F570}" type="datetime1">
               <a:rPr lang="fr-FR" smtClean="0"/>
-              <a:t>25/05/2015</a:t>
+              <a:t>26/05/2015</a:t>
             </a:fld>
             <a:endParaRPr lang="fr-FR"/>
           </a:p>
@@ -8238,7 +8249,7 @@
           <a:p>
             <a:fld id="{4C65F994-49BC-4889-8CFA-7C9632A8F570}" type="datetime1">
               <a:rPr lang="fr-FR" smtClean="0"/>
-              <a:t>25/05/2015</a:t>
+              <a:t>26/05/2015</a:t>
             </a:fld>
             <a:endParaRPr lang="fr-FR"/>
           </a:p>
@@ -8459,7 +8470,7 @@
           <a:p>
             <a:fld id="{4C65F994-49BC-4889-8CFA-7C9632A8F570}" type="datetime1">
               <a:rPr lang="fr-FR" smtClean="0"/>
-              <a:t>25/05/2015</a:t>
+              <a:t>26/05/2015</a:t>
             </a:fld>
             <a:endParaRPr lang="fr-FR"/>
           </a:p>
@@ -8558,7 +8569,7 @@
           <a:p>
             <a:fld id="{4C65F994-49BC-4889-8CFA-7C9632A8F570}" type="datetime1">
               <a:rPr lang="fr-FR" smtClean="0"/>
-              <a:t>25/05/2015</a:t>
+              <a:t>26/05/2015</a:t>
             </a:fld>
             <a:endParaRPr lang="fr-FR"/>
           </a:p>
@@ -9622,7 +9633,7 @@
           <a:p>
             <a:fld id="{4C65F994-49BC-4889-8CFA-7C9632A8F570}" type="datetime1">
               <a:rPr lang="fr-FR" smtClean="0"/>
-              <a:t>25/05/2015</a:t>
+              <a:t>26/05/2015</a:t>
             </a:fld>
             <a:endParaRPr lang="fr-FR"/>
           </a:p>
@@ -10684,6 +10695,120 @@
           </a:fontRef>
         </p:style>
       </p:cxnSp>
+      <p:sp>
+        <p:nvSpPr>
+          <p:cNvPr id="3" name="ZoneTexte 2"/>
+          <p:cNvSpPr txBox="1"/>
+          <p:nvPr/>
+        </p:nvSpPr>
+        <p:spPr>
+          <a:xfrm>
+            <a:off x="4146805" y="601362"/>
+            <a:ext cx="884858" cy="369332"/>
+          </a:xfrm>
+          <a:prstGeom prst="rect">
+            <a:avLst/>
+          </a:prstGeom>
+          <a:noFill/>
+        </p:spPr>
+        <p:txBody>
+          <a:bodyPr wrap="none" rtlCol="0">
+            <a:spAutoFit/>
+          </a:bodyPr>
+          <a:lstStyle/>
+          <a:p>
+            <a:r>
+              <a:rPr lang="fr-FR" dirty="0" err="1" smtClean="0">
+                <a:solidFill>
+                  <a:srgbClr val="0070C0"/>
+                </a:solidFill>
+              </a:rPr>
+              <a:t>Tiffanie</a:t>
+            </a:r>
+            <a:endParaRPr lang="fr-FR" dirty="0">
+              <a:solidFill>
+                <a:srgbClr val="0070C0"/>
+              </a:solidFill>
+            </a:endParaRPr>
+          </a:p>
+        </p:txBody>
+      </p:sp>
+      <p:sp>
+        <p:nvSpPr>
+          <p:cNvPr id="7" name="ZoneTexte 6"/>
+          <p:cNvSpPr txBox="1"/>
+          <p:nvPr/>
+        </p:nvSpPr>
+        <p:spPr>
+          <a:xfrm>
+            <a:off x="10556470" y="4181134"/>
+            <a:ext cx="723340" cy="369332"/>
+          </a:xfrm>
+          <a:prstGeom prst="rect">
+            <a:avLst/>
+          </a:prstGeom>
+          <a:noFill/>
+        </p:spPr>
+        <p:txBody>
+          <a:bodyPr wrap="none" rtlCol="0">
+            <a:spAutoFit/>
+          </a:bodyPr>
+          <a:lstStyle/>
+          <a:p>
+            <a:r>
+              <a:rPr lang="fr-FR" dirty="0" smtClean="0">
+                <a:solidFill>
+                  <a:srgbClr val="00B050"/>
+                </a:solidFill>
+              </a:rPr>
+              <a:t>Robin</a:t>
+            </a:r>
+            <a:endParaRPr lang="fr-FR" dirty="0">
+              <a:solidFill>
+                <a:srgbClr val="00B050"/>
+              </a:solidFill>
+            </a:endParaRPr>
+          </a:p>
+        </p:txBody>
+      </p:sp>
+      <p:sp>
+        <p:nvSpPr>
+          <p:cNvPr id="8" name="ZoneTexte 7"/>
+          <p:cNvSpPr txBox="1"/>
+          <p:nvPr/>
+        </p:nvSpPr>
+        <p:spPr>
+          <a:xfrm>
+            <a:off x="7140989" y="662911"/>
+            <a:ext cx="1298945" cy="369332"/>
+          </a:xfrm>
+          <a:prstGeom prst="rect">
+            <a:avLst/>
+          </a:prstGeom>
+          <a:noFill/>
+        </p:spPr>
+        <p:txBody>
+          <a:bodyPr wrap="none" rtlCol="0">
+            <a:spAutoFit/>
+          </a:bodyPr>
+          <a:lstStyle/>
+          <a:p>
+            <a:r>
+              <a:rPr lang="fr-FR" dirty="0" smtClean="0">
+                <a:solidFill>
+                  <a:srgbClr val="FF0000"/>
+                </a:solidFill>
+              </a:rPr>
+              <a:t>Pierre-Louis</a:t>
+            </a:r>
+            <a:endParaRPr lang="fr-FR" dirty="0">
+              <a:solidFill>
+                <a:srgbClr val="FF0000"/>
+              </a:solidFill>
+            </a:endParaRPr>
+          </a:p>
+        </p:txBody>
+      </p:sp>
     </p:spTree>
     <p:extLst>
       <p:ext uri="{BB962C8B-B14F-4D97-AF65-F5344CB8AC3E}">
@@ -10896,7 +11021,7 @@
           <a:p>
             <a:fld id="{6F939835-99A2-4966-A1AD-B12BD8DBA2F4}" type="datetime1">
               <a:rPr lang="fr-FR" smtClean="0"/>
-              <a:t>25/05/2015</a:t>
+              <a:t>26/05/2015</a:t>
             </a:fld>
             <a:endParaRPr lang="fr-FR"/>
           </a:p>
@@ -11455,7 +11580,7 @@
           <a:p>
             <a:fld id="{4C65F994-49BC-4889-8CFA-7C9632A8F570}" type="datetime1">
               <a:rPr lang="fr-FR" smtClean="0"/>
-              <a:t>25/05/2015</a:t>
+              <a:t>26/05/2015</a:t>
             </a:fld>
             <a:endParaRPr lang="fr-FR"/>
           </a:p>
@@ -11979,7 +12104,7 @@
           <a:p>
             <a:fld id="{4C65F994-49BC-4889-8CFA-7C9632A8F570}" type="datetime1">
               <a:rPr lang="fr-FR" smtClean="0"/>
-              <a:t>25/05/2015</a:t>
+              <a:t>26/05/2015</a:t>
             </a:fld>
             <a:endParaRPr lang="fr-FR"/>
           </a:p>
@@ -12510,7 +12635,7 @@
           <a:p>
             <a:fld id="{4C65F994-49BC-4889-8CFA-7C9632A8F570}" type="datetime1">
               <a:rPr lang="fr-FR" smtClean="0"/>
-              <a:t>25/05/2015</a:t>
+              <a:t>26/05/2015</a:t>
             </a:fld>
             <a:endParaRPr lang="fr-FR"/>
           </a:p>
@@ -13196,7 +13321,7 @@
   <a:extraClrSchemeLst/>
   <a:extLst>
     <a:ext uri="{05A4C25C-085E-4340-85A3-A5531E510DB2}">
-      <thm15:themeFamily xmlns:thm15="http://schemas.microsoft.com/office/thememl/2012/main" xmlns="" name="Retrospect" id="{5F128B03-DCCA-4EEB-AB3B-CF2899314A46}" vid="{3F1AAB62-24C6-49D2-8E01-B56FAC9A3DCD}"/>
+      <thm15:themeFamily xmlns:thm15="http://schemas.microsoft.com/office/thememl/2012/main" name="Retrospect" id="{5F128B03-DCCA-4EEB-AB3B-CF2899314A46}" vid="{3F1AAB62-24C6-49D2-8E01-B56FAC9A3DCD}"/>
     </a:ext>
   </a:extLst>
 </a:theme>
@@ -13457,7 +13582,7 @@
   <a:extraClrSchemeLst/>
   <a:extLst>
     <a:ext uri="{05A4C25C-085E-4340-85A3-A5531E510DB2}">
-      <thm15:themeFamily xmlns:thm15="http://schemas.microsoft.com/office/thememl/2012/main" xmlns="" name="Office Theme" id="{62F939B6-93AF-4DB8-9C6B-D6C7DFDC589F}" vid="{4A3C46E8-61CC-4603-A589-7422A47A8E4A}"/>
+      <thm15:themeFamily xmlns:thm15="http://schemas.microsoft.com/office/thememl/2012/main" name="Office Theme" id="{62F939B6-93AF-4DB8-9C6B-D6C7DFDC589F}" vid="{4A3C46E8-61CC-4603-A589-7422A47A8E4A}"/>
     </a:ext>
   </a:extLst>
 </a:theme>

--- a/ChessRPG-présentation.pptx
+++ b/ChessRPG-présentation.pptx
@@ -9123,226 +9123,6 @@
           </a:p>
         </p:txBody>
       </p:sp>
-      <p:cxnSp>
-        <p:nvCxnSpPr>
-          <p:cNvPr id="23" name="Connecteur en angle 22"/>
-          <p:cNvCxnSpPr>
-            <a:stCxn id="9" idx="1"/>
-            <a:endCxn id="12" idx="2"/>
-          </p:cNvCxnSpPr>
-          <p:nvPr/>
-        </p:nvCxnSpPr>
-        <p:spPr>
-          <a:xfrm rot="10800000">
-            <a:off x="3018223" y="4612936"/>
-            <a:ext cx="1950781" cy="1115607"/>
-          </a:xfrm>
-          <a:prstGeom prst="bentConnector2">
-            <a:avLst/>
-          </a:prstGeom>
-          <a:ln w="25400">
-            <a:tailEnd type="triangle"/>
-          </a:ln>
-        </p:spPr>
-        <p:style>
-          <a:lnRef idx="1">
-            <a:schemeClr val="accent1"/>
-          </a:lnRef>
-          <a:fillRef idx="0">
-            <a:schemeClr val="accent1"/>
-          </a:fillRef>
-          <a:effectRef idx="0">
-            <a:schemeClr val="accent1"/>
-          </a:effectRef>
-          <a:fontRef idx="minor">
-            <a:schemeClr val="tx1"/>
-          </a:fontRef>
-        </p:style>
-      </p:cxnSp>
-      <p:cxnSp>
-        <p:nvCxnSpPr>
-          <p:cNvPr id="25" name="Connecteur en angle 24"/>
-          <p:cNvCxnSpPr>
-            <a:stCxn id="9" idx="3"/>
-            <a:endCxn id="14" idx="2"/>
-          </p:cNvCxnSpPr>
-          <p:nvPr/>
-        </p:nvCxnSpPr>
-        <p:spPr>
-          <a:xfrm flipV="1">
-            <a:off x="7226170" y="5474226"/>
-            <a:ext cx="1950782" cy="254316"/>
-          </a:xfrm>
-          <a:prstGeom prst="bentConnector2">
-            <a:avLst/>
-          </a:prstGeom>
-          <a:ln w="25400">
-            <a:tailEnd type="triangle"/>
-          </a:ln>
-        </p:spPr>
-        <p:style>
-          <a:lnRef idx="1">
-            <a:schemeClr val="accent1"/>
-          </a:lnRef>
-          <a:fillRef idx="0">
-            <a:schemeClr val="accent1"/>
-          </a:fillRef>
-          <a:effectRef idx="0">
-            <a:schemeClr val="accent1"/>
-          </a:effectRef>
-          <a:fontRef idx="minor">
-            <a:schemeClr val="tx1"/>
-          </a:fontRef>
-        </p:style>
-      </p:cxnSp>
-      <p:cxnSp>
-        <p:nvCxnSpPr>
-          <p:cNvPr id="27" name="Connecteur en angle 26"/>
-          <p:cNvCxnSpPr>
-            <a:stCxn id="14" idx="0"/>
-            <a:endCxn id="13" idx="2"/>
-          </p:cNvCxnSpPr>
-          <p:nvPr/>
-        </p:nvCxnSpPr>
-        <p:spPr>
-          <a:xfrm rot="5400000" flipH="1" flipV="1">
-            <a:off x="8993442" y="4796446"/>
-            <a:ext cx="367021" cy="12700"/>
-          </a:xfrm>
-          <a:prstGeom prst="bentConnector3">
-            <a:avLst>
-              <a:gd name="adj1" fmla="val 4701"/>
-            </a:avLst>
-          </a:prstGeom>
-          <a:ln w="25400">
-            <a:tailEnd type="triangle"/>
-          </a:ln>
-        </p:spPr>
-        <p:style>
-          <a:lnRef idx="1">
-            <a:schemeClr val="accent1"/>
-          </a:lnRef>
-          <a:fillRef idx="0">
-            <a:schemeClr val="accent1"/>
-          </a:fillRef>
-          <a:effectRef idx="0">
-            <a:schemeClr val="accent1"/>
-          </a:effectRef>
-          <a:fontRef idx="minor">
-            <a:schemeClr val="tx1"/>
-          </a:fontRef>
-        </p:style>
-      </p:cxnSp>
-      <p:cxnSp>
-        <p:nvCxnSpPr>
-          <p:cNvPr id="29" name="Connecteur en angle 28"/>
-          <p:cNvCxnSpPr>
-            <a:stCxn id="13" idx="0"/>
-            <a:endCxn id="15" idx="2"/>
-          </p:cNvCxnSpPr>
-          <p:nvPr/>
-        </p:nvCxnSpPr>
-        <p:spPr>
-          <a:xfrm rot="5400000" flipH="1" flipV="1">
-            <a:off x="8992415" y="3934128"/>
-            <a:ext cx="369075" cy="12700"/>
-          </a:xfrm>
-          <a:prstGeom prst="bentConnector3">
-            <a:avLst>
-              <a:gd name="adj1" fmla="val 4953"/>
-            </a:avLst>
-          </a:prstGeom>
-          <a:ln w="25400">
-            <a:tailEnd type="triangle"/>
-          </a:ln>
-        </p:spPr>
-        <p:style>
-          <a:lnRef idx="1">
-            <a:schemeClr val="accent1"/>
-          </a:lnRef>
-          <a:fillRef idx="0">
-            <a:schemeClr val="accent1"/>
-          </a:fillRef>
-          <a:effectRef idx="0">
-            <a:schemeClr val="accent1"/>
-          </a:effectRef>
-          <a:fontRef idx="minor">
-            <a:schemeClr val="tx1"/>
-          </a:fontRef>
-        </p:style>
-      </p:cxnSp>
-      <p:cxnSp>
-        <p:nvCxnSpPr>
-          <p:cNvPr id="31" name="Connecteur en angle 30"/>
-          <p:cNvCxnSpPr>
-            <a:stCxn id="15" idx="0"/>
-            <a:endCxn id="17" idx="3"/>
-          </p:cNvCxnSpPr>
-          <p:nvPr/>
-        </p:nvCxnSpPr>
-        <p:spPr>
-          <a:xfrm rot="16200000" flipV="1">
-            <a:off x="8147772" y="2226140"/>
-            <a:ext cx="107579" cy="1950782"/>
-          </a:xfrm>
-          <a:prstGeom prst="bentConnector2">
-            <a:avLst/>
-          </a:prstGeom>
-          <a:ln w="25400">
-            <a:tailEnd type="triangle"/>
-          </a:ln>
-        </p:spPr>
-        <p:style>
-          <a:lnRef idx="1">
-            <a:schemeClr val="accent1"/>
-          </a:lnRef>
-          <a:fillRef idx="0">
-            <a:schemeClr val="accent1"/>
-          </a:fillRef>
-          <a:effectRef idx="0">
-            <a:schemeClr val="accent1"/>
-          </a:effectRef>
-          <a:fontRef idx="minor">
-            <a:schemeClr val="tx1"/>
-          </a:fontRef>
-        </p:style>
-      </p:cxnSp>
-      <p:cxnSp>
-        <p:nvCxnSpPr>
-          <p:cNvPr id="33" name="Connecteur en angle 32"/>
-          <p:cNvCxnSpPr>
-            <a:stCxn id="12" idx="0"/>
-            <a:endCxn id="17" idx="1"/>
-          </p:cNvCxnSpPr>
-          <p:nvPr/>
-        </p:nvCxnSpPr>
-        <p:spPr>
-          <a:xfrm rot="5400000" flipH="1" flipV="1">
-            <a:off x="3508150" y="2657813"/>
-            <a:ext cx="970924" cy="1950781"/>
-          </a:xfrm>
-          <a:prstGeom prst="bentConnector2">
-            <a:avLst/>
-          </a:prstGeom>
-          <a:ln w="25400">
-            <a:tailEnd type="triangle"/>
-          </a:ln>
-        </p:spPr>
-        <p:style>
-          <a:lnRef idx="1">
-            <a:schemeClr val="accent1"/>
-          </a:lnRef>
-          <a:fillRef idx="0">
-            <a:schemeClr val="accent1"/>
-          </a:fillRef>
-          <a:effectRef idx="0">
-            <a:schemeClr val="accent1"/>
-          </a:effectRef>
-          <a:fontRef idx="minor">
-            <a:schemeClr val="tx1"/>
-          </a:fontRef>
-        </p:style>
-      </p:cxnSp>
       <p:sp>
         <p:nvSpPr>
           <p:cNvPr id="28" name="Rectangle 27"/>
@@ -9404,22 +9184,22 @@
       </p:sp>
       <p:cxnSp>
         <p:nvCxnSpPr>
-          <p:cNvPr id="21" name="Connecteur droit avec flèche 20"/>
+          <p:cNvPr id="7" name="Connecteur en angle 6"/>
           <p:cNvCxnSpPr>
-            <a:stCxn id="17" idx="0"/>
-            <a:endCxn id="28" idx="2"/>
+            <a:stCxn id="18" idx="2"/>
+            <a:endCxn id="28" idx="1"/>
           </p:cNvCxnSpPr>
           <p:nvPr/>
         </p:nvCxnSpPr>
         <p:spPr>
-          <a:xfrm flipV="1">
-            <a:off x="6097587" y="2406521"/>
-            <a:ext cx="0" cy="494085"/>
+          <a:xfrm rot="16200000" flipH="1">
+            <a:off x="4099032" y="1289414"/>
+            <a:ext cx="611359" cy="1128583"/>
           </a:xfrm>
-          <a:prstGeom prst="straightConnector1">
+          <a:prstGeom prst="bentConnector2">
             <a:avLst/>
           </a:prstGeom>
-          <a:ln>
+          <a:ln w="25400">
             <a:tailEnd type="triangle"/>
           </a:ln>
         </p:spPr>
@@ -9440,20 +9220,56 @@
       </p:cxnSp>
       <p:cxnSp>
         <p:nvCxnSpPr>
-          <p:cNvPr id="26" name="Connecteur en angle 25"/>
+          <p:cNvPr id="10" name="Connecteur en angle 9"/>
           <p:cNvCxnSpPr>
-            <a:stCxn id="28" idx="3"/>
+            <a:stCxn id="19" idx="2"/>
+            <a:endCxn id="28" idx="3"/>
           </p:cNvCxnSpPr>
           <p:nvPr/>
         </p:nvCxnSpPr>
         <p:spPr>
-          <a:xfrm flipV="1">
-            <a:off x="7226170" y="1543176"/>
-            <a:ext cx="822198" cy="616210"/>
+          <a:xfrm rot="5400000">
+            <a:off x="7485947" y="1290579"/>
+            <a:ext cx="609030" cy="1128584"/>
+          </a:xfrm>
+          <a:prstGeom prst="bentConnector2">
+            <a:avLst/>
+          </a:prstGeom>
+          <a:ln w="25400">
+            <a:tailEnd type="triangle"/>
+          </a:ln>
+        </p:spPr>
+        <p:style>
+          <a:lnRef idx="1">
+            <a:schemeClr val="accent1"/>
+          </a:lnRef>
+          <a:fillRef idx="0">
+            <a:schemeClr val="accent1"/>
+          </a:fillRef>
+          <a:effectRef idx="0">
+            <a:schemeClr val="accent1"/>
+          </a:effectRef>
+          <a:fontRef idx="minor">
+            <a:schemeClr val="tx1"/>
+          </a:fontRef>
+        </p:style>
+      </p:cxnSp>
+      <p:cxnSp>
+        <p:nvCxnSpPr>
+          <p:cNvPr id="16" name="Connecteur en angle 15"/>
+          <p:cNvCxnSpPr>
+            <a:stCxn id="19" idx="2"/>
+          </p:cNvCxnSpPr>
+          <p:nvPr/>
+        </p:nvCxnSpPr>
+        <p:spPr>
+          <a:xfrm rot="5400000">
+            <a:off x="7062235" y="1714291"/>
+            <a:ext cx="1456455" cy="1128584"/>
           </a:xfrm>
           <a:prstGeom prst="bentConnector3">
             <a:avLst>
-              <a:gd name="adj1" fmla="val 100096"/>
+              <a:gd name="adj1" fmla="val 99774"/>
             </a:avLst>
           </a:prstGeom>
           <a:ln w="25400">
@@ -9477,20 +9293,20 @@
       </p:cxnSp>
       <p:cxnSp>
         <p:nvCxnSpPr>
-          <p:cNvPr id="36" name="Connecteur en angle 35"/>
+          <p:cNvPr id="24" name="Connecteur en angle 23"/>
           <p:cNvCxnSpPr>
-            <a:endCxn id="19" idx="2"/>
+            <a:stCxn id="18" idx="2"/>
           </p:cNvCxnSpPr>
           <p:nvPr/>
         </p:nvCxnSpPr>
         <p:spPr>
-          <a:xfrm rot="5400000" flipH="1" flipV="1">
-            <a:off x="7055302" y="1721225"/>
-            <a:ext cx="1470321" cy="1128584"/>
+          <a:xfrm rot="16200000" flipH="1">
+            <a:off x="3675319" y="1713127"/>
+            <a:ext cx="1458784" cy="1128583"/>
           </a:xfrm>
           <a:prstGeom prst="bentConnector3">
             <a:avLst>
-              <a:gd name="adj1" fmla="val -985"/>
+              <a:gd name="adj1" fmla="val 99694"/>
             </a:avLst>
           </a:prstGeom>
           <a:ln w="25400">
@@ -9514,20 +9330,21 @@
       </p:cxnSp>
       <p:cxnSp>
         <p:nvCxnSpPr>
-          <p:cNvPr id="43" name="Connecteur en angle 42"/>
+          <p:cNvPr id="34" name="Connecteur en angle 33"/>
           <p:cNvCxnSpPr>
-            <a:stCxn id="28" idx="1"/>
+            <a:stCxn id="28" idx="2"/>
+            <a:endCxn id="17" idx="0"/>
           </p:cNvCxnSpPr>
           <p:nvPr/>
         </p:nvCxnSpPr>
         <p:spPr>
-          <a:xfrm rot="10800000">
-            <a:off x="4242487" y="1550356"/>
-            <a:ext cx="726517" cy="609030"/>
+          <a:xfrm rot="5400000">
+            <a:off x="5850545" y="2653563"/>
+            <a:ext cx="494085" cy="12700"/>
           </a:xfrm>
           <a:prstGeom prst="bentConnector3">
             <a:avLst>
-              <a:gd name="adj1" fmla="val 99891"/>
+              <a:gd name="adj1" fmla="val -1686"/>
             </a:avLst>
           </a:prstGeom>
           <a:ln w="25400">
@@ -9551,21 +9368,204 @@
       </p:cxnSp>
       <p:cxnSp>
         <p:nvCxnSpPr>
-          <p:cNvPr id="46" name="Connecteur en angle 45"/>
+          <p:cNvPr id="42" name="Connecteur en angle 41"/>
           <p:cNvCxnSpPr>
-            <a:endCxn id="18" idx="2"/>
+            <a:stCxn id="17" idx="1"/>
+            <a:endCxn id="12" idx="0"/>
           </p:cNvCxnSpPr>
           <p:nvPr/>
         </p:nvCxnSpPr>
         <p:spPr>
-          <a:xfrm rot="16200000" flipV="1">
-            <a:off x="3668387" y="1720061"/>
-            <a:ext cx="1472651" cy="1128583"/>
+          <a:xfrm rot="10800000" flipV="1">
+            <a:off x="3018223" y="3147741"/>
+            <a:ext cx="1950781" cy="970924"/>
+          </a:xfrm>
+          <a:prstGeom prst="bentConnector2">
+            <a:avLst/>
+          </a:prstGeom>
+          <a:ln w="25400">
+            <a:tailEnd type="triangle"/>
+          </a:ln>
+        </p:spPr>
+        <p:style>
+          <a:lnRef idx="1">
+            <a:schemeClr val="accent1"/>
+          </a:lnRef>
+          <a:fillRef idx="0">
+            <a:schemeClr val="accent1"/>
+          </a:fillRef>
+          <a:effectRef idx="0">
+            <a:schemeClr val="accent1"/>
+          </a:effectRef>
+          <a:fontRef idx="minor">
+            <a:schemeClr val="tx1"/>
+          </a:fontRef>
+        </p:style>
+      </p:cxnSp>
+      <p:cxnSp>
+        <p:nvCxnSpPr>
+          <p:cNvPr id="45" name="Connecteur en angle 44"/>
+          <p:cNvCxnSpPr>
+            <a:stCxn id="17" idx="3"/>
+            <a:endCxn id="15" idx="0"/>
+          </p:cNvCxnSpPr>
+          <p:nvPr/>
+        </p:nvCxnSpPr>
+        <p:spPr>
+          <a:xfrm>
+            <a:off x="7226170" y="3147741"/>
+            <a:ext cx="1950782" cy="107579"/>
+          </a:xfrm>
+          <a:prstGeom prst="bentConnector2">
+            <a:avLst/>
+          </a:prstGeom>
+          <a:ln w="25400">
+            <a:tailEnd type="triangle"/>
+          </a:ln>
+        </p:spPr>
+        <p:style>
+          <a:lnRef idx="1">
+            <a:schemeClr val="accent1"/>
+          </a:lnRef>
+          <a:fillRef idx="0">
+            <a:schemeClr val="accent1"/>
+          </a:fillRef>
+          <a:effectRef idx="0">
+            <a:schemeClr val="accent1"/>
+          </a:effectRef>
+          <a:fontRef idx="minor">
+            <a:schemeClr val="tx1"/>
+          </a:fontRef>
+        </p:style>
+      </p:cxnSp>
+      <p:cxnSp>
+        <p:nvCxnSpPr>
+          <p:cNvPr id="48" name="Connecteur en angle 47"/>
+          <p:cNvCxnSpPr>
+            <a:stCxn id="12" idx="2"/>
+            <a:endCxn id="9" idx="1"/>
+          </p:cNvCxnSpPr>
+          <p:nvPr/>
+        </p:nvCxnSpPr>
+        <p:spPr>
+          <a:xfrm rot="16200000" flipH="1">
+            <a:off x="3435809" y="4195347"/>
+            <a:ext cx="1115607" cy="1950781"/>
+          </a:xfrm>
+          <a:prstGeom prst="bentConnector2">
+            <a:avLst/>
+          </a:prstGeom>
+          <a:ln w="25400">
+            <a:tailEnd type="triangle"/>
+          </a:ln>
+        </p:spPr>
+        <p:style>
+          <a:lnRef idx="1">
+            <a:schemeClr val="accent1"/>
+          </a:lnRef>
+          <a:fillRef idx="0">
+            <a:schemeClr val="accent1"/>
+          </a:fillRef>
+          <a:effectRef idx="0">
+            <a:schemeClr val="accent1"/>
+          </a:effectRef>
+          <a:fontRef idx="minor">
+            <a:schemeClr val="tx1"/>
+          </a:fontRef>
+        </p:style>
+      </p:cxnSp>
+      <p:cxnSp>
+        <p:nvCxnSpPr>
+          <p:cNvPr id="50" name="Connecteur en angle 49"/>
+          <p:cNvCxnSpPr>
+            <a:stCxn id="15" idx="2"/>
+            <a:endCxn id="13" idx="0"/>
+          </p:cNvCxnSpPr>
+          <p:nvPr/>
+        </p:nvCxnSpPr>
+        <p:spPr>
+          <a:xfrm rot="5400000">
+            <a:off x="8992415" y="3934127"/>
+            <a:ext cx="369075" cy="12700"/>
           </a:xfrm>
           <a:prstGeom prst="bentConnector3">
             <a:avLst>
-              <a:gd name="adj1" fmla="val 774"/>
+              <a:gd name="adj1" fmla="val -1337"/>
             </a:avLst>
+          </a:prstGeom>
+          <a:ln w="25400">
+            <a:tailEnd type="triangle"/>
+          </a:ln>
+        </p:spPr>
+        <p:style>
+          <a:lnRef idx="1">
+            <a:schemeClr val="accent1"/>
+          </a:lnRef>
+          <a:fillRef idx="0">
+            <a:schemeClr val="accent1"/>
+          </a:fillRef>
+          <a:effectRef idx="0">
+            <a:schemeClr val="accent1"/>
+          </a:effectRef>
+          <a:fontRef idx="minor">
+            <a:schemeClr val="tx1"/>
+          </a:fontRef>
+        </p:style>
+      </p:cxnSp>
+      <p:cxnSp>
+        <p:nvCxnSpPr>
+          <p:cNvPr id="55" name="Connecteur en angle 54"/>
+          <p:cNvCxnSpPr>
+            <a:stCxn id="13" idx="2"/>
+            <a:endCxn id="14" idx="0"/>
+          </p:cNvCxnSpPr>
+          <p:nvPr/>
+        </p:nvCxnSpPr>
+        <p:spPr>
+          <a:xfrm rot="5400000">
+            <a:off x="8993442" y="4796445"/>
+            <a:ext cx="367021" cy="12700"/>
+          </a:xfrm>
+          <a:prstGeom prst="bentConnector3">
+            <a:avLst>
+              <a:gd name="adj1" fmla="val -3869"/>
+            </a:avLst>
+          </a:prstGeom>
+          <a:ln w="25400">
+            <a:tailEnd type="triangle"/>
+          </a:ln>
+        </p:spPr>
+        <p:style>
+          <a:lnRef idx="1">
+            <a:schemeClr val="accent1"/>
+          </a:lnRef>
+          <a:fillRef idx="0">
+            <a:schemeClr val="accent1"/>
+          </a:fillRef>
+          <a:effectRef idx="0">
+            <a:schemeClr val="accent1"/>
+          </a:effectRef>
+          <a:fontRef idx="minor">
+            <a:schemeClr val="tx1"/>
+          </a:fontRef>
+        </p:style>
+      </p:cxnSp>
+      <p:cxnSp>
+        <p:nvCxnSpPr>
+          <p:cNvPr id="58" name="Connecteur en angle 57"/>
+          <p:cNvCxnSpPr>
+            <a:stCxn id="14" idx="2"/>
+            <a:endCxn id="9" idx="3"/>
+          </p:cNvCxnSpPr>
+          <p:nvPr/>
+        </p:nvCxnSpPr>
+        <p:spPr>
+          <a:xfrm rot="5400000">
+            <a:off x="8074403" y="4625993"/>
+            <a:ext cx="254316" cy="1950782"/>
+          </a:xfrm>
+          <a:prstGeom prst="bentConnector2">
+            <a:avLst/>
           </a:prstGeom>
           <a:ln w="25400">
             <a:tailEnd type="triangle"/>
@@ -10227,226 +10227,6 @@
           </a:p>
         </p:txBody>
       </p:sp>
-      <p:cxnSp>
-        <p:nvCxnSpPr>
-          <p:cNvPr id="38" name="Connecteur en angle 37"/>
-          <p:cNvCxnSpPr>
-            <a:stCxn id="22" idx="1"/>
-            <a:endCxn id="24" idx="2"/>
-          </p:cNvCxnSpPr>
-          <p:nvPr/>
-        </p:nvCxnSpPr>
-        <p:spPr>
-          <a:xfrm rot="10800000">
-            <a:off x="3018223" y="4612936"/>
-            <a:ext cx="1950781" cy="1115607"/>
-          </a:xfrm>
-          <a:prstGeom prst="bentConnector2">
-            <a:avLst/>
-          </a:prstGeom>
-          <a:ln w="25400">
-            <a:tailEnd type="triangle"/>
-          </a:ln>
-        </p:spPr>
-        <p:style>
-          <a:lnRef idx="1">
-            <a:schemeClr val="accent1"/>
-          </a:lnRef>
-          <a:fillRef idx="0">
-            <a:schemeClr val="accent1"/>
-          </a:fillRef>
-          <a:effectRef idx="0">
-            <a:schemeClr val="accent1"/>
-          </a:effectRef>
-          <a:fontRef idx="minor">
-            <a:schemeClr val="tx1"/>
-          </a:fontRef>
-        </p:style>
-      </p:cxnSp>
-      <p:cxnSp>
-        <p:nvCxnSpPr>
-          <p:cNvPr id="39" name="Connecteur en angle 38"/>
-          <p:cNvCxnSpPr>
-            <a:stCxn id="22" idx="3"/>
-            <a:endCxn id="28" idx="2"/>
-          </p:cNvCxnSpPr>
-          <p:nvPr/>
-        </p:nvCxnSpPr>
-        <p:spPr>
-          <a:xfrm flipV="1">
-            <a:off x="7226170" y="5474226"/>
-            <a:ext cx="1950782" cy="254316"/>
-          </a:xfrm>
-          <a:prstGeom prst="bentConnector2">
-            <a:avLst/>
-          </a:prstGeom>
-          <a:ln w="25400">
-            <a:tailEnd type="triangle"/>
-          </a:ln>
-        </p:spPr>
-        <p:style>
-          <a:lnRef idx="1">
-            <a:schemeClr val="accent1"/>
-          </a:lnRef>
-          <a:fillRef idx="0">
-            <a:schemeClr val="accent1"/>
-          </a:fillRef>
-          <a:effectRef idx="0">
-            <a:schemeClr val="accent1"/>
-          </a:effectRef>
-          <a:fontRef idx="minor">
-            <a:schemeClr val="tx1"/>
-          </a:fontRef>
-        </p:style>
-      </p:cxnSp>
-      <p:cxnSp>
-        <p:nvCxnSpPr>
-          <p:cNvPr id="40" name="Connecteur en angle 39"/>
-          <p:cNvCxnSpPr>
-            <a:stCxn id="28" idx="0"/>
-            <a:endCxn id="26" idx="2"/>
-          </p:cNvCxnSpPr>
-          <p:nvPr/>
-        </p:nvCxnSpPr>
-        <p:spPr>
-          <a:xfrm rot="5400000" flipH="1" flipV="1">
-            <a:off x="8993442" y="4796446"/>
-            <a:ext cx="367021" cy="12700"/>
-          </a:xfrm>
-          <a:prstGeom prst="bentConnector3">
-            <a:avLst>
-              <a:gd name="adj1" fmla="val 4701"/>
-            </a:avLst>
-          </a:prstGeom>
-          <a:ln w="25400">
-            <a:tailEnd type="triangle"/>
-          </a:ln>
-        </p:spPr>
-        <p:style>
-          <a:lnRef idx="1">
-            <a:schemeClr val="accent1"/>
-          </a:lnRef>
-          <a:fillRef idx="0">
-            <a:schemeClr val="accent1"/>
-          </a:fillRef>
-          <a:effectRef idx="0">
-            <a:schemeClr val="accent1"/>
-          </a:effectRef>
-          <a:fontRef idx="minor">
-            <a:schemeClr val="tx1"/>
-          </a:fontRef>
-        </p:style>
-      </p:cxnSp>
-      <p:cxnSp>
-        <p:nvCxnSpPr>
-          <p:cNvPr id="41" name="Connecteur en angle 40"/>
-          <p:cNvCxnSpPr>
-            <a:stCxn id="26" idx="0"/>
-            <a:endCxn id="30" idx="2"/>
-          </p:cNvCxnSpPr>
-          <p:nvPr/>
-        </p:nvCxnSpPr>
-        <p:spPr>
-          <a:xfrm rot="5400000" flipH="1" flipV="1">
-            <a:off x="8992415" y="3934128"/>
-            <a:ext cx="369075" cy="12700"/>
-          </a:xfrm>
-          <a:prstGeom prst="bentConnector3">
-            <a:avLst>
-              <a:gd name="adj1" fmla="val 4953"/>
-            </a:avLst>
-          </a:prstGeom>
-          <a:ln w="25400">
-            <a:tailEnd type="triangle"/>
-          </a:ln>
-        </p:spPr>
-        <p:style>
-          <a:lnRef idx="1">
-            <a:schemeClr val="accent1"/>
-          </a:lnRef>
-          <a:fillRef idx="0">
-            <a:schemeClr val="accent1"/>
-          </a:fillRef>
-          <a:effectRef idx="0">
-            <a:schemeClr val="accent1"/>
-          </a:effectRef>
-          <a:fontRef idx="minor">
-            <a:schemeClr val="tx1"/>
-          </a:fontRef>
-        </p:style>
-      </p:cxnSp>
-      <p:cxnSp>
-        <p:nvCxnSpPr>
-          <p:cNvPr id="42" name="Connecteur en angle 41"/>
-          <p:cNvCxnSpPr>
-            <a:stCxn id="30" idx="0"/>
-            <a:endCxn id="32" idx="3"/>
-          </p:cNvCxnSpPr>
-          <p:nvPr/>
-        </p:nvCxnSpPr>
-        <p:spPr>
-          <a:xfrm rot="16200000" flipV="1">
-            <a:off x="8147772" y="2226140"/>
-            <a:ext cx="107579" cy="1950782"/>
-          </a:xfrm>
-          <a:prstGeom prst="bentConnector2">
-            <a:avLst/>
-          </a:prstGeom>
-          <a:ln w="25400">
-            <a:tailEnd type="triangle"/>
-          </a:ln>
-        </p:spPr>
-        <p:style>
-          <a:lnRef idx="1">
-            <a:schemeClr val="accent1"/>
-          </a:lnRef>
-          <a:fillRef idx="0">
-            <a:schemeClr val="accent1"/>
-          </a:fillRef>
-          <a:effectRef idx="0">
-            <a:schemeClr val="accent1"/>
-          </a:effectRef>
-          <a:fontRef idx="minor">
-            <a:schemeClr val="tx1"/>
-          </a:fontRef>
-        </p:style>
-      </p:cxnSp>
-      <p:cxnSp>
-        <p:nvCxnSpPr>
-          <p:cNvPr id="43" name="Connecteur en angle 42"/>
-          <p:cNvCxnSpPr>
-            <a:stCxn id="24" idx="0"/>
-            <a:endCxn id="32" idx="1"/>
-          </p:cNvCxnSpPr>
-          <p:nvPr/>
-        </p:nvCxnSpPr>
-        <p:spPr>
-          <a:xfrm rot="5400000" flipH="1" flipV="1">
-            <a:off x="3508150" y="2657813"/>
-            <a:ext cx="970924" cy="1950781"/>
-          </a:xfrm>
-          <a:prstGeom prst="bentConnector2">
-            <a:avLst/>
-          </a:prstGeom>
-          <a:ln w="25400">
-            <a:tailEnd type="triangle"/>
-          </a:ln>
-        </p:spPr>
-        <p:style>
-          <a:lnRef idx="1">
-            <a:schemeClr val="accent1"/>
-          </a:lnRef>
-          <a:fillRef idx="0">
-            <a:schemeClr val="accent1"/>
-          </a:fillRef>
-          <a:effectRef idx="0">
-            <a:schemeClr val="accent1"/>
-          </a:effectRef>
-          <a:fontRef idx="minor">
-            <a:schemeClr val="tx1"/>
-          </a:fontRef>
-        </p:style>
-      </p:cxnSp>
       <p:sp>
         <p:nvSpPr>
           <p:cNvPr id="44" name="Rectangle 43"/>
@@ -10547,154 +10327,6 @@
           </a:fontRef>
         </p:style>
       </p:cxnSp>
-      <p:cxnSp>
-        <p:nvCxnSpPr>
-          <p:cNvPr id="46" name="Connecteur en angle 45"/>
-          <p:cNvCxnSpPr>
-            <a:stCxn id="44" idx="3"/>
-          </p:cNvCxnSpPr>
-          <p:nvPr/>
-        </p:nvCxnSpPr>
-        <p:spPr>
-          <a:xfrm flipV="1">
-            <a:off x="7226170" y="1543176"/>
-            <a:ext cx="822198" cy="616210"/>
-          </a:xfrm>
-          <a:prstGeom prst="bentConnector3">
-            <a:avLst>
-              <a:gd name="adj1" fmla="val 100096"/>
-            </a:avLst>
-          </a:prstGeom>
-          <a:ln w="25400">
-            <a:tailEnd type="triangle"/>
-          </a:ln>
-        </p:spPr>
-        <p:style>
-          <a:lnRef idx="1">
-            <a:schemeClr val="accent1"/>
-          </a:lnRef>
-          <a:fillRef idx="0">
-            <a:schemeClr val="accent1"/>
-          </a:fillRef>
-          <a:effectRef idx="0">
-            <a:schemeClr val="accent1"/>
-          </a:effectRef>
-          <a:fontRef idx="minor">
-            <a:schemeClr val="tx1"/>
-          </a:fontRef>
-        </p:style>
-      </p:cxnSp>
-      <p:cxnSp>
-        <p:nvCxnSpPr>
-          <p:cNvPr id="47" name="Connecteur en angle 46"/>
-          <p:cNvCxnSpPr>
-            <a:endCxn id="36" idx="2"/>
-          </p:cNvCxnSpPr>
-          <p:nvPr/>
-        </p:nvCxnSpPr>
-        <p:spPr>
-          <a:xfrm rot="5400000" flipH="1" flipV="1">
-            <a:off x="7055302" y="1721225"/>
-            <a:ext cx="1470321" cy="1128584"/>
-          </a:xfrm>
-          <a:prstGeom prst="bentConnector3">
-            <a:avLst>
-              <a:gd name="adj1" fmla="val -985"/>
-            </a:avLst>
-          </a:prstGeom>
-          <a:ln w="25400">
-            <a:tailEnd type="triangle"/>
-          </a:ln>
-        </p:spPr>
-        <p:style>
-          <a:lnRef idx="1">
-            <a:schemeClr val="accent1"/>
-          </a:lnRef>
-          <a:fillRef idx="0">
-            <a:schemeClr val="accent1"/>
-          </a:fillRef>
-          <a:effectRef idx="0">
-            <a:schemeClr val="accent1"/>
-          </a:effectRef>
-          <a:fontRef idx="minor">
-            <a:schemeClr val="tx1"/>
-          </a:fontRef>
-        </p:style>
-      </p:cxnSp>
-      <p:cxnSp>
-        <p:nvCxnSpPr>
-          <p:cNvPr id="48" name="Connecteur en angle 47"/>
-          <p:cNvCxnSpPr>
-            <a:stCxn id="44" idx="1"/>
-          </p:cNvCxnSpPr>
-          <p:nvPr/>
-        </p:nvCxnSpPr>
-        <p:spPr>
-          <a:xfrm rot="10800000">
-            <a:off x="4242487" y="1550356"/>
-            <a:ext cx="726517" cy="609030"/>
-          </a:xfrm>
-          <a:prstGeom prst="bentConnector3">
-            <a:avLst>
-              <a:gd name="adj1" fmla="val 99891"/>
-            </a:avLst>
-          </a:prstGeom>
-          <a:ln w="25400">
-            <a:tailEnd type="triangle"/>
-          </a:ln>
-        </p:spPr>
-        <p:style>
-          <a:lnRef idx="1">
-            <a:schemeClr val="accent1"/>
-          </a:lnRef>
-          <a:fillRef idx="0">
-            <a:schemeClr val="accent1"/>
-          </a:fillRef>
-          <a:effectRef idx="0">
-            <a:schemeClr val="accent1"/>
-          </a:effectRef>
-          <a:fontRef idx="minor">
-            <a:schemeClr val="tx1"/>
-          </a:fontRef>
-        </p:style>
-      </p:cxnSp>
-      <p:cxnSp>
-        <p:nvCxnSpPr>
-          <p:cNvPr id="49" name="Connecteur en angle 48"/>
-          <p:cNvCxnSpPr>
-            <a:endCxn id="34" idx="2"/>
-          </p:cNvCxnSpPr>
-          <p:nvPr/>
-        </p:nvCxnSpPr>
-        <p:spPr>
-          <a:xfrm rot="16200000" flipV="1">
-            <a:off x="3668387" y="1720061"/>
-            <a:ext cx="1472651" cy="1128583"/>
-          </a:xfrm>
-          <a:prstGeom prst="bentConnector3">
-            <a:avLst>
-              <a:gd name="adj1" fmla="val 774"/>
-            </a:avLst>
-          </a:prstGeom>
-          <a:ln w="25400">
-            <a:tailEnd type="triangle"/>
-          </a:ln>
-        </p:spPr>
-        <p:style>
-          <a:lnRef idx="1">
-            <a:schemeClr val="accent1"/>
-          </a:lnRef>
-          <a:fillRef idx="0">
-            <a:schemeClr val="accent1"/>
-          </a:fillRef>
-          <a:effectRef idx="0">
-            <a:schemeClr val="accent1"/>
-          </a:effectRef>
-          <a:fontRef idx="minor">
-            <a:schemeClr val="tx1"/>
-          </a:fontRef>
-        </p:style>
-      </p:cxnSp>
       <p:sp>
         <p:nvSpPr>
           <p:cNvPr id="3" name="ZoneTexte 2"/>
@@ -10809,6 +10441,379 @@
           </a:p>
         </p:txBody>
       </p:sp>
+      <p:cxnSp>
+        <p:nvCxnSpPr>
+          <p:cNvPr id="29" name="Connecteur en angle 28"/>
+          <p:cNvCxnSpPr/>
+          <p:nvPr/>
+        </p:nvCxnSpPr>
+        <p:spPr>
+          <a:xfrm rot="16200000" flipH="1">
+            <a:off x="4099032" y="1289414"/>
+            <a:ext cx="611359" cy="1128583"/>
+          </a:xfrm>
+          <a:prstGeom prst="bentConnector2">
+            <a:avLst/>
+          </a:prstGeom>
+          <a:ln w="25400">
+            <a:tailEnd type="triangle"/>
+          </a:ln>
+        </p:spPr>
+        <p:style>
+          <a:lnRef idx="1">
+            <a:schemeClr val="accent1"/>
+          </a:lnRef>
+          <a:fillRef idx="0">
+            <a:schemeClr val="accent1"/>
+          </a:fillRef>
+          <a:effectRef idx="0">
+            <a:schemeClr val="accent1"/>
+          </a:effectRef>
+          <a:fontRef idx="minor">
+            <a:schemeClr val="tx1"/>
+          </a:fontRef>
+        </p:style>
+      </p:cxnSp>
+      <p:cxnSp>
+        <p:nvCxnSpPr>
+          <p:cNvPr id="31" name="Connecteur en angle 30"/>
+          <p:cNvCxnSpPr/>
+          <p:nvPr/>
+        </p:nvCxnSpPr>
+        <p:spPr>
+          <a:xfrm rot="5400000">
+            <a:off x="7485947" y="1290579"/>
+            <a:ext cx="609030" cy="1128584"/>
+          </a:xfrm>
+          <a:prstGeom prst="bentConnector2">
+            <a:avLst/>
+          </a:prstGeom>
+          <a:ln w="25400">
+            <a:tailEnd type="triangle"/>
+          </a:ln>
+        </p:spPr>
+        <p:style>
+          <a:lnRef idx="1">
+            <a:schemeClr val="accent1"/>
+          </a:lnRef>
+          <a:fillRef idx="0">
+            <a:schemeClr val="accent1"/>
+          </a:fillRef>
+          <a:effectRef idx="0">
+            <a:schemeClr val="accent1"/>
+          </a:effectRef>
+          <a:fontRef idx="minor">
+            <a:schemeClr val="tx1"/>
+          </a:fontRef>
+        </p:style>
+      </p:cxnSp>
+      <p:cxnSp>
+        <p:nvCxnSpPr>
+          <p:cNvPr id="33" name="Connecteur en angle 32"/>
+          <p:cNvCxnSpPr/>
+          <p:nvPr/>
+        </p:nvCxnSpPr>
+        <p:spPr>
+          <a:xfrm rot="5400000">
+            <a:off x="7062235" y="1714291"/>
+            <a:ext cx="1456455" cy="1128584"/>
+          </a:xfrm>
+          <a:prstGeom prst="bentConnector3">
+            <a:avLst>
+              <a:gd name="adj1" fmla="val 99774"/>
+            </a:avLst>
+          </a:prstGeom>
+          <a:ln w="25400">
+            <a:tailEnd type="triangle"/>
+          </a:ln>
+        </p:spPr>
+        <p:style>
+          <a:lnRef idx="1">
+            <a:schemeClr val="accent1"/>
+          </a:lnRef>
+          <a:fillRef idx="0">
+            <a:schemeClr val="accent1"/>
+          </a:fillRef>
+          <a:effectRef idx="0">
+            <a:schemeClr val="accent1"/>
+          </a:effectRef>
+          <a:fontRef idx="minor">
+            <a:schemeClr val="tx1"/>
+          </a:fontRef>
+        </p:style>
+      </p:cxnSp>
+      <p:cxnSp>
+        <p:nvCxnSpPr>
+          <p:cNvPr id="35" name="Connecteur en angle 34"/>
+          <p:cNvCxnSpPr/>
+          <p:nvPr/>
+        </p:nvCxnSpPr>
+        <p:spPr>
+          <a:xfrm rot="16200000" flipH="1">
+            <a:off x="3675319" y="1713127"/>
+            <a:ext cx="1458784" cy="1128583"/>
+          </a:xfrm>
+          <a:prstGeom prst="bentConnector3">
+            <a:avLst>
+              <a:gd name="adj1" fmla="val 99694"/>
+            </a:avLst>
+          </a:prstGeom>
+          <a:ln w="25400">
+            <a:tailEnd type="triangle"/>
+          </a:ln>
+        </p:spPr>
+        <p:style>
+          <a:lnRef idx="1">
+            <a:schemeClr val="accent1"/>
+          </a:lnRef>
+          <a:fillRef idx="0">
+            <a:schemeClr val="accent1"/>
+          </a:fillRef>
+          <a:effectRef idx="0">
+            <a:schemeClr val="accent1"/>
+          </a:effectRef>
+          <a:fontRef idx="minor">
+            <a:schemeClr val="tx1"/>
+          </a:fontRef>
+        </p:style>
+      </p:cxnSp>
+      <p:cxnSp>
+        <p:nvCxnSpPr>
+          <p:cNvPr id="37" name="Connecteur en angle 36"/>
+          <p:cNvCxnSpPr/>
+          <p:nvPr/>
+        </p:nvCxnSpPr>
+        <p:spPr>
+          <a:xfrm rot="5400000">
+            <a:off x="5850545" y="2653563"/>
+            <a:ext cx="494085" cy="12700"/>
+          </a:xfrm>
+          <a:prstGeom prst="bentConnector3">
+            <a:avLst>
+              <a:gd name="adj1" fmla="val -1686"/>
+            </a:avLst>
+          </a:prstGeom>
+          <a:ln w="25400">
+            <a:tailEnd type="triangle"/>
+          </a:ln>
+        </p:spPr>
+        <p:style>
+          <a:lnRef idx="1">
+            <a:schemeClr val="accent1"/>
+          </a:lnRef>
+          <a:fillRef idx="0">
+            <a:schemeClr val="accent1"/>
+          </a:fillRef>
+          <a:effectRef idx="0">
+            <a:schemeClr val="accent1"/>
+          </a:effectRef>
+          <a:fontRef idx="minor">
+            <a:schemeClr val="tx1"/>
+          </a:fontRef>
+        </p:style>
+      </p:cxnSp>
+      <p:cxnSp>
+        <p:nvCxnSpPr>
+          <p:cNvPr id="50" name="Connecteur en angle 49"/>
+          <p:cNvCxnSpPr/>
+          <p:nvPr/>
+        </p:nvCxnSpPr>
+        <p:spPr>
+          <a:xfrm rot="10800000" flipV="1">
+            <a:off x="3018223" y="3147741"/>
+            <a:ext cx="1950781" cy="970924"/>
+          </a:xfrm>
+          <a:prstGeom prst="bentConnector2">
+            <a:avLst/>
+          </a:prstGeom>
+          <a:ln w="25400">
+            <a:tailEnd type="triangle"/>
+          </a:ln>
+        </p:spPr>
+        <p:style>
+          <a:lnRef idx="1">
+            <a:schemeClr val="accent1"/>
+          </a:lnRef>
+          <a:fillRef idx="0">
+            <a:schemeClr val="accent1"/>
+          </a:fillRef>
+          <a:effectRef idx="0">
+            <a:schemeClr val="accent1"/>
+          </a:effectRef>
+          <a:fontRef idx="minor">
+            <a:schemeClr val="tx1"/>
+          </a:fontRef>
+        </p:style>
+      </p:cxnSp>
+      <p:cxnSp>
+        <p:nvCxnSpPr>
+          <p:cNvPr id="51" name="Connecteur en angle 50"/>
+          <p:cNvCxnSpPr/>
+          <p:nvPr/>
+        </p:nvCxnSpPr>
+        <p:spPr>
+          <a:xfrm>
+            <a:off x="7226170" y="3147741"/>
+            <a:ext cx="1950782" cy="107579"/>
+          </a:xfrm>
+          <a:prstGeom prst="bentConnector2">
+            <a:avLst/>
+          </a:prstGeom>
+          <a:ln w="25400">
+            <a:tailEnd type="triangle"/>
+          </a:ln>
+        </p:spPr>
+        <p:style>
+          <a:lnRef idx="1">
+            <a:schemeClr val="accent1"/>
+          </a:lnRef>
+          <a:fillRef idx="0">
+            <a:schemeClr val="accent1"/>
+          </a:fillRef>
+          <a:effectRef idx="0">
+            <a:schemeClr val="accent1"/>
+          </a:effectRef>
+          <a:fontRef idx="minor">
+            <a:schemeClr val="tx1"/>
+          </a:fontRef>
+        </p:style>
+      </p:cxnSp>
+      <p:cxnSp>
+        <p:nvCxnSpPr>
+          <p:cNvPr id="52" name="Connecteur en angle 51"/>
+          <p:cNvCxnSpPr/>
+          <p:nvPr/>
+        </p:nvCxnSpPr>
+        <p:spPr>
+          <a:xfrm rot="16200000" flipH="1">
+            <a:off x="3435809" y="4195347"/>
+            <a:ext cx="1115607" cy="1950781"/>
+          </a:xfrm>
+          <a:prstGeom prst="bentConnector2">
+            <a:avLst/>
+          </a:prstGeom>
+          <a:ln w="25400">
+            <a:tailEnd type="triangle"/>
+          </a:ln>
+        </p:spPr>
+        <p:style>
+          <a:lnRef idx="1">
+            <a:schemeClr val="accent1"/>
+          </a:lnRef>
+          <a:fillRef idx="0">
+            <a:schemeClr val="accent1"/>
+          </a:fillRef>
+          <a:effectRef idx="0">
+            <a:schemeClr val="accent1"/>
+          </a:effectRef>
+          <a:fontRef idx="minor">
+            <a:schemeClr val="tx1"/>
+          </a:fontRef>
+        </p:style>
+      </p:cxnSp>
+      <p:cxnSp>
+        <p:nvCxnSpPr>
+          <p:cNvPr id="53" name="Connecteur en angle 52"/>
+          <p:cNvCxnSpPr/>
+          <p:nvPr/>
+        </p:nvCxnSpPr>
+        <p:spPr>
+          <a:xfrm rot="5400000">
+            <a:off x="8992415" y="3934127"/>
+            <a:ext cx="369075" cy="12700"/>
+          </a:xfrm>
+          <a:prstGeom prst="bentConnector3">
+            <a:avLst>
+              <a:gd name="adj1" fmla="val -1337"/>
+            </a:avLst>
+          </a:prstGeom>
+          <a:ln w="25400">
+            <a:tailEnd type="triangle"/>
+          </a:ln>
+        </p:spPr>
+        <p:style>
+          <a:lnRef idx="1">
+            <a:schemeClr val="accent1"/>
+          </a:lnRef>
+          <a:fillRef idx="0">
+            <a:schemeClr val="accent1"/>
+          </a:fillRef>
+          <a:effectRef idx="0">
+            <a:schemeClr val="accent1"/>
+          </a:effectRef>
+          <a:fontRef idx="minor">
+            <a:schemeClr val="tx1"/>
+          </a:fontRef>
+        </p:style>
+      </p:cxnSp>
+      <p:cxnSp>
+        <p:nvCxnSpPr>
+          <p:cNvPr id="54" name="Connecteur en angle 53"/>
+          <p:cNvCxnSpPr/>
+          <p:nvPr/>
+        </p:nvCxnSpPr>
+        <p:spPr>
+          <a:xfrm rot="5400000">
+            <a:off x="8993442" y="4796445"/>
+            <a:ext cx="367021" cy="12700"/>
+          </a:xfrm>
+          <a:prstGeom prst="bentConnector3">
+            <a:avLst>
+              <a:gd name="adj1" fmla="val -3869"/>
+            </a:avLst>
+          </a:prstGeom>
+          <a:ln w="25400">
+            <a:tailEnd type="triangle"/>
+          </a:ln>
+        </p:spPr>
+        <p:style>
+          <a:lnRef idx="1">
+            <a:schemeClr val="accent1"/>
+          </a:lnRef>
+          <a:fillRef idx="0">
+            <a:schemeClr val="accent1"/>
+          </a:fillRef>
+          <a:effectRef idx="0">
+            <a:schemeClr val="accent1"/>
+          </a:effectRef>
+          <a:fontRef idx="minor">
+            <a:schemeClr val="tx1"/>
+          </a:fontRef>
+        </p:style>
+      </p:cxnSp>
+      <p:cxnSp>
+        <p:nvCxnSpPr>
+          <p:cNvPr id="55" name="Connecteur en angle 54"/>
+          <p:cNvCxnSpPr/>
+          <p:nvPr/>
+        </p:nvCxnSpPr>
+        <p:spPr>
+          <a:xfrm rot="5400000">
+            <a:off x="8074403" y="4625993"/>
+            <a:ext cx="254316" cy="1950782"/>
+          </a:xfrm>
+          <a:prstGeom prst="bentConnector2">
+            <a:avLst/>
+          </a:prstGeom>
+          <a:ln w="25400">
+            <a:tailEnd type="triangle"/>
+          </a:ln>
+        </p:spPr>
+        <p:style>
+          <a:lnRef idx="1">
+            <a:schemeClr val="accent1"/>
+          </a:lnRef>
+          <a:fillRef idx="0">
+            <a:schemeClr val="accent1"/>
+          </a:fillRef>
+          <a:effectRef idx="0">
+            <a:schemeClr val="accent1"/>
+          </a:effectRef>
+          <a:fontRef idx="minor">
+            <a:schemeClr val="tx1"/>
+          </a:fontRef>
+        </p:style>
+      </p:cxnSp>
     </p:spTree>
     <p:extLst>
       <p:ext uri="{BB962C8B-B14F-4D97-AF65-F5344CB8AC3E}">
